--- a/Slides/31_12_23.pptx
+++ b/Slides/31_12_23.pptx
@@ -5,7 +5,7 @@
     <p:sldMasterId id="2147483807" r:id="rId1"/>
   </p:sldMasterIdLst>
   <p:notesMasterIdLst>
-    <p:notesMasterId r:id="rId51"/>
+    <p:notesMasterId r:id="rId64"/>
   </p:notesMasterIdLst>
   <p:sldIdLst>
     <p:sldId id="256" r:id="rId2"/>
@@ -36,49 +36,62 @@
     <p:sldId id="522" r:id="rId27"/>
     <p:sldId id="523" r:id="rId28"/>
     <p:sldId id="524" r:id="rId29"/>
-    <p:sldId id="590" r:id="rId30"/>
-    <p:sldId id="591" r:id="rId31"/>
-    <p:sldId id="592" r:id="rId32"/>
-    <p:sldId id="362" r:id="rId33"/>
-    <p:sldId id="593" r:id="rId34"/>
-    <p:sldId id="594" r:id="rId35"/>
-    <p:sldId id="493" r:id="rId36"/>
-    <p:sldId id="528" r:id="rId37"/>
-    <p:sldId id="529" r:id="rId38"/>
-    <p:sldId id="595" r:id="rId39"/>
-    <p:sldId id="530" r:id="rId40"/>
-    <p:sldId id="531" r:id="rId41"/>
-    <p:sldId id="532" r:id="rId42"/>
-    <p:sldId id="533" r:id="rId43"/>
-    <p:sldId id="276" r:id="rId44"/>
-    <p:sldId id="266" r:id="rId45"/>
-    <p:sldId id="561" r:id="rId46"/>
-    <p:sldId id="559" r:id="rId47"/>
-    <p:sldId id="589" r:id="rId48"/>
-    <p:sldId id="269" r:id="rId49"/>
-    <p:sldId id="275" r:id="rId50"/>
+    <p:sldId id="596" r:id="rId30"/>
+    <p:sldId id="597" r:id="rId31"/>
+    <p:sldId id="468" r:id="rId32"/>
+    <p:sldId id="356" r:id="rId33"/>
+    <p:sldId id="479" r:id="rId34"/>
+    <p:sldId id="598" r:id="rId35"/>
+    <p:sldId id="480" r:id="rId36"/>
+    <p:sldId id="481" r:id="rId37"/>
+    <p:sldId id="482" r:id="rId38"/>
+    <p:sldId id="483" r:id="rId39"/>
+    <p:sldId id="476" r:id="rId40"/>
+    <p:sldId id="484" r:id="rId41"/>
+    <p:sldId id="485" r:id="rId42"/>
+    <p:sldId id="276" r:id="rId43"/>
+    <p:sldId id="266" r:id="rId44"/>
+    <p:sldId id="590" r:id="rId45"/>
+    <p:sldId id="591" r:id="rId46"/>
+    <p:sldId id="592" r:id="rId47"/>
+    <p:sldId id="362" r:id="rId48"/>
+    <p:sldId id="593" r:id="rId49"/>
+    <p:sldId id="594" r:id="rId50"/>
+    <p:sldId id="493" r:id="rId51"/>
+    <p:sldId id="528" r:id="rId52"/>
+    <p:sldId id="529" r:id="rId53"/>
+    <p:sldId id="595" r:id="rId54"/>
+    <p:sldId id="530" r:id="rId55"/>
+    <p:sldId id="531" r:id="rId56"/>
+    <p:sldId id="532" r:id="rId57"/>
+    <p:sldId id="533" r:id="rId58"/>
+    <p:sldId id="561" r:id="rId59"/>
+    <p:sldId id="559" r:id="rId60"/>
+    <p:sldId id="589" r:id="rId61"/>
+    <p:sldId id="269" r:id="rId62"/>
+    <p:sldId id="275" r:id="rId63"/>
   </p:sldIdLst>
   <p:sldSz cx="9144000" cy="5143500" type="screen16x9"/>
   <p:notesSz cx="6858000" cy="9144000"/>
   <p:embeddedFontLst>
     <p:embeddedFont>
       <p:font typeface="Gill Sans MT" panose="020B0502020104020203" pitchFamily="34" charset="77"/>
-      <p:regular r:id="rId52"/>
-      <p:bold r:id="rId53"/>
-      <p:italic r:id="rId54"/>
-      <p:boldItalic r:id="rId55"/>
+      <p:regular r:id="rId65"/>
+      <p:bold r:id="rId66"/>
+      <p:italic r:id="rId67"/>
+      <p:boldItalic r:id="rId68"/>
     </p:embeddedFont>
     <p:embeddedFont>
       <p:font typeface="Josefin Sans" pitchFamily="2" charset="77"/>
-      <p:regular r:id="rId56"/>
-      <p:bold r:id="rId57"/>
+      <p:regular r:id="rId69"/>
+      <p:bold r:id="rId70"/>
     </p:embeddedFont>
     <p:embeddedFont>
       <p:font typeface="Open Sans" panose="020B0606030504020204" pitchFamily="34" charset="0"/>
-      <p:regular r:id="rId58"/>
-      <p:bold r:id="rId59"/>
-      <p:italic r:id="rId60"/>
-      <p:boldItalic r:id="rId61"/>
+      <p:regular r:id="rId71"/>
+      <p:bold r:id="rId72"/>
+      <p:italic r:id="rId73"/>
+      <p:boldItalic r:id="rId74"/>
     </p:embeddedFont>
   </p:embeddedFontLst>
   <p:defaultTextStyle>
@@ -12217,7 +12230,7 @@
   <p:cSld>
     <p:spTree>
       <p:nvGrpSpPr>
-        <p:cNvPr id="1" name="Shape 1267"/>
+        <p:cNvPr id="1" name="Shape 1086"/>
         <p:cNvGrpSpPr/>
         <p:nvPr/>
       </p:nvGrpSpPr>
@@ -12231,7 +12244,7 @@
       </p:grpSpPr>
       <p:sp>
         <p:nvSpPr>
-          <p:cNvPr id="1268" name="Google Shape;1268;gab8d1ca927_3_119:notes"/>
+          <p:cNvPr id="1087" name="Google Shape;1087;gd1e87cec61_0_28:notes"/>
           <p:cNvSpPr>
             <a:spLocks noGrp="1" noRot="1" noChangeAspect="1"/>
           </p:cNvSpPr>
@@ -12272,7 +12285,7 @@
       </p:sp>
       <p:sp>
         <p:nvSpPr>
-          <p:cNvPr id="1269" name="Google Shape;1269;gab8d1ca927_3_119:notes"/>
+          <p:cNvPr id="1088" name="Google Shape;1088;gd1e87cec61_0_28:notes"/>
           <p:cNvSpPr txBox="1">
             <a:spLocks noGrp="1"/>
           </p:cNvSpPr>
@@ -12321,7 +12334,7 @@
   <p:cSld>
     <p:spTree>
       <p:nvGrpSpPr>
-        <p:cNvPr id="1" name="Shape 1235"/>
+        <p:cNvPr id="1" name="Shape 1059"/>
         <p:cNvGrpSpPr/>
         <p:nvPr/>
       </p:nvGrpSpPr>
@@ -12335,7 +12348,7 @@
       </p:grpSpPr>
       <p:sp>
         <p:nvSpPr>
-          <p:cNvPr id="1236" name="Google Shape;1236;g1161f6db217_0_51:notes"/>
+          <p:cNvPr id="1060" name="Google Shape;1060;g1161f6db217_0_321:notes"/>
           <p:cNvSpPr>
             <a:spLocks noGrp="1" noRot="1" noChangeAspect="1"/>
           </p:cNvSpPr>
@@ -12376,7 +12389,7 @@
       </p:sp>
       <p:sp>
         <p:nvSpPr>
-          <p:cNvPr id="1237" name="Google Shape;1237;g1161f6db217_0_51:notes"/>
+          <p:cNvPr id="1061" name="Google Shape;1061;g1161f6db217_0_321:notes"/>
           <p:cNvSpPr txBox="1">
             <a:spLocks noGrp="1"/>
           </p:cNvSpPr>
@@ -12425,7 +12438,7 @@
   <p:cSld>
     <p:spTree>
       <p:nvGrpSpPr>
-        <p:cNvPr id="1" name="Shape 1235"/>
+        <p:cNvPr id="1" name="Shape 1059"/>
         <p:cNvGrpSpPr/>
         <p:nvPr/>
       </p:nvGrpSpPr>
@@ -12439,7 +12452,7 @@
       </p:grpSpPr>
       <p:sp>
         <p:nvSpPr>
-          <p:cNvPr id="1236" name="Google Shape;1236;g1161f6db217_0_51:notes"/>
+          <p:cNvPr id="1060" name="Google Shape;1060;g1161f6db217_0_321:notes"/>
           <p:cNvSpPr>
             <a:spLocks noGrp="1" noRot="1" noChangeAspect="1"/>
           </p:cNvSpPr>
@@ -12480,7 +12493,7 @@
       </p:sp>
       <p:sp>
         <p:nvSpPr>
-          <p:cNvPr id="1237" name="Google Shape;1237;g1161f6db217_0_51:notes"/>
+          <p:cNvPr id="1061" name="Google Shape;1061;g1161f6db217_0_321:notes"/>
           <p:cNvSpPr txBox="1">
             <a:spLocks noGrp="1"/>
           </p:cNvSpPr>
@@ -12519,7 +12532,7 @@
     </p:spTree>
     <p:extLst>
       <p:ext uri="{BB962C8B-B14F-4D97-AF65-F5344CB8AC3E}">
-        <p14:creationId xmlns:p14="http://schemas.microsoft.com/office/powerpoint/2010/main" val="4152385875"/>
+        <p14:creationId xmlns:p14="http://schemas.microsoft.com/office/powerpoint/2010/main" val="3507737791"/>
       </p:ext>
     </p:extLst>
   </p:cSld>
@@ -12638,7 +12651,7 @@
   <p:cSld>
     <p:spTree>
       <p:nvGrpSpPr>
-        <p:cNvPr id="1" name="Shape 1235"/>
+        <p:cNvPr id="1" name="Shape 1059"/>
         <p:cNvGrpSpPr/>
         <p:nvPr/>
       </p:nvGrpSpPr>
@@ -12652,7 +12665,7 @@
       </p:grpSpPr>
       <p:sp>
         <p:nvSpPr>
-          <p:cNvPr id="1236" name="Google Shape;1236;g1161f6db217_0_51:notes"/>
+          <p:cNvPr id="1060" name="Google Shape;1060;g1161f6db217_0_321:notes"/>
           <p:cNvSpPr>
             <a:spLocks noGrp="1" noRot="1" noChangeAspect="1"/>
           </p:cNvSpPr>
@@ -12693,7 +12706,7 @@
       </p:sp>
       <p:sp>
         <p:nvSpPr>
-          <p:cNvPr id="1237" name="Google Shape;1237;g1161f6db217_0_51:notes"/>
+          <p:cNvPr id="1061" name="Google Shape;1061;g1161f6db217_0_321:notes"/>
           <p:cNvSpPr txBox="1">
             <a:spLocks noGrp="1"/>
           </p:cNvSpPr>
@@ -12732,7 +12745,7 @@
     </p:spTree>
     <p:extLst>
       <p:ext uri="{BB962C8B-B14F-4D97-AF65-F5344CB8AC3E}">
-        <p14:creationId xmlns:p14="http://schemas.microsoft.com/office/powerpoint/2010/main" val="3282853906"/>
+        <p14:creationId xmlns:p14="http://schemas.microsoft.com/office/powerpoint/2010/main" val="12261583"/>
       </p:ext>
     </p:extLst>
   </p:cSld>
@@ -12747,7 +12760,7 @@
   <p:cSld>
     <p:spTree>
       <p:nvGrpSpPr>
-        <p:cNvPr id="1" name="Shape 1235"/>
+        <p:cNvPr id="1" name="Shape 1059"/>
         <p:cNvGrpSpPr/>
         <p:nvPr/>
       </p:nvGrpSpPr>
@@ -12761,7 +12774,7 @@
       </p:grpSpPr>
       <p:sp>
         <p:nvSpPr>
-          <p:cNvPr id="1236" name="Google Shape;1236;g1161f6db217_0_51:notes"/>
+          <p:cNvPr id="1060" name="Google Shape;1060;g1161f6db217_0_321:notes"/>
           <p:cNvSpPr>
             <a:spLocks noGrp="1" noRot="1" noChangeAspect="1"/>
           </p:cNvSpPr>
@@ -12802,7 +12815,7 @@
       </p:sp>
       <p:sp>
         <p:nvSpPr>
-          <p:cNvPr id="1237" name="Google Shape;1237;g1161f6db217_0_51:notes"/>
+          <p:cNvPr id="1061" name="Google Shape;1061;g1161f6db217_0_321:notes"/>
           <p:cNvSpPr txBox="1">
             <a:spLocks noGrp="1"/>
           </p:cNvSpPr>
@@ -12841,7 +12854,7 @@
     </p:spTree>
     <p:extLst>
       <p:ext uri="{BB962C8B-B14F-4D97-AF65-F5344CB8AC3E}">
-        <p14:creationId xmlns:p14="http://schemas.microsoft.com/office/powerpoint/2010/main" val="265149674"/>
+        <p14:creationId xmlns:p14="http://schemas.microsoft.com/office/powerpoint/2010/main" val="1814278837"/>
       </p:ext>
     </p:extLst>
   </p:cSld>
@@ -12856,7 +12869,7 @@
   <p:cSld>
     <p:spTree>
       <p:nvGrpSpPr>
-        <p:cNvPr id="1" name="Shape 1235"/>
+        <p:cNvPr id="1" name="Shape 1059"/>
         <p:cNvGrpSpPr/>
         <p:nvPr/>
       </p:nvGrpSpPr>
@@ -12870,7 +12883,7 @@
       </p:grpSpPr>
       <p:sp>
         <p:nvSpPr>
-          <p:cNvPr id="1236" name="Google Shape;1236;g1161f6db217_0_51:notes"/>
+          <p:cNvPr id="1060" name="Google Shape;1060;g1161f6db217_0_321:notes"/>
           <p:cNvSpPr>
             <a:spLocks noGrp="1" noRot="1" noChangeAspect="1"/>
           </p:cNvSpPr>
@@ -12911,7 +12924,7 @@
       </p:sp>
       <p:sp>
         <p:nvSpPr>
-          <p:cNvPr id="1237" name="Google Shape;1237;g1161f6db217_0_51:notes"/>
+          <p:cNvPr id="1061" name="Google Shape;1061;g1161f6db217_0_321:notes"/>
           <p:cNvSpPr txBox="1">
             <a:spLocks noGrp="1"/>
           </p:cNvSpPr>
@@ -12950,7 +12963,7 @@
     </p:spTree>
     <p:extLst>
       <p:ext uri="{BB962C8B-B14F-4D97-AF65-F5344CB8AC3E}">
-        <p14:creationId xmlns:p14="http://schemas.microsoft.com/office/powerpoint/2010/main" val="3404455109"/>
+        <p14:creationId xmlns:p14="http://schemas.microsoft.com/office/powerpoint/2010/main" val="2430232485"/>
       </p:ext>
     </p:extLst>
   </p:cSld>
@@ -12965,7 +12978,7 @@
   <p:cSld>
     <p:spTree>
       <p:nvGrpSpPr>
-        <p:cNvPr id="1" name="Shape 1235"/>
+        <p:cNvPr id="1" name="Shape 1059"/>
         <p:cNvGrpSpPr/>
         <p:nvPr/>
       </p:nvGrpSpPr>
@@ -12979,7 +12992,7 @@
       </p:grpSpPr>
       <p:sp>
         <p:nvSpPr>
-          <p:cNvPr id="1236" name="Google Shape;1236;g1161f6db217_0_51:notes"/>
+          <p:cNvPr id="1060" name="Google Shape;1060;g1161f6db217_0_321:notes"/>
           <p:cNvSpPr>
             <a:spLocks noGrp="1" noRot="1" noChangeAspect="1"/>
           </p:cNvSpPr>
@@ -13020,7 +13033,7 @@
       </p:sp>
       <p:sp>
         <p:nvSpPr>
-          <p:cNvPr id="1237" name="Google Shape;1237;g1161f6db217_0_51:notes"/>
+          <p:cNvPr id="1061" name="Google Shape;1061;g1161f6db217_0_321:notes"/>
           <p:cNvSpPr txBox="1">
             <a:spLocks noGrp="1"/>
           </p:cNvSpPr>
@@ -13059,7 +13072,7 @@
     </p:spTree>
     <p:extLst>
       <p:ext uri="{BB962C8B-B14F-4D97-AF65-F5344CB8AC3E}">
-        <p14:creationId xmlns:p14="http://schemas.microsoft.com/office/powerpoint/2010/main" val="1666999655"/>
+        <p14:creationId xmlns:p14="http://schemas.microsoft.com/office/powerpoint/2010/main" val="3898337338"/>
       </p:ext>
     </p:extLst>
   </p:cSld>
@@ -13074,7 +13087,7 @@
   <p:cSld>
     <p:spTree>
       <p:nvGrpSpPr>
-        <p:cNvPr id="1" name="Shape 1235"/>
+        <p:cNvPr id="1" name="Shape 1059"/>
         <p:cNvGrpSpPr/>
         <p:nvPr/>
       </p:nvGrpSpPr>
@@ -13088,7 +13101,7 @@
       </p:grpSpPr>
       <p:sp>
         <p:nvSpPr>
-          <p:cNvPr id="1236" name="Google Shape;1236;g1161f6db217_0_51:notes"/>
+          <p:cNvPr id="1060" name="Google Shape;1060;g1161f6db217_0_321:notes"/>
           <p:cNvSpPr>
             <a:spLocks noGrp="1" noRot="1" noChangeAspect="1"/>
           </p:cNvSpPr>
@@ -13129,7 +13142,7 @@
       </p:sp>
       <p:sp>
         <p:nvSpPr>
-          <p:cNvPr id="1237" name="Google Shape;1237;g1161f6db217_0_51:notes"/>
+          <p:cNvPr id="1061" name="Google Shape;1061;g1161f6db217_0_321:notes"/>
           <p:cNvSpPr txBox="1">
             <a:spLocks noGrp="1"/>
           </p:cNvSpPr>
@@ -13168,7 +13181,7 @@
     </p:spTree>
     <p:extLst>
       <p:ext uri="{BB962C8B-B14F-4D97-AF65-F5344CB8AC3E}">
-        <p14:creationId xmlns:p14="http://schemas.microsoft.com/office/powerpoint/2010/main" val="2997730465"/>
+        <p14:creationId xmlns:p14="http://schemas.microsoft.com/office/powerpoint/2010/main" val="2364768125"/>
       </p:ext>
     </p:extLst>
   </p:cSld>
@@ -13183,7 +13196,7 @@
   <p:cSld>
     <p:spTree>
       <p:nvGrpSpPr>
-        <p:cNvPr id="1" name="Shape 1235"/>
+        <p:cNvPr id="1" name="Shape 1059"/>
         <p:cNvGrpSpPr/>
         <p:nvPr/>
       </p:nvGrpSpPr>
@@ -13197,7 +13210,7 @@
       </p:grpSpPr>
       <p:sp>
         <p:nvSpPr>
-          <p:cNvPr id="1236" name="Google Shape;1236;g1161f6db217_0_51:notes"/>
+          <p:cNvPr id="1060" name="Google Shape;1060;g1161f6db217_0_321:notes"/>
           <p:cNvSpPr>
             <a:spLocks noGrp="1" noRot="1" noChangeAspect="1"/>
           </p:cNvSpPr>
@@ -13238,7 +13251,7 @@
       </p:sp>
       <p:sp>
         <p:nvSpPr>
-          <p:cNvPr id="1237" name="Google Shape;1237;g1161f6db217_0_51:notes"/>
+          <p:cNvPr id="1061" name="Google Shape;1061;g1161f6db217_0_321:notes"/>
           <p:cNvSpPr txBox="1">
             <a:spLocks noGrp="1"/>
           </p:cNvSpPr>
@@ -13277,7 +13290,7 @@
     </p:spTree>
     <p:extLst>
       <p:ext uri="{BB962C8B-B14F-4D97-AF65-F5344CB8AC3E}">
-        <p14:creationId xmlns:p14="http://schemas.microsoft.com/office/powerpoint/2010/main" val="1871950189"/>
+        <p14:creationId xmlns:p14="http://schemas.microsoft.com/office/powerpoint/2010/main" val="2825464172"/>
       </p:ext>
     </p:extLst>
   </p:cSld>
@@ -13292,7 +13305,7 @@
   <p:cSld>
     <p:spTree>
       <p:nvGrpSpPr>
-        <p:cNvPr id="1" name="Shape 1235"/>
+        <p:cNvPr id="1" name="Shape 1059"/>
         <p:cNvGrpSpPr/>
         <p:nvPr/>
       </p:nvGrpSpPr>
@@ -13306,7 +13319,7 @@
       </p:grpSpPr>
       <p:sp>
         <p:nvSpPr>
-          <p:cNvPr id="1236" name="Google Shape;1236;g1161f6db217_0_51:notes"/>
+          <p:cNvPr id="1060" name="Google Shape;1060;g1161f6db217_0_321:notes"/>
           <p:cNvSpPr>
             <a:spLocks noGrp="1" noRot="1" noChangeAspect="1"/>
           </p:cNvSpPr>
@@ -13347,7 +13360,7 @@
       </p:sp>
       <p:sp>
         <p:nvSpPr>
-          <p:cNvPr id="1237" name="Google Shape;1237;g1161f6db217_0_51:notes"/>
+          <p:cNvPr id="1061" name="Google Shape;1061;g1161f6db217_0_321:notes"/>
           <p:cNvSpPr txBox="1">
             <a:spLocks noGrp="1"/>
           </p:cNvSpPr>
@@ -13386,7 +13399,7 @@
     </p:spTree>
     <p:extLst>
       <p:ext uri="{BB962C8B-B14F-4D97-AF65-F5344CB8AC3E}">
-        <p14:creationId xmlns:p14="http://schemas.microsoft.com/office/powerpoint/2010/main" val="3134531821"/>
+        <p14:creationId xmlns:p14="http://schemas.microsoft.com/office/powerpoint/2010/main" val="4254643129"/>
       </p:ext>
     </p:extLst>
   </p:cSld>
@@ -13401,7 +13414,7 @@
   <p:cSld>
     <p:spTree>
       <p:nvGrpSpPr>
-        <p:cNvPr id="1" name="Shape 1235"/>
+        <p:cNvPr id="1" name="Shape 1059"/>
         <p:cNvGrpSpPr/>
         <p:nvPr/>
       </p:nvGrpSpPr>
@@ -13415,7 +13428,7 @@
       </p:grpSpPr>
       <p:sp>
         <p:nvSpPr>
-          <p:cNvPr id="1236" name="Google Shape;1236;g1161f6db217_0_51:notes"/>
+          <p:cNvPr id="1060" name="Google Shape;1060;g1161f6db217_0_321:notes"/>
           <p:cNvSpPr>
             <a:spLocks noGrp="1" noRot="1" noChangeAspect="1"/>
           </p:cNvSpPr>
@@ -13456,7 +13469,7 @@
       </p:sp>
       <p:sp>
         <p:nvSpPr>
-          <p:cNvPr id="1237" name="Google Shape;1237;g1161f6db217_0_51:notes"/>
+          <p:cNvPr id="1061" name="Google Shape;1061;g1161f6db217_0_321:notes"/>
           <p:cNvSpPr txBox="1">
             <a:spLocks noGrp="1"/>
           </p:cNvSpPr>
@@ -13495,7 +13508,7 @@
     </p:spTree>
     <p:extLst>
       <p:ext uri="{BB962C8B-B14F-4D97-AF65-F5344CB8AC3E}">
-        <p14:creationId xmlns:p14="http://schemas.microsoft.com/office/powerpoint/2010/main" val="3703499104"/>
+        <p14:creationId xmlns:p14="http://schemas.microsoft.com/office/powerpoint/2010/main" val="552657131"/>
       </p:ext>
     </p:extLst>
   </p:cSld>
@@ -13510,7 +13523,7 @@
   <p:cSld>
     <p:spTree>
       <p:nvGrpSpPr>
-        <p:cNvPr id="1" name="Shape 1235"/>
+        <p:cNvPr id="1" name="Shape 1059"/>
         <p:cNvGrpSpPr/>
         <p:nvPr/>
       </p:nvGrpSpPr>
@@ -13524,7 +13537,7 @@
       </p:grpSpPr>
       <p:sp>
         <p:nvSpPr>
-          <p:cNvPr id="1236" name="Google Shape;1236;g1161f6db217_0_51:notes"/>
+          <p:cNvPr id="1060" name="Google Shape;1060;g1161f6db217_0_321:notes"/>
           <p:cNvSpPr>
             <a:spLocks noGrp="1" noRot="1" noChangeAspect="1"/>
           </p:cNvSpPr>
@@ -13565,7 +13578,7 @@
       </p:sp>
       <p:sp>
         <p:nvSpPr>
-          <p:cNvPr id="1237" name="Google Shape;1237;g1161f6db217_0_51:notes"/>
+          <p:cNvPr id="1061" name="Google Shape;1061;g1161f6db217_0_321:notes"/>
           <p:cNvSpPr txBox="1">
             <a:spLocks noGrp="1"/>
           </p:cNvSpPr>
@@ -13604,7 +13617,7 @@
     </p:spTree>
     <p:extLst>
       <p:ext uri="{BB962C8B-B14F-4D97-AF65-F5344CB8AC3E}">
-        <p14:creationId xmlns:p14="http://schemas.microsoft.com/office/powerpoint/2010/main" val="1334820648"/>
+        <p14:creationId xmlns:p14="http://schemas.microsoft.com/office/powerpoint/2010/main" val="2827263829"/>
       </p:ext>
     </p:extLst>
   </p:cSld>
@@ -13619,7 +13632,7 @@
   <p:cSld>
     <p:spTree>
       <p:nvGrpSpPr>
-        <p:cNvPr id="1" name="Shape 1235"/>
+        <p:cNvPr id="1" name="Shape 1059"/>
         <p:cNvGrpSpPr/>
         <p:nvPr/>
       </p:nvGrpSpPr>
@@ -13633,7 +13646,7 @@
       </p:grpSpPr>
       <p:sp>
         <p:nvSpPr>
-          <p:cNvPr id="1236" name="Google Shape;1236;g1161f6db217_0_51:notes"/>
+          <p:cNvPr id="1060" name="Google Shape;1060;g1161f6db217_0_321:notes"/>
           <p:cNvSpPr>
             <a:spLocks noGrp="1" noRot="1" noChangeAspect="1"/>
           </p:cNvSpPr>
@@ -13674,7 +13687,7 @@
       </p:sp>
       <p:sp>
         <p:nvSpPr>
-          <p:cNvPr id="1237" name="Google Shape;1237;g1161f6db217_0_51:notes"/>
+          <p:cNvPr id="1061" name="Google Shape;1061;g1161f6db217_0_321:notes"/>
           <p:cNvSpPr txBox="1">
             <a:spLocks noGrp="1"/>
           </p:cNvSpPr>
@@ -13713,7 +13726,7 @@
     </p:spTree>
     <p:extLst>
       <p:ext uri="{BB962C8B-B14F-4D97-AF65-F5344CB8AC3E}">
-        <p14:creationId xmlns:p14="http://schemas.microsoft.com/office/powerpoint/2010/main" val="2353939289"/>
+        <p14:creationId xmlns:p14="http://schemas.microsoft.com/office/powerpoint/2010/main" val="2562479333"/>
       </p:ext>
     </p:extLst>
   </p:cSld>
@@ -13837,115 +13850,6 @@
   <p:cSld>
     <p:spTree>
       <p:nvGrpSpPr>
-        <p:cNvPr id="1" name="Shape 1235"/>
-        <p:cNvGrpSpPr/>
-        <p:nvPr/>
-      </p:nvGrpSpPr>
-      <p:grpSpPr>
-        <a:xfrm>
-          <a:off x="0" y="0"/>
-          <a:ext cx="0" cy="0"/>
-          <a:chOff x="0" y="0"/>
-          <a:chExt cx="0" cy="0"/>
-        </a:xfrm>
-      </p:grpSpPr>
-      <p:sp>
-        <p:nvSpPr>
-          <p:cNvPr id="1236" name="Google Shape;1236;g1161f6db217_0_51:notes"/>
-          <p:cNvSpPr>
-            <a:spLocks noGrp="1" noRot="1" noChangeAspect="1"/>
-          </p:cNvSpPr>
-          <p:nvPr>
-            <p:ph type="sldImg" idx="2"/>
-          </p:nvPr>
-        </p:nvSpPr>
-        <p:spPr>
-          <a:xfrm>
-            <a:off x="381000" y="685800"/>
-            <a:ext cx="6096000" cy="3429000"/>
-          </a:xfrm>
-          <a:custGeom>
-            <a:avLst/>
-            <a:gdLst/>
-            <a:ahLst/>
-            <a:cxnLst/>
-            <a:rect l="l" t="t" r="r" b="b"/>
-            <a:pathLst>
-              <a:path w="120000" h="120000" extrusionOk="0">
-                <a:moveTo>
-                  <a:pt x="0" y="0"/>
-                </a:moveTo>
-                <a:lnTo>
-                  <a:pt x="120000" y="0"/>
-                </a:lnTo>
-                <a:lnTo>
-                  <a:pt x="120000" y="120000"/>
-                </a:lnTo>
-                <a:lnTo>
-                  <a:pt x="0" y="120000"/>
-                </a:lnTo>
-                <a:close/>
-              </a:path>
-            </a:pathLst>
-          </a:custGeom>
-        </p:spPr>
-      </p:sp>
-      <p:sp>
-        <p:nvSpPr>
-          <p:cNvPr id="1237" name="Google Shape;1237;g1161f6db217_0_51:notes"/>
-          <p:cNvSpPr txBox="1">
-            <a:spLocks noGrp="1"/>
-          </p:cNvSpPr>
-          <p:nvPr>
-            <p:ph type="body" idx="1"/>
-          </p:nvPr>
-        </p:nvSpPr>
-        <p:spPr>
-          <a:xfrm>
-            <a:off x="685800" y="4343400"/>
-            <a:ext cx="5486400" cy="4114800"/>
-          </a:xfrm>
-          <a:prstGeom prst="rect">
-            <a:avLst/>
-          </a:prstGeom>
-        </p:spPr>
-        <p:txBody>
-          <a:bodyPr spcFirstLastPara="1" wrap="square" lIns="91425" tIns="91425" rIns="91425" bIns="91425" anchor="t" anchorCtr="0">
-            <a:noAutofit/>
-          </a:bodyPr>
-          <a:lstStyle/>
-          <a:p>
-            <a:pPr marL="0" lvl="0" indent="0" algn="l" rtl="0">
-              <a:spcBef>
-                <a:spcPts val="0"/>
-              </a:spcBef>
-              <a:spcAft>
-                <a:spcPts val="0"/>
-              </a:spcAft>
-              <a:buNone/>
-            </a:pPr>
-            <a:endParaRPr/>
-          </a:p>
-        </p:txBody>
-      </p:sp>
-    </p:spTree>
-    <p:extLst>
-      <p:ext uri="{BB962C8B-B14F-4D97-AF65-F5344CB8AC3E}">
-        <p14:creationId xmlns:p14="http://schemas.microsoft.com/office/powerpoint/2010/main" val="1481403127"/>
-      </p:ext>
-    </p:extLst>
-  </p:cSld>
-  <p:clrMapOvr>
-    <a:masterClrMapping/>
-  </p:clrMapOvr>
-</p:notes>
-</file>
-
-<file path=ppt/notesSlides/notesSlide41.xml><?xml version="1.0" encoding="utf-8"?>
-<p:notes xmlns:a="http://schemas.openxmlformats.org/drawingml/2006/main" xmlns:r="http://schemas.openxmlformats.org/officeDocument/2006/relationships" xmlns:p="http://schemas.openxmlformats.org/presentationml/2006/main" showMasterSp="0" showMasterPhAnim="0">
-  <p:cSld>
-    <p:spTree>
-      <p:nvGrpSpPr>
         <p:cNvPr id="1" name="Shape 1280"/>
         <p:cNvGrpSpPr/>
         <p:nvPr/>
@@ -14038,6 +13942,11 @@
         </p:txBody>
       </p:sp>
     </p:spTree>
+    <p:extLst>
+      <p:ext uri="{BB962C8B-B14F-4D97-AF65-F5344CB8AC3E}">
+        <p14:creationId xmlns:p14="http://schemas.microsoft.com/office/powerpoint/2010/main" val="766675990"/>
+      </p:ext>
+    </p:extLst>
   </p:cSld>
   <p:clrMapOvr>
     <a:masterClrMapping/>
@@ -14045,7 +13954,7 @@
 </p:notes>
 </file>
 
-<file path=ppt/notesSlides/notesSlide42.xml><?xml version="1.0" encoding="utf-8"?>
+<file path=ppt/notesSlides/notesSlide41.xml><?xml version="1.0" encoding="utf-8"?>
 <p:notes xmlns:a="http://schemas.openxmlformats.org/drawingml/2006/main" xmlns:r="http://schemas.openxmlformats.org/officeDocument/2006/relationships" xmlns:p="http://schemas.openxmlformats.org/presentationml/2006/main" showMasterSp="0" showMasterPhAnim="0">
   <p:cSld>
     <p:spTree>
@@ -14142,6 +14051,11 @@
         </p:txBody>
       </p:sp>
     </p:spTree>
+    <p:extLst>
+      <p:ext uri="{BB962C8B-B14F-4D97-AF65-F5344CB8AC3E}">
+        <p14:creationId xmlns:p14="http://schemas.microsoft.com/office/powerpoint/2010/main" val="1473196708"/>
+      </p:ext>
+    </p:extLst>
   </p:cSld>
   <p:clrMapOvr>
     <a:masterClrMapping/>
@@ -14149,12 +14063,12 @@
 </p:notes>
 </file>
 
-<file path=ppt/notesSlides/notesSlide43.xml><?xml version="1.0" encoding="utf-8"?>
+<file path=ppt/notesSlides/notesSlide42.xml><?xml version="1.0" encoding="utf-8"?>
 <p:notes xmlns:a="http://schemas.openxmlformats.org/drawingml/2006/main" xmlns:r="http://schemas.openxmlformats.org/officeDocument/2006/relationships" xmlns:p="http://schemas.openxmlformats.org/presentationml/2006/main" showMasterSp="0" showMasterPhAnim="0">
   <p:cSld>
     <p:spTree>
       <p:nvGrpSpPr>
-        <p:cNvPr id="1" name="Shape 1168"/>
+        <p:cNvPr id="1" name="Shape 1267"/>
         <p:cNvGrpSpPr/>
         <p:nvPr/>
       </p:nvGrpSpPr>
@@ -14168,7 +14082,7 @@
       </p:grpSpPr>
       <p:sp>
         <p:nvSpPr>
-          <p:cNvPr id="1169" name="Google Shape;1169;gd1e87cec61_0_40:notes"/>
+          <p:cNvPr id="1268" name="Google Shape;1268;gab8d1ca927_3_119:notes"/>
           <p:cNvSpPr>
             <a:spLocks noGrp="1" noRot="1" noChangeAspect="1"/>
           </p:cNvSpPr>
@@ -14209,7 +14123,7 @@
       </p:sp>
       <p:sp>
         <p:nvSpPr>
-          <p:cNvPr id="1170" name="Google Shape;1170;gd1e87cec61_0_40:notes"/>
+          <p:cNvPr id="1269" name="Google Shape;1269;gab8d1ca927_3_119:notes"/>
           <p:cNvSpPr txBox="1">
             <a:spLocks noGrp="1"/>
           </p:cNvSpPr>
@@ -14253,12 +14167,12 @@
 </p:notes>
 </file>
 
-<file path=ppt/notesSlides/notesSlide44.xml><?xml version="1.0" encoding="utf-8"?>
+<file path=ppt/notesSlides/notesSlide43.xml><?xml version="1.0" encoding="utf-8"?>
 <p:notes xmlns:a="http://schemas.openxmlformats.org/drawingml/2006/main" xmlns:r="http://schemas.openxmlformats.org/officeDocument/2006/relationships" xmlns:p="http://schemas.openxmlformats.org/presentationml/2006/main" showMasterSp="0" showMasterPhAnim="0">
   <p:cSld>
     <p:spTree>
       <p:nvGrpSpPr>
-        <p:cNvPr id="1" name="Shape 1273"/>
+        <p:cNvPr id="1" name="Shape 1235"/>
         <p:cNvGrpSpPr/>
         <p:nvPr/>
       </p:nvGrpSpPr>
@@ -14272,7 +14186,7 @@
       </p:grpSpPr>
       <p:sp>
         <p:nvSpPr>
-          <p:cNvPr id="1274" name="Google Shape;1274;g1161f6db217_0_48:notes"/>
+          <p:cNvPr id="1236" name="Google Shape;1236;g1161f6db217_0_51:notes"/>
           <p:cNvSpPr>
             <a:spLocks noGrp="1" noRot="1" noChangeAspect="1"/>
           </p:cNvSpPr>
@@ -14313,7 +14227,7 @@
       </p:sp>
       <p:sp>
         <p:nvSpPr>
-          <p:cNvPr id="1275" name="Google Shape;1275;g1161f6db217_0_48:notes"/>
+          <p:cNvPr id="1237" name="Google Shape;1237;g1161f6db217_0_51:notes"/>
           <p:cNvSpPr txBox="1">
             <a:spLocks noGrp="1"/>
           </p:cNvSpPr>
@@ -14350,6 +14264,660 @@
         </p:txBody>
       </p:sp>
     </p:spTree>
+  </p:cSld>
+  <p:clrMapOvr>
+    <a:masterClrMapping/>
+  </p:clrMapOvr>
+</p:notes>
+</file>
+
+<file path=ppt/notesSlides/notesSlide44.xml><?xml version="1.0" encoding="utf-8"?>
+<p:notes xmlns:a="http://schemas.openxmlformats.org/drawingml/2006/main" xmlns:r="http://schemas.openxmlformats.org/officeDocument/2006/relationships" xmlns:p="http://schemas.openxmlformats.org/presentationml/2006/main" showMasterSp="0" showMasterPhAnim="0">
+  <p:cSld>
+    <p:spTree>
+      <p:nvGrpSpPr>
+        <p:cNvPr id="1" name="Shape 1235"/>
+        <p:cNvGrpSpPr/>
+        <p:nvPr/>
+      </p:nvGrpSpPr>
+      <p:grpSpPr>
+        <a:xfrm>
+          <a:off x="0" y="0"/>
+          <a:ext cx="0" cy="0"/>
+          <a:chOff x="0" y="0"/>
+          <a:chExt cx="0" cy="0"/>
+        </a:xfrm>
+      </p:grpSpPr>
+      <p:sp>
+        <p:nvSpPr>
+          <p:cNvPr id="1236" name="Google Shape;1236;g1161f6db217_0_51:notes"/>
+          <p:cNvSpPr>
+            <a:spLocks noGrp="1" noRot="1" noChangeAspect="1"/>
+          </p:cNvSpPr>
+          <p:nvPr>
+            <p:ph type="sldImg" idx="2"/>
+          </p:nvPr>
+        </p:nvSpPr>
+        <p:spPr>
+          <a:xfrm>
+            <a:off x="381000" y="685800"/>
+            <a:ext cx="6096000" cy="3429000"/>
+          </a:xfrm>
+          <a:custGeom>
+            <a:avLst/>
+            <a:gdLst/>
+            <a:ahLst/>
+            <a:cxnLst/>
+            <a:rect l="l" t="t" r="r" b="b"/>
+            <a:pathLst>
+              <a:path w="120000" h="120000" extrusionOk="0">
+                <a:moveTo>
+                  <a:pt x="0" y="0"/>
+                </a:moveTo>
+                <a:lnTo>
+                  <a:pt x="120000" y="0"/>
+                </a:lnTo>
+                <a:lnTo>
+                  <a:pt x="120000" y="120000"/>
+                </a:lnTo>
+                <a:lnTo>
+                  <a:pt x="0" y="120000"/>
+                </a:lnTo>
+                <a:close/>
+              </a:path>
+            </a:pathLst>
+          </a:custGeom>
+        </p:spPr>
+      </p:sp>
+      <p:sp>
+        <p:nvSpPr>
+          <p:cNvPr id="1237" name="Google Shape;1237;g1161f6db217_0_51:notes"/>
+          <p:cNvSpPr txBox="1">
+            <a:spLocks noGrp="1"/>
+          </p:cNvSpPr>
+          <p:nvPr>
+            <p:ph type="body" idx="1"/>
+          </p:nvPr>
+        </p:nvSpPr>
+        <p:spPr>
+          <a:xfrm>
+            <a:off x="685800" y="4343400"/>
+            <a:ext cx="5486400" cy="4114800"/>
+          </a:xfrm>
+          <a:prstGeom prst="rect">
+            <a:avLst/>
+          </a:prstGeom>
+        </p:spPr>
+        <p:txBody>
+          <a:bodyPr spcFirstLastPara="1" wrap="square" lIns="91425" tIns="91425" rIns="91425" bIns="91425" anchor="t" anchorCtr="0">
+            <a:noAutofit/>
+          </a:bodyPr>
+          <a:lstStyle/>
+          <a:p>
+            <a:pPr marL="0" lvl="0" indent="0" algn="l" rtl="0">
+              <a:spcBef>
+                <a:spcPts val="0"/>
+              </a:spcBef>
+              <a:spcAft>
+                <a:spcPts val="0"/>
+              </a:spcAft>
+              <a:buNone/>
+            </a:pPr>
+            <a:endParaRPr/>
+          </a:p>
+        </p:txBody>
+      </p:sp>
+    </p:spTree>
+    <p:extLst>
+      <p:ext uri="{BB962C8B-B14F-4D97-AF65-F5344CB8AC3E}">
+        <p14:creationId xmlns:p14="http://schemas.microsoft.com/office/powerpoint/2010/main" val="4152385875"/>
+      </p:ext>
+    </p:extLst>
+  </p:cSld>
+  <p:clrMapOvr>
+    <a:masterClrMapping/>
+  </p:clrMapOvr>
+</p:notes>
+</file>
+
+<file path=ppt/notesSlides/notesSlide45.xml><?xml version="1.0" encoding="utf-8"?>
+<p:notes xmlns:a="http://schemas.openxmlformats.org/drawingml/2006/main" xmlns:r="http://schemas.openxmlformats.org/officeDocument/2006/relationships" xmlns:p="http://schemas.openxmlformats.org/presentationml/2006/main" showMasterSp="0" showMasterPhAnim="0">
+  <p:cSld>
+    <p:spTree>
+      <p:nvGrpSpPr>
+        <p:cNvPr id="1" name="Shape 1235"/>
+        <p:cNvGrpSpPr/>
+        <p:nvPr/>
+      </p:nvGrpSpPr>
+      <p:grpSpPr>
+        <a:xfrm>
+          <a:off x="0" y="0"/>
+          <a:ext cx="0" cy="0"/>
+          <a:chOff x="0" y="0"/>
+          <a:chExt cx="0" cy="0"/>
+        </a:xfrm>
+      </p:grpSpPr>
+      <p:sp>
+        <p:nvSpPr>
+          <p:cNvPr id="1236" name="Google Shape;1236;g1161f6db217_0_51:notes"/>
+          <p:cNvSpPr>
+            <a:spLocks noGrp="1" noRot="1" noChangeAspect="1"/>
+          </p:cNvSpPr>
+          <p:nvPr>
+            <p:ph type="sldImg" idx="2"/>
+          </p:nvPr>
+        </p:nvSpPr>
+        <p:spPr>
+          <a:xfrm>
+            <a:off x="381000" y="685800"/>
+            <a:ext cx="6096000" cy="3429000"/>
+          </a:xfrm>
+          <a:custGeom>
+            <a:avLst/>
+            <a:gdLst/>
+            <a:ahLst/>
+            <a:cxnLst/>
+            <a:rect l="l" t="t" r="r" b="b"/>
+            <a:pathLst>
+              <a:path w="120000" h="120000" extrusionOk="0">
+                <a:moveTo>
+                  <a:pt x="0" y="0"/>
+                </a:moveTo>
+                <a:lnTo>
+                  <a:pt x="120000" y="0"/>
+                </a:lnTo>
+                <a:lnTo>
+                  <a:pt x="120000" y="120000"/>
+                </a:lnTo>
+                <a:lnTo>
+                  <a:pt x="0" y="120000"/>
+                </a:lnTo>
+                <a:close/>
+              </a:path>
+            </a:pathLst>
+          </a:custGeom>
+        </p:spPr>
+      </p:sp>
+      <p:sp>
+        <p:nvSpPr>
+          <p:cNvPr id="1237" name="Google Shape;1237;g1161f6db217_0_51:notes"/>
+          <p:cNvSpPr txBox="1">
+            <a:spLocks noGrp="1"/>
+          </p:cNvSpPr>
+          <p:nvPr>
+            <p:ph type="body" idx="1"/>
+          </p:nvPr>
+        </p:nvSpPr>
+        <p:spPr>
+          <a:xfrm>
+            <a:off x="685800" y="4343400"/>
+            <a:ext cx="5486400" cy="4114800"/>
+          </a:xfrm>
+          <a:prstGeom prst="rect">
+            <a:avLst/>
+          </a:prstGeom>
+        </p:spPr>
+        <p:txBody>
+          <a:bodyPr spcFirstLastPara="1" wrap="square" lIns="91425" tIns="91425" rIns="91425" bIns="91425" anchor="t" anchorCtr="0">
+            <a:noAutofit/>
+          </a:bodyPr>
+          <a:lstStyle/>
+          <a:p>
+            <a:pPr marL="0" lvl="0" indent="0" algn="l" rtl="0">
+              <a:spcBef>
+                <a:spcPts val="0"/>
+              </a:spcBef>
+              <a:spcAft>
+                <a:spcPts val="0"/>
+              </a:spcAft>
+              <a:buNone/>
+            </a:pPr>
+            <a:endParaRPr/>
+          </a:p>
+        </p:txBody>
+      </p:sp>
+    </p:spTree>
+    <p:extLst>
+      <p:ext uri="{BB962C8B-B14F-4D97-AF65-F5344CB8AC3E}">
+        <p14:creationId xmlns:p14="http://schemas.microsoft.com/office/powerpoint/2010/main" val="3282853906"/>
+      </p:ext>
+    </p:extLst>
+  </p:cSld>
+  <p:clrMapOvr>
+    <a:masterClrMapping/>
+  </p:clrMapOvr>
+</p:notes>
+</file>
+
+<file path=ppt/notesSlides/notesSlide46.xml><?xml version="1.0" encoding="utf-8"?>
+<p:notes xmlns:a="http://schemas.openxmlformats.org/drawingml/2006/main" xmlns:r="http://schemas.openxmlformats.org/officeDocument/2006/relationships" xmlns:p="http://schemas.openxmlformats.org/presentationml/2006/main" showMasterSp="0" showMasterPhAnim="0">
+  <p:cSld>
+    <p:spTree>
+      <p:nvGrpSpPr>
+        <p:cNvPr id="1" name="Shape 1235"/>
+        <p:cNvGrpSpPr/>
+        <p:nvPr/>
+      </p:nvGrpSpPr>
+      <p:grpSpPr>
+        <a:xfrm>
+          <a:off x="0" y="0"/>
+          <a:ext cx="0" cy="0"/>
+          <a:chOff x="0" y="0"/>
+          <a:chExt cx="0" cy="0"/>
+        </a:xfrm>
+      </p:grpSpPr>
+      <p:sp>
+        <p:nvSpPr>
+          <p:cNvPr id="1236" name="Google Shape;1236;g1161f6db217_0_51:notes"/>
+          <p:cNvSpPr>
+            <a:spLocks noGrp="1" noRot="1" noChangeAspect="1"/>
+          </p:cNvSpPr>
+          <p:nvPr>
+            <p:ph type="sldImg" idx="2"/>
+          </p:nvPr>
+        </p:nvSpPr>
+        <p:spPr>
+          <a:xfrm>
+            <a:off x="381000" y="685800"/>
+            <a:ext cx="6096000" cy="3429000"/>
+          </a:xfrm>
+          <a:custGeom>
+            <a:avLst/>
+            <a:gdLst/>
+            <a:ahLst/>
+            <a:cxnLst/>
+            <a:rect l="l" t="t" r="r" b="b"/>
+            <a:pathLst>
+              <a:path w="120000" h="120000" extrusionOk="0">
+                <a:moveTo>
+                  <a:pt x="0" y="0"/>
+                </a:moveTo>
+                <a:lnTo>
+                  <a:pt x="120000" y="0"/>
+                </a:lnTo>
+                <a:lnTo>
+                  <a:pt x="120000" y="120000"/>
+                </a:lnTo>
+                <a:lnTo>
+                  <a:pt x="0" y="120000"/>
+                </a:lnTo>
+                <a:close/>
+              </a:path>
+            </a:pathLst>
+          </a:custGeom>
+        </p:spPr>
+      </p:sp>
+      <p:sp>
+        <p:nvSpPr>
+          <p:cNvPr id="1237" name="Google Shape;1237;g1161f6db217_0_51:notes"/>
+          <p:cNvSpPr txBox="1">
+            <a:spLocks noGrp="1"/>
+          </p:cNvSpPr>
+          <p:nvPr>
+            <p:ph type="body" idx="1"/>
+          </p:nvPr>
+        </p:nvSpPr>
+        <p:spPr>
+          <a:xfrm>
+            <a:off x="685800" y="4343400"/>
+            <a:ext cx="5486400" cy="4114800"/>
+          </a:xfrm>
+          <a:prstGeom prst="rect">
+            <a:avLst/>
+          </a:prstGeom>
+        </p:spPr>
+        <p:txBody>
+          <a:bodyPr spcFirstLastPara="1" wrap="square" lIns="91425" tIns="91425" rIns="91425" bIns="91425" anchor="t" anchorCtr="0">
+            <a:noAutofit/>
+          </a:bodyPr>
+          <a:lstStyle/>
+          <a:p>
+            <a:pPr marL="0" lvl="0" indent="0" algn="l" rtl="0">
+              <a:spcBef>
+                <a:spcPts val="0"/>
+              </a:spcBef>
+              <a:spcAft>
+                <a:spcPts val="0"/>
+              </a:spcAft>
+              <a:buNone/>
+            </a:pPr>
+            <a:endParaRPr/>
+          </a:p>
+        </p:txBody>
+      </p:sp>
+    </p:spTree>
+    <p:extLst>
+      <p:ext uri="{BB962C8B-B14F-4D97-AF65-F5344CB8AC3E}">
+        <p14:creationId xmlns:p14="http://schemas.microsoft.com/office/powerpoint/2010/main" val="265149674"/>
+      </p:ext>
+    </p:extLst>
+  </p:cSld>
+  <p:clrMapOvr>
+    <a:masterClrMapping/>
+  </p:clrMapOvr>
+</p:notes>
+</file>
+
+<file path=ppt/notesSlides/notesSlide47.xml><?xml version="1.0" encoding="utf-8"?>
+<p:notes xmlns:a="http://schemas.openxmlformats.org/drawingml/2006/main" xmlns:r="http://schemas.openxmlformats.org/officeDocument/2006/relationships" xmlns:p="http://schemas.openxmlformats.org/presentationml/2006/main" showMasterSp="0" showMasterPhAnim="0">
+  <p:cSld>
+    <p:spTree>
+      <p:nvGrpSpPr>
+        <p:cNvPr id="1" name="Shape 1235"/>
+        <p:cNvGrpSpPr/>
+        <p:nvPr/>
+      </p:nvGrpSpPr>
+      <p:grpSpPr>
+        <a:xfrm>
+          <a:off x="0" y="0"/>
+          <a:ext cx="0" cy="0"/>
+          <a:chOff x="0" y="0"/>
+          <a:chExt cx="0" cy="0"/>
+        </a:xfrm>
+      </p:grpSpPr>
+      <p:sp>
+        <p:nvSpPr>
+          <p:cNvPr id="1236" name="Google Shape;1236;g1161f6db217_0_51:notes"/>
+          <p:cNvSpPr>
+            <a:spLocks noGrp="1" noRot="1" noChangeAspect="1"/>
+          </p:cNvSpPr>
+          <p:nvPr>
+            <p:ph type="sldImg" idx="2"/>
+          </p:nvPr>
+        </p:nvSpPr>
+        <p:spPr>
+          <a:xfrm>
+            <a:off x="381000" y="685800"/>
+            <a:ext cx="6096000" cy="3429000"/>
+          </a:xfrm>
+          <a:custGeom>
+            <a:avLst/>
+            <a:gdLst/>
+            <a:ahLst/>
+            <a:cxnLst/>
+            <a:rect l="l" t="t" r="r" b="b"/>
+            <a:pathLst>
+              <a:path w="120000" h="120000" extrusionOk="0">
+                <a:moveTo>
+                  <a:pt x="0" y="0"/>
+                </a:moveTo>
+                <a:lnTo>
+                  <a:pt x="120000" y="0"/>
+                </a:lnTo>
+                <a:lnTo>
+                  <a:pt x="120000" y="120000"/>
+                </a:lnTo>
+                <a:lnTo>
+                  <a:pt x="0" y="120000"/>
+                </a:lnTo>
+                <a:close/>
+              </a:path>
+            </a:pathLst>
+          </a:custGeom>
+        </p:spPr>
+      </p:sp>
+      <p:sp>
+        <p:nvSpPr>
+          <p:cNvPr id="1237" name="Google Shape;1237;g1161f6db217_0_51:notes"/>
+          <p:cNvSpPr txBox="1">
+            <a:spLocks noGrp="1"/>
+          </p:cNvSpPr>
+          <p:nvPr>
+            <p:ph type="body" idx="1"/>
+          </p:nvPr>
+        </p:nvSpPr>
+        <p:spPr>
+          <a:xfrm>
+            <a:off x="685800" y="4343400"/>
+            <a:ext cx="5486400" cy="4114800"/>
+          </a:xfrm>
+          <a:prstGeom prst="rect">
+            <a:avLst/>
+          </a:prstGeom>
+        </p:spPr>
+        <p:txBody>
+          <a:bodyPr spcFirstLastPara="1" wrap="square" lIns="91425" tIns="91425" rIns="91425" bIns="91425" anchor="t" anchorCtr="0">
+            <a:noAutofit/>
+          </a:bodyPr>
+          <a:lstStyle/>
+          <a:p>
+            <a:pPr marL="0" lvl="0" indent="0" algn="l" rtl="0">
+              <a:spcBef>
+                <a:spcPts val="0"/>
+              </a:spcBef>
+              <a:spcAft>
+                <a:spcPts val="0"/>
+              </a:spcAft>
+              <a:buNone/>
+            </a:pPr>
+            <a:endParaRPr/>
+          </a:p>
+        </p:txBody>
+      </p:sp>
+    </p:spTree>
+    <p:extLst>
+      <p:ext uri="{BB962C8B-B14F-4D97-AF65-F5344CB8AC3E}">
+        <p14:creationId xmlns:p14="http://schemas.microsoft.com/office/powerpoint/2010/main" val="3404455109"/>
+      </p:ext>
+    </p:extLst>
+  </p:cSld>
+  <p:clrMapOvr>
+    <a:masterClrMapping/>
+  </p:clrMapOvr>
+</p:notes>
+</file>
+
+<file path=ppt/notesSlides/notesSlide48.xml><?xml version="1.0" encoding="utf-8"?>
+<p:notes xmlns:a="http://schemas.openxmlformats.org/drawingml/2006/main" xmlns:r="http://schemas.openxmlformats.org/officeDocument/2006/relationships" xmlns:p="http://schemas.openxmlformats.org/presentationml/2006/main" showMasterSp="0" showMasterPhAnim="0">
+  <p:cSld>
+    <p:spTree>
+      <p:nvGrpSpPr>
+        <p:cNvPr id="1" name="Shape 1235"/>
+        <p:cNvGrpSpPr/>
+        <p:nvPr/>
+      </p:nvGrpSpPr>
+      <p:grpSpPr>
+        <a:xfrm>
+          <a:off x="0" y="0"/>
+          <a:ext cx="0" cy="0"/>
+          <a:chOff x="0" y="0"/>
+          <a:chExt cx="0" cy="0"/>
+        </a:xfrm>
+      </p:grpSpPr>
+      <p:sp>
+        <p:nvSpPr>
+          <p:cNvPr id="1236" name="Google Shape;1236;g1161f6db217_0_51:notes"/>
+          <p:cNvSpPr>
+            <a:spLocks noGrp="1" noRot="1" noChangeAspect="1"/>
+          </p:cNvSpPr>
+          <p:nvPr>
+            <p:ph type="sldImg" idx="2"/>
+          </p:nvPr>
+        </p:nvSpPr>
+        <p:spPr>
+          <a:xfrm>
+            <a:off x="381000" y="685800"/>
+            <a:ext cx="6096000" cy="3429000"/>
+          </a:xfrm>
+          <a:custGeom>
+            <a:avLst/>
+            <a:gdLst/>
+            <a:ahLst/>
+            <a:cxnLst/>
+            <a:rect l="l" t="t" r="r" b="b"/>
+            <a:pathLst>
+              <a:path w="120000" h="120000" extrusionOk="0">
+                <a:moveTo>
+                  <a:pt x="0" y="0"/>
+                </a:moveTo>
+                <a:lnTo>
+                  <a:pt x="120000" y="0"/>
+                </a:lnTo>
+                <a:lnTo>
+                  <a:pt x="120000" y="120000"/>
+                </a:lnTo>
+                <a:lnTo>
+                  <a:pt x="0" y="120000"/>
+                </a:lnTo>
+                <a:close/>
+              </a:path>
+            </a:pathLst>
+          </a:custGeom>
+        </p:spPr>
+      </p:sp>
+      <p:sp>
+        <p:nvSpPr>
+          <p:cNvPr id="1237" name="Google Shape;1237;g1161f6db217_0_51:notes"/>
+          <p:cNvSpPr txBox="1">
+            <a:spLocks noGrp="1"/>
+          </p:cNvSpPr>
+          <p:nvPr>
+            <p:ph type="body" idx="1"/>
+          </p:nvPr>
+        </p:nvSpPr>
+        <p:spPr>
+          <a:xfrm>
+            <a:off x="685800" y="4343400"/>
+            <a:ext cx="5486400" cy="4114800"/>
+          </a:xfrm>
+          <a:prstGeom prst="rect">
+            <a:avLst/>
+          </a:prstGeom>
+        </p:spPr>
+        <p:txBody>
+          <a:bodyPr spcFirstLastPara="1" wrap="square" lIns="91425" tIns="91425" rIns="91425" bIns="91425" anchor="t" anchorCtr="0">
+            <a:noAutofit/>
+          </a:bodyPr>
+          <a:lstStyle/>
+          <a:p>
+            <a:pPr marL="0" lvl="0" indent="0" algn="l" rtl="0">
+              <a:spcBef>
+                <a:spcPts val="0"/>
+              </a:spcBef>
+              <a:spcAft>
+                <a:spcPts val="0"/>
+              </a:spcAft>
+              <a:buNone/>
+            </a:pPr>
+            <a:endParaRPr/>
+          </a:p>
+        </p:txBody>
+      </p:sp>
+    </p:spTree>
+    <p:extLst>
+      <p:ext uri="{BB962C8B-B14F-4D97-AF65-F5344CB8AC3E}">
+        <p14:creationId xmlns:p14="http://schemas.microsoft.com/office/powerpoint/2010/main" val="1666999655"/>
+      </p:ext>
+    </p:extLst>
+  </p:cSld>
+  <p:clrMapOvr>
+    <a:masterClrMapping/>
+  </p:clrMapOvr>
+</p:notes>
+</file>
+
+<file path=ppt/notesSlides/notesSlide49.xml><?xml version="1.0" encoding="utf-8"?>
+<p:notes xmlns:a="http://schemas.openxmlformats.org/drawingml/2006/main" xmlns:r="http://schemas.openxmlformats.org/officeDocument/2006/relationships" xmlns:p="http://schemas.openxmlformats.org/presentationml/2006/main" showMasterSp="0" showMasterPhAnim="0">
+  <p:cSld>
+    <p:spTree>
+      <p:nvGrpSpPr>
+        <p:cNvPr id="1" name="Shape 1235"/>
+        <p:cNvGrpSpPr/>
+        <p:nvPr/>
+      </p:nvGrpSpPr>
+      <p:grpSpPr>
+        <a:xfrm>
+          <a:off x="0" y="0"/>
+          <a:ext cx="0" cy="0"/>
+          <a:chOff x="0" y="0"/>
+          <a:chExt cx="0" cy="0"/>
+        </a:xfrm>
+      </p:grpSpPr>
+      <p:sp>
+        <p:nvSpPr>
+          <p:cNvPr id="1236" name="Google Shape;1236;g1161f6db217_0_51:notes"/>
+          <p:cNvSpPr>
+            <a:spLocks noGrp="1" noRot="1" noChangeAspect="1"/>
+          </p:cNvSpPr>
+          <p:nvPr>
+            <p:ph type="sldImg" idx="2"/>
+          </p:nvPr>
+        </p:nvSpPr>
+        <p:spPr>
+          <a:xfrm>
+            <a:off x="381000" y="685800"/>
+            <a:ext cx="6096000" cy="3429000"/>
+          </a:xfrm>
+          <a:custGeom>
+            <a:avLst/>
+            <a:gdLst/>
+            <a:ahLst/>
+            <a:cxnLst/>
+            <a:rect l="l" t="t" r="r" b="b"/>
+            <a:pathLst>
+              <a:path w="120000" h="120000" extrusionOk="0">
+                <a:moveTo>
+                  <a:pt x="0" y="0"/>
+                </a:moveTo>
+                <a:lnTo>
+                  <a:pt x="120000" y="0"/>
+                </a:lnTo>
+                <a:lnTo>
+                  <a:pt x="120000" y="120000"/>
+                </a:lnTo>
+                <a:lnTo>
+                  <a:pt x="0" y="120000"/>
+                </a:lnTo>
+                <a:close/>
+              </a:path>
+            </a:pathLst>
+          </a:custGeom>
+        </p:spPr>
+      </p:sp>
+      <p:sp>
+        <p:nvSpPr>
+          <p:cNvPr id="1237" name="Google Shape;1237;g1161f6db217_0_51:notes"/>
+          <p:cNvSpPr txBox="1">
+            <a:spLocks noGrp="1"/>
+          </p:cNvSpPr>
+          <p:nvPr>
+            <p:ph type="body" idx="1"/>
+          </p:nvPr>
+        </p:nvSpPr>
+        <p:spPr>
+          <a:xfrm>
+            <a:off x="685800" y="4343400"/>
+            <a:ext cx="5486400" cy="4114800"/>
+          </a:xfrm>
+          <a:prstGeom prst="rect">
+            <a:avLst/>
+          </a:prstGeom>
+        </p:spPr>
+        <p:txBody>
+          <a:bodyPr spcFirstLastPara="1" wrap="square" lIns="91425" tIns="91425" rIns="91425" bIns="91425" anchor="t" anchorCtr="0">
+            <a:noAutofit/>
+          </a:bodyPr>
+          <a:lstStyle/>
+          <a:p>
+            <a:pPr marL="0" lvl="0" indent="0" algn="l" rtl="0">
+              <a:spcBef>
+                <a:spcPts val="0"/>
+              </a:spcBef>
+              <a:spcAft>
+                <a:spcPts val="0"/>
+              </a:spcAft>
+              <a:buNone/>
+            </a:pPr>
+            <a:endParaRPr/>
+          </a:p>
+        </p:txBody>
+      </p:sp>
+    </p:spTree>
+    <p:extLst>
+      <p:ext uri="{BB962C8B-B14F-4D97-AF65-F5344CB8AC3E}">
+        <p14:creationId xmlns:p14="http://schemas.microsoft.com/office/powerpoint/2010/main" val="2997730465"/>
+      </p:ext>
+    </p:extLst>
   </p:cSld>
   <p:clrMapOvr>
     <a:masterClrMapping/>
@@ -14459,6 +15027,868 @@
         <p14:creationId xmlns:p14="http://schemas.microsoft.com/office/powerpoint/2010/main" val="1143676810"/>
       </p:ext>
     </p:extLst>
+  </p:cSld>
+  <p:clrMapOvr>
+    <a:masterClrMapping/>
+  </p:clrMapOvr>
+</p:notes>
+</file>
+
+<file path=ppt/notesSlides/notesSlide50.xml><?xml version="1.0" encoding="utf-8"?>
+<p:notes xmlns:a="http://schemas.openxmlformats.org/drawingml/2006/main" xmlns:r="http://schemas.openxmlformats.org/officeDocument/2006/relationships" xmlns:p="http://schemas.openxmlformats.org/presentationml/2006/main" showMasterSp="0" showMasterPhAnim="0">
+  <p:cSld>
+    <p:spTree>
+      <p:nvGrpSpPr>
+        <p:cNvPr id="1" name="Shape 1235"/>
+        <p:cNvGrpSpPr/>
+        <p:nvPr/>
+      </p:nvGrpSpPr>
+      <p:grpSpPr>
+        <a:xfrm>
+          <a:off x="0" y="0"/>
+          <a:ext cx="0" cy="0"/>
+          <a:chOff x="0" y="0"/>
+          <a:chExt cx="0" cy="0"/>
+        </a:xfrm>
+      </p:grpSpPr>
+      <p:sp>
+        <p:nvSpPr>
+          <p:cNvPr id="1236" name="Google Shape;1236;g1161f6db217_0_51:notes"/>
+          <p:cNvSpPr>
+            <a:spLocks noGrp="1" noRot="1" noChangeAspect="1"/>
+          </p:cNvSpPr>
+          <p:nvPr>
+            <p:ph type="sldImg" idx="2"/>
+          </p:nvPr>
+        </p:nvSpPr>
+        <p:spPr>
+          <a:xfrm>
+            <a:off x="381000" y="685800"/>
+            <a:ext cx="6096000" cy="3429000"/>
+          </a:xfrm>
+          <a:custGeom>
+            <a:avLst/>
+            <a:gdLst/>
+            <a:ahLst/>
+            <a:cxnLst/>
+            <a:rect l="l" t="t" r="r" b="b"/>
+            <a:pathLst>
+              <a:path w="120000" h="120000" extrusionOk="0">
+                <a:moveTo>
+                  <a:pt x="0" y="0"/>
+                </a:moveTo>
+                <a:lnTo>
+                  <a:pt x="120000" y="0"/>
+                </a:lnTo>
+                <a:lnTo>
+                  <a:pt x="120000" y="120000"/>
+                </a:lnTo>
+                <a:lnTo>
+                  <a:pt x="0" y="120000"/>
+                </a:lnTo>
+                <a:close/>
+              </a:path>
+            </a:pathLst>
+          </a:custGeom>
+        </p:spPr>
+      </p:sp>
+      <p:sp>
+        <p:nvSpPr>
+          <p:cNvPr id="1237" name="Google Shape;1237;g1161f6db217_0_51:notes"/>
+          <p:cNvSpPr txBox="1">
+            <a:spLocks noGrp="1"/>
+          </p:cNvSpPr>
+          <p:nvPr>
+            <p:ph type="body" idx="1"/>
+          </p:nvPr>
+        </p:nvSpPr>
+        <p:spPr>
+          <a:xfrm>
+            <a:off x="685800" y="4343400"/>
+            <a:ext cx="5486400" cy="4114800"/>
+          </a:xfrm>
+          <a:prstGeom prst="rect">
+            <a:avLst/>
+          </a:prstGeom>
+        </p:spPr>
+        <p:txBody>
+          <a:bodyPr spcFirstLastPara="1" wrap="square" lIns="91425" tIns="91425" rIns="91425" bIns="91425" anchor="t" anchorCtr="0">
+            <a:noAutofit/>
+          </a:bodyPr>
+          <a:lstStyle/>
+          <a:p>
+            <a:pPr marL="0" lvl="0" indent="0" algn="l" rtl="0">
+              <a:spcBef>
+                <a:spcPts val="0"/>
+              </a:spcBef>
+              <a:spcAft>
+                <a:spcPts val="0"/>
+              </a:spcAft>
+              <a:buNone/>
+            </a:pPr>
+            <a:endParaRPr/>
+          </a:p>
+        </p:txBody>
+      </p:sp>
+    </p:spTree>
+    <p:extLst>
+      <p:ext uri="{BB962C8B-B14F-4D97-AF65-F5344CB8AC3E}">
+        <p14:creationId xmlns:p14="http://schemas.microsoft.com/office/powerpoint/2010/main" val="1871950189"/>
+      </p:ext>
+    </p:extLst>
+  </p:cSld>
+  <p:clrMapOvr>
+    <a:masterClrMapping/>
+  </p:clrMapOvr>
+</p:notes>
+</file>
+
+<file path=ppt/notesSlides/notesSlide51.xml><?xml version="1.0" encoding="utf-8"?>
+<p:notes xmlns:a="http://schemas.openxmlformats.org/drawingml/2006/main" xmlns:r="http://schemas.openxmlformats.org/officeDocument/2006/relationships" xmlns:p="http://schemas.openxmlformats.org/presentationml/2006/main" showMasterSp="0" showMasterPhAnim="0">
+  <p:cSld>
+    <p:spTree>
+      <p:nvGrpSpPr>
+        <p:cNvPr id="1" name="Shape 1235"/>
+        <p:cNvGrpSpPr/>
+        <p:nvPr/>
+      </p:nvGrpSpPr>
+      <p:grpSpPr>
+        <a:xfrm>
+          <a:off x="0" y="0"/>
+          <a:ext cx="0" cy="0"/>
+          <a:chOff x="0" y="0"/>
+          <a:chExt cx="0" cy="0"/>
+        </a:xfrm>
+      </p:grpSpPr>
+      <p:sp>
+        <p:nvSpPr>
+          <p:cNvPr id="1236" name="Google Shape;1236;g1161f6db217_0_51:notes"/>
+          <p:cNvSpPr>
+            <a:spLocks noGrp="1" noRot="1" noChangeAspect="1"/>
+          </p:cNvSpPr>
+          <p:nvPr>
+            <p:ph type="sldImg" idx="2"/>
+          </p:nvPr>
+        </p:nvSpPr>
+        <p:spPr>
+          <a:xfrm>
+            <a:off x="381000" y="685800"/>
+            <a:ext cx="6096000" cy="3429000"/>
+          </a:xfrm>
+          <a:custGeom>
+            <a:avLst/>
+            <a:gdLst/>
+            <a:ahLst/>
+            <a:cxnLst/>
+            <a:rect l="l" t="t" r="r" b="b"/>
+            <a:pathLst>
+              <a:path w="120000" h="120000" extrusionOk="0">
+                <a:moveTo>
+                  <a:pt x="0" y="0"/>
+                </a:moveTo>
+                <a:lnTo>
+                  <a:pt x="120000" y="0"/>
+                </a:lnTo>
+                <a:lnTo>
+                  <a:pt x="120000" y="120000"/>
+                </a:lnTo>
+                <a:lnTo>
+                  <a:pt x="0" y="120000"/>
+                </a:lnTo>
+                <a:close/>
+              </a:path>
+            </a:pathLst>
+          </a:custGeom>
+        </p:spPr>
+      </p:sp>
+      <p:sp>
+        <p:nvSpPr>
+          <p:cNvPr id="1237" name="Google Shape;1237;g1161f6db217_0_51:notes"/>
+          <p:cNvSpPr txBox="1">
+            <a:spLocks noGrp="1"/>
+          </p:cNvSpPr>
+          <p:nvPr>
+            <p:ph type="body" idx="1"/>
+          </p:nvPr>
+        </p:nvSpPr>
+        <p:spPr>
+          <a:xfrm>
+            <a:off x="685800" y="4343400"/>
+            <a:ext cx="5486400" cy="4114800"/>
+          </a:xfrm>
+          <a:prstGeom prst="rect">
+            <a:avLst/>
+          </a:prstGeom>
+        </p:spPr>
+        <p:txBody>
+          <a:bodyPr spcFirstLastPara="1" wrap="square" lIns="91425" tIns="91425" rIns="91425" bIns="91425" anchor="t" anchorCtr="0">
+            <a:noAutofit/>
+          </a:bodyPr>
+          <a:lstStyle/>
+          <a:p>
+            <a:pPr marL="0" lvl="0" indent="0" algn="l" rtl="0">
+              <a:spcBef>
+                <a:spcPts val="0"/>
+              </a:spcBef>
+              <a:spcAft>
+                <a:spcPts val="0"/>
+              </a:spcAft>
+              <a:buNone/>
+            </a:pPr>
+            <a:endParaRPr/>
+          </a:p>
+        </p:txBody>
+      </p:sp>
+    </p:spTree>
+    <p:extLst>
+      <p:ext uri="{BB962C8B-B14F-4D97-AF65-F5344CB8AC3E}">
+        <p14:creationId xmlns:p14="http://schemas.microsoft.com/office/powerpoint/2010/main" val="3134531821"/>
+      </p:ext>
+    </p:extLst>
+  </p:cSld>
+  <p:clrMapOvr>
+    <a:masterClrMapping/>
+  </p:clrMapOvr>
+</p:notes>
+</file>
+
+<file path=ppt/notesSlides/notesSlide52.xml><?xml version="1.0" encoding="utf-8"?>
+<p:notes xmlns:a="http://schemas.openxmlformats.org/drawingml/2006/main" xmlns:r="http://schemas.openxmlformats.org/officeDocument/2006/relationships" xmlns:p="http://schemas.openxmlformats.org/presentationml/2006/main" showMasterSp="0" showMasterPhAnim="0">
+  <p:cSld>
+    <p:spTree>
+      <p:nvGrpSpPr>
+        <p:cNvPr id="1" name="Shape 1235"/>
+        <p:cNvGrpSpPr/>
+        <p:nvPr/>
+      </p:nvGrpSpPr>
+      <p:grpSpPr>
+        <a:xfrm>
+          <a:off x="0" y="0"/>
+          <a:ext cx="0" cy="0"/>
+          <a:chOff x="0" y="0"/>
+          <a:chExt cx="0" cy="0"/>
+        </a:xfrm>
+      </p:grpSpPr>
+      <p:sp>
+        <p:nvSpPr>
+          <p:cNvPr id="1236" name="Google Shape;1236;g1161f6db217_0_51:notes"/>
+          <p:cNvSpPr>
+            <a:spLocks noGrp="1" noRot="1" noChangeAspect="1"/>
+          </p:cNvSpPr>
+          <p:nvPr>
+            <p:ph type="sldImg" idx="2"/>
+          </p:nvPr>
+        </p:nvSpPr>
+        <p:spPr>
+          <a:xfrm>
+            <a:off x="381000" y="685800"/>
+            <a:ext cx="6096000" cy="3429000"/>
+          </a:xfrm>
+          <a:custGeom>
+            <a:avLst/>
+            <a:gdLst/>
+            <a:ahLst/>
+            <a:cxnLst/>
+            <a:rect l="l" t="t" r="r" b="b"/>
+            <a:pathLst>
+              <a:path w="120000" h="120000" extrusionOk="0">
+                <a:moveTo>
+                  <a:pt x="0" y="0"/>
+                </a:moveTo>
+                <a:lnTo>
+                  <a:pt x="120000" y="0"/>
+                </a:lnTo>
+                <a:lnTo>
+                  <a:pt x="120000" y="120000"/>
+                </a:lnTo>
+                <a:lnTo>
+                  <a:pt x="0" y="120000"/>
+                </a:lnTo>
+                <a:close/>
+              </a:path>
+            </a:pathLst>
+          </a:custGeom>
+        </p:spPr>
+      </p:sp>
+      <p:sp>
+        <p:nvSpPr>
+          <p:cNvPr id="1237" name="Google Shape;1237;g1161f6db217_0_51:notes"/>
+          <p:cNvSpPr txBox="1">
+            <a:spLocks noGrp="1"/>
+          </p:cNvSpPr>
+          <p:nvPr>
+            <p:ph type="body" idx="1"/>
+          </p:nvPr>
+        </p:nvSpPr>
+        <p:spPr>
+          <a:xfrm>
+            <a:off x="685800" y="4343400"/>
+            <a:ext cx="5486400" cy="4114800"/>
+          </a:xfrm>
+          <a:prstGeom prst="rect">
+            <a:avLst/>
+          </a:prstGeom>
+        </p:spPr>
+        <p:txBody>
+          <a:bodyPr spcFirstLastPara="1" wrap="square" lIns="91425" tIns="91425" rIns="91425" bIns="91425" anchor="t" anchorCtr="0">
+            <a:noAutofit/>
+          </a:bodyPr>
+          <a:lstStyle/>
+          <a:p>
+            <a:pPr marL="0" lvl="0" indent="0" algn="l" rtl="0">
+              <a:spcBef>
+                <a:spcPts val="0"/>
+              </a:spcBef>
+              <a:spcAft>
+                <a:spcPts val="0"/>
+              </a:spcAft>
+              <a:buNone/>
+            </a:pPr>
+            <a:endParaRPr/>
+          </a:p>
+        </p:txBody>
+      </p:sp>
+    </p:spTree>
+    <p:extLst>
+      <p:ext uri="{BB962C8B-B14F-4D97-AF65-F5344CB8AC3E}">
+        <p14:creationId xmlns:p14="http://schemas.microsoft.com/office/powerpoint/2010/main" val="3703499104"/>
+      </p:ext>
+    </p:extLst>
+  </p:cSld>
+  <p:clrMapOvr>
+    <a:masterClrMapping/>
+  </p:clrMapOvr>
+</p:notes>
+</file>
+
+<file path=ppt/notesSlides/notesSlide53.xml><?xml version="1.0" encoding="utf-8"?>
+<p:notes xmlns:a="http://schemas.openxmlformats.org/drawingml/2006/main" xmlns:r="http://schemas.openxmlformats.org/officeDocument/2006/relationships" xmlns:p="http://schemas.openxmlformats.org/presentationml/2006/main" showMasterSp="0" showMasterPhAnim="0">
+  <p:cSld>
+    <p:spTree>
+      <p:nvGrpSpPr>
+        <p:cNvPr id="1" name="Shape 1235"/>
+        <p:cNvGrpSpPr/>
+        <p:nvPr/>
+      </p:nvGrpSpPr>
+      <p:grpSpPr>
+        <a:xfrm>
+          <a:off x="0" y="0"/>
+          <a:ext cx="0" cy="0"/>
+          <a:chOff x="0" y="0"/>
+          <a:chExt cx="0" cy="0"/>
+        </a:xfrm>
+      </p:grpSpPr>
+      <p:sp>
+        <p:nvSpPr>
+          <p:cNvPr id="1236" name="Google Shape;1236;g1161f6db217_0_51:notes"/>
+          <p:cNvSpPr>
+            <a:spLocks noGrp="1" noRot="1" noChangeAspect="1"/>
+          </p:cNvSpPr>
+          <p:nvPr>
+            <p:ph type="sldImg" idx="2"/>
+          </p:nvPr>
+        </p:nvSpPr>
+        <p:spPr>
+          <a:xfrm>
+            <a:off x="381000" y="685800"/>
+            <a:ext cx="6096000" cy="3429000"/>
+          </a:xfrm>
+          <a:custGeom>
+            <a:avLst/>
+            <a:gdLst/>
+            <a:ahLst/>
+            <a:cxnLst/>
+            <a:rect l="l" t="t" r="r" b="b"/>
+            <a:pathLst>
+              <a:path w="120000" h="120000" extrusionOk="0">
+                <a:moveTo>
+                  <a:pt x="0" y="0"/>
+                </a:moveTo>
+                <a:lnTo>
+                  <a:pt x="120000" y="0"/>
+                </a:lnTo>
+                <a:lnTo>
+                  <a:pt x="120000" y="120000"/>
+                </a:lnTo>
+                <a:lnTo>
+                  <a:pt x="0" y="120000"/>
+                </a:lnTo>
+                <a:close/>
+              </a:path>
+            </a:pathLst>
+          </a:custGeom>
+        </p:spPr>
+      </p:sp>
+      <p:sp>
+        <p:nvSpPr>
+          <p:cNvPr id="1237" name="Google Shape;1237;g1161f6db217_0_51:notes"/>
+          <p:cNvSpPr txBox="1">
+            <a:spLocks noGrp="1"/>
+          </p:cNvSpPr>
+          <p:nvPr>
+            <p:ph type="body" idx="1"/>
+          </p:nvPr>
+        </p:nvSpPr>
+        <p:spPr>
+          <a:xfrm>
+            <a:off x="685800" y="4343400"/>
+            <a:ext cx="5486400" cy="4114800"/>
+          </a:xfrm>
+          <a:prstGeom prst="rect">
+            <a:avLst/>
+          </a:prstGeom>
+        </p:spPr>
+        <p:txBody>
+          <a:bodyPr spcFirstLastPara="1" wrap="square" lIns="91425" tIns="91425" rIns="91425" bIns="91425" anchor="t" anchorCtr="0">
+            <a:noAutofit/>
+          </a:bodyPr>
+          <a:lstStyle/>
+          <a:p>
+            <a:pPr marL="0" lvl="0" indent="0" algn="l" rtl="0">
+              <a:spcBef>
+                <a:spcPts val="0"/>
+              </a:spcBef>
+              <a:spcAft>
+                <a:spcPts val="0"/>
+              </a:spcAft>
+              <a:buNone/>
+            </a:pPr>
+            <a:endParaRPr/>
+          </a:p>
+        </p:txBody>
+      </p:sp>
+    </p:spTree>
+    <p:extLst>
+      <p:ext uri="{BB962C8B-B14F-4D97-AF65-F5344CB8AC3E}">
+        <p14:creationId xmlns:p14="http://schemas.microsoft.com/office/powerpoint/2010/main" val="1334820648"/>
+      </p:ext>
+    </p:extLst>
+  </p:cSld>
+  <p:clrMapOvr>
+    <a:masterClrMapping/>
+  </p:clrMapOvr>
+</p:notes>
+</file>
+
+<file path=ppt/notesSlides/notesSlide54.xml><?xml version="1.0" encoding="utf-8"?>
+<p:notes xmlns:a="http://schemas.openxmlformats.org/drawingml/2006/main" xmlns:r="http://schemas.openxmlformats.org/officeDocument/2006/relationships" xmlns:p="http://schemas.openxmlformats.org/presentationml/2006/main" showMasterSp="0" showMasterPhAnim="0">
+  <p:cSld>
+    <p:spTree>
+      <p:nvGrpSpPr>
+        <p:cNvPr id="1" name="Shape 1235"/>
+        <p:cNvGrpSpPr/>
+        <p:nvPr/>
+      </p:nvGrpSpPr>
+      <p:grpSpPr>
+        <a:xfrm>
+          <a:off x="0" y="0"/>
+          <a:ext cx="0" cy="0"/>
+          <a:chOff x="0" y="0"/>
+          <a:chExt cx="0" cy="0"/>
+        </a:xfrm>
+      </p:grpSpPr>
+      <p:sp>
+        <p:nvSpPr>
+          <p:cNvPr id="1236" name="Google Shape;1236;g1161f6db217_0_51:notes"/>
+          <p:cNvSpPr>
+            <a:spLocks noGrp="1" noRot="1" noChangeAspect="1"/>
+          </p:cNvSpPr>
+          <p:nvPr>
+            <p:ph type="sldImg" idx="2"/>
+          </p:nvPr>
+        </p:nvSpPr>
+        <p:spPr>
+          <a:xfrm>
+            <a:off x="381000" y="685800"/>
+            <a:ext cx="6096000" cy="3429000"/>
+          </a:xfrm>
+          <a:custGeom>
+            <a:avLst/>
+            <a:gdLst/>
+            <a:ahLst/>
+            <a:cxnLst/>
+            <a:rect l="l" t="t" r="r" b="b"/>
+            <a:pathLst>
+              <a:path w="120000" h="120000" extrusionOk="0">
+                <a:moveTo>
+                  <a:pt x="0" y="0"/>
+                </a:moveTo>
+                <a:lnTo>
+                  <a:pt x="120000" y="0"/>
+                </a:lnTo>
+                <a:lnTo>
+                  <a:pt x="120000" y="120000"/>
+                </a:lnTo>
+                <a:lnTo>
+                  <a:pt x="0" y="120000"/>
+                </a:lnTo>
+                <a:close/>
+              </a:path>
+            </a:pathLst>
+          </a:custGeom>
+        </p:spPr>
+      </p:sp>
+      <p:sp>
+        <p:nvSpPr>
+          <p:cNvPr id="1237" name="Google Shape;1237;g1161f6db217_0_51:notes"/>
+          <p:cNvSpPr txBox="1">
+            <a:spLocks noGrp="1"/>
+          </p:cNvSpPr>
+          <p:nvPr>
+            <p:ph type="body" idx="1"/>
+          </p:nvPr>
+        </p:nvSpPr>
+        <p:spPr>
+          <a:xfrm>
+            <a:off x="685800" y="4343400"/>
+            <a:ext cx="5486400" cy="4114800"/>
+          </a:xfrm>
+          <a:prstGeom prst="rect">
+            <a:avLst/>
+          </a:prstGeom>
+        </p:spPr>
+        <p:txBody>
+          <a:bodyPr spcFirstLastPara="1" wrap="square" lIns="91425" tIns="91425" rIns="91425" bIns="91425" anchor="t" anchorCtr="0">
+            <a:noAutofit/>
+          </a:bodyPr>
+          <a:lstStyle/>
+          <a:p>
+            <a:pPr marL="0" lvl="0" indent="0" algn="l" rtl="0">
+              <a:spcBef>
+                <a:spcPts val="0"/>
+              </a:spcBef>
+              <a:spcAft>
+                <a:spcPts val="0"/>
+              </a:spcAft>
+              <a:buNone/>
+            </a:pPr>
+            <a:endParaRPr/>
+          </a:p>
+        </p:txBody>
+      </p:sp>
+    </p:spTree>
+    <p:extLst>
+      <p:ext uri="{BB962C8B-B14F-4D97-AF65-F5344CB8AC3E}">
+        <p14:creationId xmlns:p14="http://schemas.microsoft.com/office/powerpoint/2010/main" val="2353939289"/>
+      </p:ext>
+    </p:extLst>
+  </p:cSld>
+  <p:clrMapOvr>
+    <a:masterClrMapping/>
+  </p:clrMapOvr>
+</p:notes>
+</file>
+
+<file path=ppt/notesSlides/notesSlide55.xml><?xml version="1.0" encoding="utf-8"?>
+<p:notes xmlns:a="http://schemas.openxmlformats.org/drawingml/2006/main" xmlns:r="http://schemas.openxmlformats.org/officeDocument/2006/relationships" xmlns:p="http://schemas.openxmlformats.org/presentationml/2006/main" showMasterSp="0" showMasterPhAnim="0">
+  <p:cSld>
+    <p:spTree>
+      <p:nvGrpSpPr>
+        <p:cNvPr id="1" name="Shape 1235"/>
+        <p:cNvGrpSpPr/>
+        <p:nvPr/>
+      </p:nvGrpSpPr>
+      <p:grpSpPr>
+        <a:xfrm>
+          <a:off x="0" y="0"/>
+          <a:ext cx="0" cy="0"/>
+          <a:chOff x="0" y="0"/>
+          <a:chExt cx="0" cy="0"/>
+        </a:xfrm>
+      </p:grpSpPr>
+      <p:sp>
+        <p:nvSpPr>
+          <p:cNvPr id="1236" name="Google Shape;1236;g1161f6db217_0_51:notes"/>
+          <p:cNvSpPr>
+            <a:spLocks noGrp="1" noRot="1" noChangeAspect="1"/>
+          </p:cNvSpPr>
+          <p:nvPr>
+            <p:ph type="sldImg" idx="2"/>
+          </p:nvPr>
+        </p:nvSpPr>
+        <p:spPr>
+          <a:xfrm>
+            <a:off x="381000" y="685800"/>
+            <a:ext cx="6096000" cy="3429000"/>
+          </a:xfrm>
+          <a:custGeom>
+            <a:avLst/>
+            <a:gdLst/>
+            <a:ahLst/>
+            <a:cxnLst/>
+            <a:rect l="l" t="t" r="r" b="b"/>
+            <a:pathLst>
+              <a:path w="120000" h="120000" extrusionOk="0">
+                <a:moveTo>
+                  <a:pt x="0" y="0"/>
+                </a:moveTo>
+                <a:lnTo>
+                  <a:pt x="120000" y="0"/>
+                </a:lnTo>
+                <a:lnTo>
+                  <a:pt x="120000" y="120000"/>
+                </a:lnTo>
+                <a:lnTo>
+                  <a:pt x="0" y="120000"/>
+                </a:lnTo>
+                <a:close/>
+              </a:path>
+            </a:pathLst>
+          </a:custGeom>
+        </p:spPr>
+      </p:sp>
+      <p:sp>
+        <p:nvSpPr>
+          <p:cNvPr id="1237" name="Google Shape;1237;g1161f6db217_0_51:notes"/>
+          <p:cNvSpPr txBox="1">
+            <a:spLocks noGrp="1"/>
+          </p:cNvSpPr>
+          <p:nvPr>
+            <p:ph type="body" idx="1"/>
+          </p:nvPr>
+        </p:nvSpPr>
+        <p:spPr>
+          <a:xfrm>
+            <a:off x="685800" y="4343400"/>
+            <a:ext cx="5486400" cy="4114800"/>
+          </a:xfrm>
+          <a:prstGeom prst="rect">
+            <a:avLst/>
+          </a:prstGeom>
+        </p:spPr>
+        <p:txBody>
+          <a:bodyPr spcFirstLastPara="1" wrap="square" lIns="91425" tIns="91425" rIns="91425" bIns="91425" anchor="t" anchorCtr="0">
+            <a:noAutofit/>
+          </a:bodyPr>
+          <a:lstStyle/>
+          <a:p>
+            <a:pPr marL="0" lvl="0" indent="0" algn="l" rtl="0">
+              <a:spcBef>
+                <a:spcPts val="0"/>
+              </a:spcBef>
+              <a:spcAft>
+                <a:spcPts val="0"/>
+              </a:spcAft>
+              <a:buNone/>
+            </a:pPr>
+            <a:endParaRPr/>
+          </a:p>
+        </p:txBody>
+      </p:sp>
+    </p:spTree>
+    <p:extLst>
+      <p:ext uri="{BB962C8B-B14F-4D97-AF65-F5344CB8AC3E}">
+        <p14:creationId xmlns:p14="http://schemas.microsoft.com/office/powerpoint/2010/main" val="1481403127"/>
+      </p:ext>
+    </p:extLst>
+  </p:cSld>
+  <p:clrMapOvr>
+    <a:masterClrMapping/>
+  </p:clrMapOvr>
+</p:notes>
+</file>
+
+<file path=ppt/notesSlides/notesSlide56.xml><?xml version="1.0" encoding="utf-8"?>
+<p:notes xmlns:a="http://schemas.openxmlformats.org/drawingml/2006/main" xmlns:r="http://schemas.openxmlformats.org/officeDocument/2006/relationships" xmlns:p="http://schemas.openxmlformats.org/presentationml/2006/main" showMasterSp="0" showMasterPhAnim="0">
+  <p:cSld>
+    <p:spTree>
+      <p:nvGrpSpPr>
+        <p:cNvPr id="1" name="Shape 1168"/>
+        <p:cNvGrpSpPr/>
+        <p:nvPr/>
+      </p:nvGrpSpPr>
+      <p:grpSpPr>
+        <a:xfrm>
+          <a:off x="0" y="0"/>
+          <a:ext cx="0" cy="0"/>
+          <a:chOff x="0" y="0"/>
+          <a:chExt cx="0" cy="0"/>
+        </a:xfrm>
+      </p:grpSpPr>
+      <p:sp>
+        <p:nvSpPr>
+          <p:cNvPr id="1169" name="Google Shape;1169;gd1e87cec61_0_40:notes"/>
+          <p:cNvSpPr>
+            <a:spLocks noGrp="1" noRot="1" noChangeAspect="1"/>
+          </p:cNvSpPr>
+          <p:nvPr>
+            <p:ph type="sldImg" idx="2"/>
+          </p:nvPr>
+        </p:nvSpPr>
+        <p:spPr>
+          <a:xfrm>
+            <a:off x="381000" y="685800"/>
+            <a:ext cx="6096000" cy="3429000"/>
+          </a:xfrm>
+          <a:custGeom>
+            <a:avLst/>
+            <a:gdLst/>
+            <a:ahLst/>
+            <a:cxnLst/>
+            <a:rect l="l" t="t" r="r" b="b"/>
+            <a:pathLst>
+              <a:path w="120000" h="120000" extrusionOk="0">
+                <a:moveTo>
+                  <a:pt x="0" y="0"/>
+                </a:moveTo>
+                <a:lnTo>
+                  <a:pt x="120000" y="0"/>
+                </a:lnTo>
+                <a:lnTo>
+                  <a:pt x="120000" y="120000"/>
+                </a:lnTo>
+                <a:lnTo>
+                  <a:pt x="0" y="120000"/>
+                </a:lnTo>
+                <a:close/>
+              </a:path>
+            </a:pathLst>
+          </a:custGeom>
+        </p:spPr>
+      </p:sp>
+      <p:sp>
+        <p:nvSpPr>
+          <p:cNvPr id="1170" name="Google Shape;1170;gd1e87cec61_0_40:notes"/>
+          <p:cNvSpPr txBox="1">
+            <a:spLocks noGrp="1"/>
+          </p:cNvSpPr>
+          <p:nvPr>
+            <p:ph type="body" idx="1"/>
+          </p:nvPr>
+        </p:nvSpPr>
+        <p:spPr>
+          <a:xfrm>
+            <a:off x="685800" y="4343400"/>
+            <a:ext cx="5486400" cy="4114800"/>
+          </a:xfrm>
+          <a:prstGeom prst="rect">
+            <a:avLst/>
+          </a:prstGeom>
+        </p:spPr>
+        <p:txBody>
+          <a:bodyPr spcFirstLastPara="1" wrap="square" lIns="91425" tIns="91425" rIns="91425" bIns="91425" anchor="t" anchorCtr="0">
+            <a:noAutofit/>
+          </a:bodyPr>
+          <a:lstStyle/>
+          <a:p>
+            <a:pPr marL="0" lvl="0" indent="0" algn="l" rtl="0">
+              <a:spcBef>
+                <a:spcPts val="0"/>
+              </a:spcBef>
+              <a:spcAft>
+                <a:spcPts val="0"/>
+              </a:spcAft>
+              <a:buNone/>
+            </a:pPr>
+            <a:endParaRPr/>
+          </a:p>
+        </p:txBody>
+      </p:sp>
+    </p:spTree>
+  </p:cSld>
+  <p:clrMapOvr>
+    <a:masterClrMapping/>
+  </p:clrMapOvr>
+</p:notes>
+</file>
+
+<file path=ppt/notesSlides/notesSlide57.xml><?xml version="1.0" encoding="utf-8"?>
+<p:notes xmlns:a="http://schemas.openxmlformats.org/drawingml/2006/main" xmlns:r="http://schemas.openxmlformats.org/officeDocument/2006/relationships" xmlns:p="http://schemas.openxmlformats.org/presentationml/2006/main" showMasterSp="0" showMasterPhAnim="0">
+  <p:cSld>
+    <p:spTree>
+      <p:nvGrpSpPr>
+        <p:cNvPr id="1" name="Shape 1273"/>
+        <p:cNvGrpSpPr/>
+        <p:nvPr/>
+      </p:nvGrpSpPr>
+      <p:grpSpPr>
+        <a:xfrm>
+          <a:off x="0" y="0"/>
+          <a:ext cx="0" cy="0"/>
+          <a:chOff x="0" y="0"/>
+          <a:chExt cx="0" cy="0"/>
+        </a:xfrm>
+      </p:grpSpPr>
+      <p:sp>
+        <p:nvSpPr>
+          <p:cNvPr id="1274" name="Google Shape;1274;g1161f6db217_0_48:notes"/>
+          <p:cNvSpPr>
+            <a:spLocks noGrp="1" noRot="1" noChangeAspect="1"/>
+          </p:cNvSpPr>
+          <p:nvPr>
+            <p:ph type="sldImg" idx="2"/>
+          </p:nvPr>
+        </p:nvSpPr>
+        <p:spPr>
+          <a:xfrm>
+            <a:off x="381000" y="685800"/>
+            <a:ext cx="6096000" cy="3429000"/>
+          </a:xfrm>
+          <a:custGeom>
+            <a:avLst/>
+            <a:gdLst/>
+            <a:ahLst/>
+            <a:cxnLst/>
+            <a:rect l="l" t="t" r="r" b="b"/>
+            <a:pathLst>
+              <a:path w="120000" h="120000" extrusionOk="0">
+                <a:moveTo>
+                  <a:pt x="0" y="0"/>
+                </a:moveTo>
+                <a:lnTo>
+                  <a:pt x="120000" y="0"/>
+                </a:lnTo>
+                <a:lnTo>
+                  <a:pt x="120000" y="120000"/>
+                </a:lnTo>
+                <a:lnTo>
+                  <a:pt x="0" y="120000"/>
+                </a:lnTo>
+                <a:close/>
+              </a:path>
+            </a:pathLst>
+          </a:custGeom>
+        </p:spPr>
+      </p:sp>
+      <p:sp>
+        <p:nvSpPr>
+          <p:cNvPr id="1275" name="Google Shape;1275;g1161f6db217_0_48:notes"/>
+          <p:cNvSpPr txBox="1">
+            <a:spLocks noGrp="1"/>
+          </p:cNvSpPr>
+          <p:nvPr>
+            <p:ph type="body" idx="1"/>
+          </p:nvPr>
+        </p:nvSpPr>
+        <p:spPr>
+          <a:xfrm>
+            <a:off x="685800" y="4343400"/>
+            <a:ext cx="5486400" cy="4114800"/>
+          </a:xfrm>
+          <a:prstGeom prst="rect">
+            <a:avLst/>
+          </a:prstGeom>
+        </p:spPr>
+        <p:txBody>
+          <a:bodyPr spcFirstLastPara="1" wrap="square" lIns="91425" tIns="91425" rIns="91425" bIns="91425" anchor="t" anchorCtr="0">
+            <a:noAutofit/>
+          </a:bodyPr>
+          <a:lstStyle/>
+          <a:p>
+            <a:pPr marL="0" lvl="0" indent="0" algn="l" rtl="0">
+              <a:spcBef>
+                <a:spcPts val="0"/>
+              </a:spcBef>
+              <a:spcAft>
+                <a:spcPts val="0"/>
+              </a:spcAft>
+              <a:buNone/>
+            </a:pPr>
+            <a:endParaRPr/>
+          </a:p>
+        </p:txBody>
+      </p:sp>
+    </p:spTree>
   </p:cSld>
   <p:clrMapOvr>
     <a:masterClrMapping/>
@@ -15065,7 +16495,7 @@
           <a:p>
             <a:fld id="{9AB3A824-1A51-4B26-AD58-A6D8E14F6C04}" type="datetimeFigureOut">
               <a:rPr lang="en-US" smtClean="0"/>
-              <a:t>12/29/23</a:t>
+              <a:t>12/30/23</a:t>
             </a:fld>
             <a:endParaRPr lang="en-US" dirty="0"/>
           </a:p>
@@ -15241,7 +16671,7 @@
           <a:p>
             <a:fld id="{D857E33E-8B18-4087-B112-809917729534}" type="datetimeFigureOut">
               <a:rPr lang="en-US" smtClean="0"/>
-              <a:t>12/29/23</a:t>
+              <a:t>12/30/23</a:t>
             </a:fld>
             <a:endParaRPr lang="en-US" dirty="0"/>
           </a:p>
@@ -15427,7 +16857,7 @@
           <a:p>
             <a:fld id="{D3FFE419-2371-464F-8239-3959401C3561}" type="datetimeFigureOut">
               <a:rPr lang="en-US" smtClean="0"/>
-              <a:t>12/29/23</a:t>
+              <a:t>12/30/23</a:t>
             </a:fld>
             <a:endParaRPr lang="en-US" dirty="0"/>
           </a:p>
@@ -16681,590 +18111,6 @@
 </file>
 
 <file path=ppt/slideLayouts/slideLayout14.xml><?xml version="1.0" encoding="utf-8"?>
-<p:sldLayout xmlns:a="http://schemas.openxmlformats.org/drawingml/2006/main" xmlns:r="http://schemas.openxmlformats.org/officeDocument/2006/relationships" xmlns:p="http://schemas.openxmlformats.org/presentationml/2006/main" matchingName="Big number">
-  <p:cSld name="Big number">
-    <p:spTree>
-      <p:nvGrpSpPr>
-        <p:cNvPr id="1" name="Shape 149"/>
-        <p:cNvGrpSpPr/>
-        <p:nvPr/>
-      </p:nvGrpSpPr>
-      <p:grpSpPr>
-        <a:xfrm>
-          <a:off x="0" y="0"/>
-          <a:ext cx="0" cy="0"/>
-          <a:chOff x="0" y="0"/>
-          <a:chExt cx="0" cy="0"/>
-        </a:xfrm>
-      </p:grpSpPr>
-      <p:sp>
-        <p:nvSpPr>
-          <p:cNvPr id="150" name="Google Shape;150;p11"/>
-          <p:cNvSpPr txBox="1">
-            <a:spLocks noGrp="1"/>
-          </p:cNvSpPr>
-          <p:nvPr>
-            <p:ph type="title" hasCustomPrompt="1"/>
-          </p:nvPr>
-        </p:nvSpPr>
-        <p:spPr>
-          <a:xfrm>
-            <a:off x="1217350" y="1604400"/>
-            <a:ext cx="6709200" cy="1483200"/>
-          </a:xfrm>
-          <a:prstGeom prst="rect">
-            <a:avLst/>
-          </a:prstGeom>
-        </p:spPr>
-        <p:txBody>
-          <a:bodyPr spcFirstLastPara="1" wrap="square" lIns="91425" tIns="91425" rIns="91425" bIns="91425" anchor="ctr" anchorCtr="0">
-            <a:noAutofit/>
-          </a:bodyPr>
-          <a:lstStyle>
-            <a:lvl1pPr lvl="0" algn="ctr">
-              <a:spcBef>
-                <a:spcPts val="0"/>
-              </a:spcBef>
-              <a:spcAft>
-                <a:spcPts val="0"/>
-              </a:spcAft>
-              <a:buSzPts val="12000"/>
-              <a:buNone/>
-              <a:defRPr sz="12000"/>
-            </a:lvl1pPr>
-            <a:lvl2pPr lvl="1" algn="ctr">
-              <a:spcBef>
-                <a:spcPts val="0"/>
-              </a:spcBef>
-              <a:spcAft>
-                <a:spcPts val="0"/>
-              </a:spcAft>
-              <a:buSzPts val="12000"/>
-              <a:buNone/>
-              <a:defRPr sz="12000"/>
-            </a:lvl2pPr>
-            <a:lvl3pPr lvl="2" algn="ctr">
-              <a:spcBef>
-                <a:spcPts val="0"/>
-              </a:spcBef>
-              <a:spcAft>
-                <a:spcPts val="0"/>
-              </a:spcAft>
-              <a:buSzPts val="12000"/>
-              <a:buNone/>
-              <a:defRPr sz="12000"/>
-            </a:lvl3pPr>
-            <a:lvl4pPr lvl="3" algn="ctr">
-              <a:spcBef>
-                <a:spcPts val="0"/>
-              </a:spcBef>
-              <a:spcAft>
-                <a:spcPts val="0"/>
-              </a:spcAft>
-              <a:buSzPts val="12000"/>
-              <a:buNone/>
-              <a:defRPr sz="12000"/>
-            </a:lvl4pPr>
-            <a:lvl5pPr lvl="4" algn="ctr">
-              <a:spcBef>
-                <a:spcPts val="0"/>
-              </a:spcBef>
-              <a:spcAft>
-                <a:spcPts val="0"/>
-              </a:spcAft>
-              <a:buSzPts val="12000"/>
-              <a:buNone/>
-              <a:defRPr sz="12000"/>
-            </a:lvl5pPr>
-            <a:lvl6pPr lvl="5" algn="ctr">
-              <a:spcBef>
-                <a:spcPts val="0"/>
-              </a:spcBef>
-              <a:spcAft>
-                <a:spcPts val="0"/>
-              </a:spcAft>
-              <a:buSzPts val="12000"/>
-              <a:buNone/>
-              <a:defRPr sz="12000"/>
-            </a:lvl6pPr>
-            <a:lvl7pPr lvl="6" algn="ctr">
-              <a:spcBef>
-                <a:spcPts val="0"/>
-              </a:spcBef>
-              <a:spcAft>
-                <a:spcPts val="0"/>
-              </a:spcAft>
-              <a:buSzPts val="12000"/>
-              <a:buNone/>
-              <a:defRPr sz="12000"/>
-            </a:lvl7pPr>
-            <a:lvl8pPr lvl="7" algn="ctr">
-              <a:spcBef>
-                <a:spcPts val="0"/>
-              </a:spcBef>
-              <a:spcAft>
-                <a:spcPts val="0"/>
-              </a:spcAft>
-              <a:buSzPts val="12000"/>
-              <a:buNone/>
-              <a:defRPr sz="12000"/>
-            </a:lvl8pPr>
-            <a:lvl9pPr lvl="8" algn="ctr">
-              <a:spcBef>
-                <a:spcPts val="0"/>
-              </a:spcBef>
-              <a:spcAft>
-                <a:spcPts val="0"/>
-              </a:spcAft>
-              <a:buSzPts val="12000"/>
-              <a:buNone/>
-              <a:defRPr sz="12000"/>
-            </a:lvl9pPr>
-          </a:lstStyle>
-          <a:p>
-            <a:r>
-              <a:t>xx%</a:t>
-            </a:r>
-          </a:p>
-        </p:txBody>
-      </p:sp>
-      <p:sp>
-        <p:nvSpPr>
-          <p:cNvPr id="151" name="Google Shape;151;p11"/>
-          <p:cNvSpPr txBox="1">
-            <a:spLocks noGrp="1"/>
-          </p:cNvSpPr>
-          <p:nvPr>
-            <p:ph type="body" idx="1"/>
-          </p:nvPr>
-        </p:nvSpPr>
-        <p:spPr>
-          <a:xfrm>
-            <a:off x="1668825" y="3087600"/>
-            <a:ext cx="5806200" cy="451500"/>
-          </a:xfrm>
-          <a:prstGeom prst="rect">
-            <a:avLst/>
-          </a:prstGeom>
-        </p:spPr>
-        <p:txBody>
-          <a:bodyPr spcFirstLastPara="1" wrap="square" lIns="91425" tIns="91425" rIns="91425" bIns="91425" anchor="t" anchorCtr="0">
-            <a:noAutofit/>
-          </a:bodyPr>
-          <a:lstStyle>
-            <a:lvl1pPr marL="457200" lvl="0" indent="-342900" algn="ctr">
-              <a:spcBef>
-                <a:spcPts val="0"/>
-              </a:spcBef>
-              <a:spcAft>
-                <a:spcPts val="0"/>
-              </a:spcAft>
-              <a:buSzPts val="1800"/>
-              <a:buChar char="●"/>
-              <a:defRPr/>
-            </a:lvl1pPr>
-            <a:lvl2pPr marL="914400" lvl="1" indent="-317500" algn="ctr">
-              <a:spcBef>
-                <a:spcPts val="1600"/>
-              </a:spcBef>
-              <a:spcAft>
-                <a:spcPts val="0"/>
-              </a:spcAft>
-              <a:buSzPts val="1400"/>
-              <a:buChar char="○"/>
-              <a:defRPr/>
-            </a:lvl2pPr>
-            <a:lvl3pPr marL="1371600" lvl="2" indent="-317500" algn="ctr">
-              <a:spcBef>
-                <a:spcPts val="1600"/>
-              </a:spcBef>
-              <a:spcAft>
-                <a:spcPts val="0"/>
-              </a:spcAft>
-              <a:buSzPts val="1400"/>
-              <a:buChar char="■"/>
-              <a:defRPr/>
-            </a:lvl3pPr>
-            <a:lvl4pPr marL="1828800" lvl="3" indent="-317500" algn="ctr">
-              <a:spcBef>
-                <a:spcPts val="1600"/>
-              </a:spcBef>
-              <a:spcAft>
-                <a:spcPts val="0"/>
-              </a:spcAft>
-              <a:buSzPts val="1400"/>
-              <a:buChar char="●"/>
-              <a:defRPr/>
-            </a:lvl4pPr>
-            <a:lvl5pPr marL="2286000" lvl="4" indent="-317500" algn="ctr">
-              <a:spcBef>
-                <a:spcPts val="1600"/>
-              </a:spcBef>
-              <a:spcAft>
-                <a:spcPts val="0"/>
-              </a:spcAft>
-              <a:buSzPts val="1400"/>
-              <a:buChar char="○"/>
-              <a:defRPr/>
-            </a:lvl5pPr>
-            <a:lvl6pPr marL="2743200" lvl="5" indent="-317500" algn="ctr">
-              <a:spcBef>
-                <a:spcPts val="1600"/>
-              </a:spcBef>
-              <a:spcAft>
-                <a:spcPts val="0"/>
-              </a:spcAft>
-              <a:buSzPts val="1400"/>
-              <a:buChar char="■"/>
-              <a:defRPr/>
-            </a:lvl6pPr>
-            <a:lvl7pPr marL="3200400" lvl="6" indent="-317500" algn="ctr">
-              <a:spcBef>
-                <a:spcPts val="1600"/>
-              </a:spcBef>
-              <a:spcAft>
-                <a:spcPts val="0"/>
-              </a:spcAft>
-              <a:buSzPts val="1400"/>
-              <a:buChar char="●"/>
-              <a:defRPr/>
-            </a:lvl7pPr>
-            <a:lvl8pPr marL="3657600" lvl="7" indent="-317500" algn="ctr">
-              <a:spcBef>
-                <a:spcPts val="1600"/>
-              </a:spcBef>
-              <a:spcAft>
-                <a:spcPts val="0"/>
-              </a:spcAft>
-              <a:buSzPts val="1400"/>
-              <a:buChar char="○"/>
-              <a:defRPr/>
-            </a:lvl8pPr>
-            <a:lvl9pPr marL="4114800" lvl="8" indent="-317500" algn="ctr">
-              <a:spcBef>
-                <a:spcPts val="1600"/>
-              </a:spcBef>
-              <a:spcAft>
-                <a:spcPts val="1600"/>
-              </a:spcAft>
-              <a:buSzPts val="1400"/>
-              <a:buChar char="■"/>
-              <a:defRPr/>
-            </a:lvl9pPr>
-          </a:lstStyle>
-          <a:p>
-            <a:endParaRPr/>
-          </a:p>
-        </p:txBody>
-      </p:sp>
-    </p:spTree>
-    <p:extLst>
-      <p:ext uri="{BB962C8B-B14F-4D97-AF65-F5344CB8AC3E}">
-        <p14:creationId xmlns:p14="http://schemas.microsoft.com/office/powerpoint/2010/main" val="1114241466"/>
-      </p:ext>
-    </p:extLst>
-  </p:cSld>
-  <p:clrMapOvr>
-    <a:masterClrMapping/>
-  </p:clrMapOvr>
-</p:sldLayout>
-</file>
-
-<file path=ppt/slideLayouts/slideLayout15.xml><?xml version="1.0" encoding="utf-8"?>
-<p:sldLayout xmlns:a="http://schemas.openxmlformats.org/drawingml/2006/main" xmlns:r="http://schemas.openxmlformats.org/officeDocument/2006/relationships" xmlns:p="http://schemas.openxmlformats.org/presentationml/2006/main" matchingName="Quote">
-  <p:cSld name="Quote">
-    <p:spTree>
-      <p:nvGrpSpPr>
-        <p:cNvPr id="1" name="Shape 224"/>
-        <p:cNvGrpSpPr/>
-        <p:nvPr/>
-      </p:nvGrpSpPr>
-      <p:grpSpPr>
-        <a:xfrm>
-          <a:off x="0" y="0"/>
-          <a:ext cx="0" cy="0"/>
-          <a:chOff x="0" y="0"/>
-          <a:chExt cx="0" cy="0"/>
-        </a:xfrm>
-      </p:grpSpPr>
-      <p:sp>
-        <p:nvSpPr>
-          <p:cNvPr id="225" name="Google Shape;225;p15"/>
-          <p:cNvSpPr txBox="1">
-            <a:spLocks noGrp="1"/>
-          </p:cNvSpPr>
-          <p:nvPr>
-            <p:ph type="title"/>
-          </p:nvPr>
-        </p:nvSpPr>
-        <p:spPr>
-          <a:xfrm>
-            <a:off x="3373350" y="2938325"/>
-            <a:ext cx="4044000" cy="497700"/>
-          </a:xfrm>
-          <a:prstGeom prst="rect">
-            <a:avLst/>
-          </a:prstGeom>
-        </p:spPr>
-        <p:txBody>
-          <a:bodyPr spcFirstLastPara="1" wrap="square" lIns="91425" tIns="91425" rIns="91425" bIns="91425" anchor="ctr" anchorCtr="0">
-            <a:noAutofit/>
-          </a:bodyPr>
-          <a:lstStyle>
-            <a:lvl1pPr lvl="0" algn="r" rtl="0">
-              <a:spcBef>
-                <a:spcPts val="0"/>
-              </a:spcBef>
-              <a:spcAft>
-                <a:spcPts val="0"/>
-              </a:spcAft>
-              <a:buSzPts val="5100"/>
-              <a:buNone/>
-              <a:defRPr sz="3000"/>
-            </a:lvl1pPr>
-            <a:lvl2pPr lvl="1" rtl="0">
-              <a:spcBef>
-                <a:spcPts val="1600"/>
-              </a:spcBef>
-              <a:spcAft>
-                <a:spcPts val="0"/>
-              </a:spcAft>
-              <a:buSzPts val="4800"/>
-              <a:buNone/>
-              <a:defRPr sz="4800"/>
-            </a:lvl2pPr>
-            <a:lvl3pPr lvl="2" rtl="0">
-              <a:spcBef>
-                <a:spcPts val="0"/>
-              </a:spcBef>
-              <a:spcAft>
-                <a:spcPts val="0"/>
-              </a:spcAft>
-              <a:buSzPts val="4800"/>
-              <a:buNone/>
-              <a:defRPr sz="4800"/>
-            </a:lvl3pPr>
-            <a:lvl4pPr lvl="3" rtl="0">
-              <a:spcBef>
-                <a:spcPts val="0"/>
-              </a:spcBef>
-              <a:spcAft>
-                <a:spcPts val="0"/>
-              </a:spcAft>
-              <a:buSzPts val="4800"/>
-              <a:buNone/>
-              <a:defRPr sz="4800"/>
-            </a:lvl4pPr>
-            <a:lvl5pPr lvl="4" rtl="0">
-              <a:spcBef>
-                <a:spcPts val="0"/>
-              </a:spcBef>
-              <a:spcAft>
-                <a:spcPts val="0"/>
-              </a:spcAft>
-              <a:buSzPts val="4800"/>
-              <a:buNone/>
-              <a:defRPr sz="4800"/>
-            </a:lvl5pPr>
-            <a:lvl6pPr lvl="5" rtl="0">
-              <a:spcBef>
-                <a:spcPts val="0"/>
-              </a:spcBef>
-              <a:spcAft>
-                <a:spcPts val="0"/>
-              </a:spcAft>
-              <a:buSzPts val="4800"/>
-              <a:buNone/>
-              <a:defRPr sz="4800"/>
-            </a:lvl6pPr>
-            <a:lvl7pPr lvl="6" rtl="0">
-              <a:spcBef>
-                <a:spcPts val="0"/>
-              </a:spcBef>
-              <a:spcAft>
-                <a:spcPts val="0"/>
-              </a:spcAft>
-              <a:buSzPts val="4800"/>
-              <a:buNone/>
-              <a:defRPr sz="4800"/>
-            </a:lvl7pPr>
-            <a:lvl8pPr lvl="7" rtl="0">
-              <a:spcBef>
-                <a:spcPts val="0"/>
-              </a:spcBef>
-              <a:spcAft>
-                <a:spcPts val="0"/>
-              </a:spcAft>
-              <a:buSzPts val="4800"/>
-              <a:buNone/>
-              <a:defRPr sz="4800"/>
-            </a:lvl8pPr>
-            <a:lvl9pPr lvl="8" rtl="0">
-              <a:spcBef>
-                <a:spcPts val="0"/>
-              </a:spcBef>
-              <a:spcAft>
-                <a:spcPts val="0"/>
-              </a:spcAft>
-              <a:buSzPts val="4800"/>
-              <a:buNone/>
-              <a:defRPr sz="4800"/>
-            </a:lvl9pPr>
-          </a:lstStyle>
-          <a:p>
-            <a:endParaRPr/>
-          </a:p>
-        </p:txBody>
-      </p:sp>
-      <p:sp>
-        <p:nvSpPr>
-          <p:cNvPr id="226" name="Google Shape;226;p15"/>
-          <p:cNvSpPr txBox="1">
-            <a:spLocks noGrp="1"/>
-          </p:cNvSpPr>
-          <p:nvPr>
-            <p:ph type="subTitle" idx="1"/>
-          </p:nvPr>
-        </p:nvSpPr>
-        <p:spPr>
-          <a:xfrm>
-            <a:off x="1726650" y="1707450"/>
-            <a:ext cx="5690700" cy="989100"/>
-          </a:xfrm>
-          <a:prstGeom prst="rect">
-            <a:avLst/>
-          </a:prstGeom>
-        </p:spPr>
-        <p:txBody>
-          <a:bodyPr spcFirstLastPara="1" wrap="square" lIns="91425" tIns="91425" rIns="91425" bIns="91425" anchor="t" anchorCtr="0">
-            <a:noAutofit/>
-          </a:bodyPr>
-          <a:lstStyle>
-            <a:lvl1pPr lvl="0" algn="r" rtl="0">
-              <a:lnSpc>
-                <a:spcPct val="100000"/>
-              </a:lnSpc>
-              <a:spcBef>
-                <a:spcPts val="0"/>
-              </a:spcBef>
-              <a:spcAft>
-                <a:spcPts val="0"/>
-              </a:spcAft>
-              <a:buClr>
-                <a:schemeClr val="accent4"/>
-              </a:buClr>
-              <a:buSzPts val="1200"/>
-              <a:buNone/>
-              <a:defRPr sz="2000"/>
-            </a:lvl1pPr>
-            <a:lvl2pPr lvl="1" rtl="0">
-              <a:spcBef>
-                <a:spcPts val="1600"/>
-              </a:spcBef>
-              <a:spcAft>
-                <a:spcPts val="0"/>
-              </a:spcAft>
-              <a:buSzPts val="1400"/>
-              <a:buNone/>
-              <a:defRPr/>
-            </a:lvl2pPr>
-            <a:lvl3pPr lvl="2" rtl="0">
-              <a:spcBef>
-                <a:spcPts val="1600"/>
-              </a:spcBef>
-              <a:spcAft>
-                <a:spcPts val="0"/>
-              </a:spcAft>
-              <a:buSzPts val="1400"/>
-              <a:buNone/>
-              <a:defRPr/>
-            </a:lvl3pPr>
-            <a:lvl4pPr lvl="3" rtl="0">
-              <a:spcBef>
-                <a:spcPts val="1600"/>
-              </a:spcBef>
-              <a:spcAft>
-                <a:spcPts val="0"/>
-              </a:spcAft>
-              <a:buSzPts val="1400"/>
-              <a:buNone/>
-              <a:defRPr/>
-            </a:lvl4pPr>
-            <a:lvl5pPr lvl="4" rtl="0">
-              <a:spcBef>
-                <a:spcPts val="1600"/>
-              </a:spcBef>
-              <a:spcAft>
-                <a:spcPts val="0"/>
-              </a:spcAft>
-              <a:buSzPts val="1400"/>
-              <a:buNone/>
-              <a:defRPr/>
-            </a:lvl5pPr>
-            <a:lvl6pPr lvl="5" rtl="0">
-              <a:spcBef>
-                <a:spcPts val="1600"/>
-              </a:spcBef>
-              <a:spcAft>
-                <a:spcPts val="0"/>
-              </a:spcAft>
-              <a:buSzPts val="1400"/>
-              <a:buNone/>
-              <a:defRPr/>
-            </a:lvl6pPr>
-            <a:lvl7pPr lvl="6" rtl="0">
-              <a:spcBef>
-                <a:spcPts val="1600"/>
-              </a:spcBef>
-              <a:spcAft>
-                <a:spcPts val="0"/>
-              </a:spcAft>
-              <a:buSzPts val="1400"/>
-              <a:buNone/>
-              <a:defRPr/>
-            </a:lvl7pPr>
-            <a:lvl8pPr lvl="7" rtl="0">
-              <a:spcBef>
-                <a:spcPts val="1600"/>
-              </a:spcBef>
-              <a:spcAft>
-                <a:spcPts val="0"/>
-              </a:spcAft>
-              <a:buSzPts val="1400"/>
-              <a:buNone/>
-              <a:defRPr/>
-            </a:lvl8pPr>
-            <a:lvl9pPr lvl="8" rtl="0">
-              <a:spcBef>
-                <a:spcPts val="1600"/>
-              </a:spcBef>
-              <a:spcAft>
-                <a:spcPts val="1600"/>
-              </a:spcAft>
-              <a:buSzPts val="1400"/>
-              <a:buNone/>
-              <a:defRPr/>
-            </a:lvl9pPr>
-          </a:lstStyle>
-          <a:p>
-            <a:endParaRPr/>
-          </a:p>
-        </p:txBody>
-      </p:sp>
-    </p:spTree>
-    <p:extLst>
-      <p:ext uri="{BB962C8B-B14F-4D97-AF65-F5344CB8AC3E}">
-        <p14:creationId xmlns:p14="http://schemas.microsoft.com/office/powerpoint/2010/main" val="3321999694"/>
-      </p:ext>
-    </p:extLst>
-  </p:cSld>
-  <p:clrMapOvr>
-    <a:masterClrMapping/>
-  </p:clrMapOvr>
-</p:sldLayout>
-</file>
-
-<file path=ppt/slideLayouts/slideLayout16.xml><?xml version="1.0" encoding="utf-8"?>
 <p:sldLayout xmlns:a="http://schemas.openxmlformats.org/drawingml/2006/main" xmlns:r="http://schemas.openxmlformats.org/officeDocument/2006/relationships" xmlns:p="http://schemas.openxmlformats.org/presentationml/2006/main" matchingName="Title and text 8">
   <p:cSld name="Title and text 8">
     <p:spTree>
@@ -17559,7 +18405,7 @@
 </p:sldLayout>
 </file>
 
-<file path=ppt/slideLayouts/slideLayout17.xml><?xml version="1.0" encoding="utf-8"?>
+<file path=ppt/slideLayouts/slideLayout15.xml><?xml version="1.0" encoding="utf-8"?>
 <p:sldLayout xmlns:a="http://schemas.openxmlformats.org/drawingml/2006/main" xmlns:r="http://schemas.openxmlformats.org/officeDocument/2006/relationships" xmlns:p="http://schemas.openxmlformats.org/presentationml/2006/main" matchingName="Title and text 6">
   <p:cSld name="Title and text 6">
     <p:spTree>
@@ -17901,7 +18747,7 @@
 </p:sldLayout>
 </file>
 
-<file path=ppt/slideLayouts/slideLayout18.xml><?xml version="1.0" encoding="utf-8"?>
+<file path=ppt/slideLayouts/slideLayout16.xml><?xml version="1.0" encoding="utf-8"?>
 <p:sldLayout xmlns:a="http://schemas.openxmlformats.org/drawingml/2006/main" xmlns:r="http://schemas.openxmlformats.org/officeDocument/2006/relationships" xmlns:p="http://schemas.openxmlformats.org/presentationml/2006/main" matchingName="Table of contents 1">
   <p:cSld name="Table of contents 1">
     <p:spTree>
@@ -21170,7 +22016,7 @@
 </p:sldLayout>
 </file>
 
-<file path=ppt/slideLayouts/slideLayout19.xml><?xml version="1.0" encoding="utf-8"?>
+<file path=ppt/slideLayouts/slideLayout17.xml><?xml version="1.0" encoding="utf-8"?>
 <p:sldLayout xmlns:a="http://schemas.openxmlformats.org/drawingml/2006/main" xmlns:r="http://schemas.openxmlformats.org/officeDocument/2006/relationships" xmlns:p="http://schemas.openxmlformats.org/presentationml/2006/main" matchingName="Title only 12">
   <p:cSld name="Title only 12">
     <p:spTree>
@@ -21374,6 +22220,590 @@
 </p:sldLayout>
 </file>
 
+<file path=ppt/slideLayouts/slideLayout18.xml><?xml version="1.0" encoding="utf-8"?>
+<p:sldLayout xmlns:a="http://schemas.openxmlformats.org/drawingml/2006/main" xmlns:r="http://schemas.openxmlformats.org/officeDocument/2006/relationships" xmlns:p="http://schemas.openxmlformats.org/presentationml/2006/main" matchingName="Big number">
+  <p:cSld name="Big number">
+    <p:spTree>
+      <p:nvGrpSpPr>
+        <p:cNvPr id="1" name="Shape 149"/>
+        <p:cNvGrpSpPr/>
+        <p:nvPr/>
+      </p:nvGrpSpPr>
+      <p:grpSpPr>
+        <a:xfrm>
+          <a:off x="0" y="0"/>
+          <a:ext cx="0" cy="0"/>
+          <a:chOff x="0" y="0"/>
+          <a:chExt cx="0" cy="0"/>
+        </a:xfrm>
+      </p:grpSpPr>
+      <p:sp>
+        <p:nvSpPr>
+          <p:cNvPr id="150" name="Google Shape;150;p11"/>
+          <p:cNvSpPr txBox="1">
+            <a:spLocks noGrp="1"/>
+          </p:cNvSpPr>
+          <p:nvPr>
+            <p:ph type="title" hasCustomPrompt="1"/>
+          </p:nvPr>
+        </p:nvSpPr>
+        <p:spPr>
+          <a:xfrm>
+            <a:off x="1217350" y="1604400"/>
+            <a:ext cx="6709200" cy="1483200"/>
+          </a:xfrm>
+          <a:prstGeom prst="rect">
+            <a:avLst/>
+          </a:prstGeom>
+        </p:spPr>
+        <p:txBody>
+          <a:bodyPr spcFirstLastPara="1" wrap="square" lIns="91425" tIns="91425" rIns="91425" bIns="91425" anchor="ctr" anchorCtr="0">
+            <a:noAutofit/>
+          </a:bodyPr>
+          <a:lstStyle>
+            <a:lvl1pPr lvl="0" algn="ctr">
+              <a:spcBef>
+                <a:spcPts val="0"/>
+              </a:spcBef>
+              <a:spcAft>
+                <a:spcPts val="0"/>
+              </a:spcAft>
+              <a:buSzPts val="12000"/>
+              <a:buNone/>
+              <a:defRPr sz="12000"/>
+            </a:lvl1pPr>
+            <a:lvl2pPr lvl="1" algn="ctr">
+              <a:spcBef>
+                <a:spcPts val="0"/>
+              </a:spcBef>
+              <a:spcAft>
+                <a:spcPts val="0"/>
+              </a:spcAft>
+              <a:buSzPts val="12000"/>
+              <a:buNone/>
+              <a:defRPr sz="12000"/>
+            </a:lvl2pPr>
+            <a:lvl3pPr lvl="2" algn="ctr">
+              <a:spcBef>
+                <a:spcPts val="0"/>
+              </a:spcBef>
+              <a:spcAft>
+                <a:spcPts val="0"/>
+              </a:spcAft>
+              <a:buSzPts val="12000"/>
+              <a:buNone/>
+              <a:defRPr sz="12000"/>
+            </a:lvl3pPr>
+            <a:lvl4pPr lvl="3" algn="ctr">
+              <a:spcBef>
+                <a:spcPts val="0"/>
+              </a:spcBef>
+              <a:spcAft>
+                <a:spcPts val="0"/>
+              </a:spcAft>
+              <a:buSzPts val="12000"/>
+              <a:buNone/>
+              <a:defRPr sz="12000"/>
+            </a:lvl4pPr>
+            <a:lvl5pPr lvl="4" algn="ctr">
+              <a:spcBef>
+                <a:spcPts val="0"/>
+              </a:spcBef>
+              <a:spcAft>
+                <a:spcPts val="0"/>
+              </a:spcAft>
+              <a:buSzPts val="12000"/>
+              <a:buNone/>
+              <a:defRPr sz="12000"/>
+            </a:lvl5pPr>
+            <a:lvl6pPr lvl="5" algn="ctr">
+              <a:spcBef>
+                <a:spcPts val="0"/>
+              </a:spcBef>
+              <a:spcAft>
+                <a:spcPts val="0"/>
+              </a:spcAft>
+              <a:buSzPts val="12000"/>
+              <a:buNone/>
+              <a:defRPr sz="12000"/>
+            </a:lvl6pPr>
+            <a:lvl7pPr lvl="6" algn="ctr">
+              <a:spcBef>
+                <a:spcPts val="0"/>
+              </a:spcBef>
+              <a:spcAft>
+                <a:spcPts val="0"/>
+              </a:spcAft>
+              <a:buSzPts val="12000"/>
+              <a:buNone/>
+              <a:defRPr sz="12000"/>
+            </a:lvl7pPr>
+            <a:lvl8pPr lvl="7" algn="ctr">
+              <a:spcBef>
+                <a:spcPts val="0"/>
+              </a:spcBef>
+              <a:spcAft>
+                <a:spcPts val="0"/>
+              </a:spcAft>
+              <a:buSzPts val="12000"/>
+              <a:buNone/>
+              <a:defRPr sz="12000"/>
+            </a:lvl8pPr>
+            <a:lvl9pPr lvl="8" algn="ctr">
+              <a:spcBef>
+                <a:spcPts val="0"/>
+              </a:spcBef>
+              <a:spcAft>
+                <a:spcPts val="0"/>
+              </a:spcAft>
+              <a:buSzPts val="12000"/>
+              <a:buNone/>
+              <a:defRPr sz="12000"/>
+            </a:lvl9pPr>
+          </a:lstStyle>
+          <a:p>
+            <a:r>
+              <a:t>xx%</a:t>
+            </a:r>
+          </a:p>
+        </p:txBody>
+      </p:sp>
+      <p:sp>
+        <p:nvSpPr>
+          <p:cNvPr id="151" name="Google Shape;151;p11"/>
+          <p:cNvSpPr txBox="1">
+            <a:spLocks noGrp="1"/>
+          </p:cNvSpPr>
+          <p:nvPr>
+            <p:ph type="body" idx="1"/>
+          </p:nvPr>
+        </p:nvSpPr>
+        <p:spPr>
+          <a:xfrm>
+            <a:off x="1668825" y="3087600"/>
+            <a:ext cx="5806200" cy="451500"/>
+          </a:xfrm>
+          <a:prstGeom prst="rect">
+            <a:avLst/>
+          </a:prstGeom>
+        </p:spPr>
+        <p:txBody>
+          <a:bodyPr spcFirstLastPara="1" wrap="square" lIns="91425" tIns="91425" rIns="91425" bIns="91425" anchor="t" anchorCtr="0">
+            <a:noAutofit/>
+          </a:bodyPr>
+          <a:lstStyle>
+            <a:lvl1pPr marL="457200" lvl="0" indent="-342900" algn="ctr">
+              <a:spcBef>
+                <a:spcPts val="0"/>
+              </a:spcBef>
+              <a:spcAft>
+                <a:spcPts val="0"/>
+              </a:spcAft>
+              <a:buSzPts val="1800"/>
+              <a:buChar char="●"/>
+              <a:defRPr/>
+            </a:lvl1pPr>
+            <a:lvl2pPr marL="914400" lvl="1" indent="-317500" algn="ctr">
+              <a:spcBef>
+                <a:spcPts val="1600"/>
+              </a:spcBef>
+              <a:spcAft>
+                <a:spcPts val="0"/>
+              </a:spcAft>
+              <a:buSzPts val="1400"/>
+              <a:buChar char="○"/>
+              <a:defRPr/>
+            </a:lvl2pPr>
+            <a:lvl3pPr marL="1371600" lvl="2" indent="-317500" algn="ctr">
+              <a:spcBef>
+                <a:spcPts val="1600"/>
+              </a:spcBef>
+              <a:spcAft>
+                <a:spcPts val="0"/>
+              </a:spcAft>
+              <a:buSzPts val="1400"/>
+              <a:buChar char="■"/>
+              <a:defRPr/>
+            </a:lvl3pPr>
+            <a:lvl4pPr marL="1828800" lvl="3" indent="-317500" algn="ctr">
+              <a:spcBef>
+                <a:spcPts val="1600"/>
+              </a:spcBef>
+              <a:spcAft>
+                <a:spcPts val="0"/>
+              </a:spcAft>
+              <a:buSzPts val="1400"/>
+              <a:buChar char="●"/>
+              <a:defRPr/>
+            </a:lvl4pPr>
+            <a:lvl5pPr marL="2286000" lvl="4" indent="-317500" algn="ctr">
+              <a:spcBef>
+                <a:spcPts val="1600"/>
+              </a:spcBef>
+              <a:spcAft>
+                <a:spcPts val="0"/>
+              </a:spcAft>
+              <a:buSzPts val="1400"/>
+              <a:buChar char="○"/>
+              <a:defRPr/>
+            </a:lvl5pPr>
+            <a:lvl6pPr marL="2743200" lvl="5" indent="-317500" algn="ctr">
+              <a:spcBef>
+                <a:spcPts val="1600"/>
+              </a:spcBef>
+              <a:spcAft>
+                <a:spcPts val="0"/>
+              </a:spcAft>
+              <a:buSzPts val="1400"/>
+              <a:buChar char="■"/>
+              <a:defRPr/>
+            </a:lvl6pPr>
+            <a:lvl7pPr marL="3200400" lvl="6" indent="-317500" algn="ctr">
+              <a:spcBef>
+                <a:spcPts val="1600"/>
+              </a:spcBef>
+              <a:spcAft>
+                <a:spcPts val="0"/>
+              </a:spcAft>
+              <a:buSzPts val="1400"/>
+              <a:buChar char="●"/>
+              <a:defRPr/>
+            </a:lvl7pPr>
+            <a:lvl8pPr marL="3657600" lvl="7" indent="-317500" algn="ctr">
+              <a:spcBef>
+                <a:spcPts val="1600"/>
+              </a:spcBef>
+              <a:spcAft>
+                <a:spcPts val="0"/>
+              </a:spcAft>
+              <a:buSzPts val="1400"/>
+              <a:buChar char="○"/>
+              <a:defRPr/>
+            </a:lvl8pPr>
+            <a:lvl9pPr marL="4114800" lvl="8" indent="-317500" algn="ctr">
+              <a:spcBef>
+                <a:spcPts val="1600"/>
+              </a:spcBef>
+              <a:spcAft>
+                <a:spcPts val="1600"/>
+              </a:spcAft>
+              <a:buSzPts val="1400"/>
+              <a:buChar char="■"/>
+              <a:defRPr/>
+            </a:lvl9pPr>
+          </a:lstStyle>
+          <a:p>
+            <a:endParaRPr/>
+          </a:p>
+        </p:txBody>
+      </p:sp>
+    </p:spTree>
+    <p:extLst>
+      <p:ext uri="{BB962C8B-B14F-4D97-AF65-F5344CB8AC3E}">
+        <p14:creationId xmlns:p14="http://schemas.microsoft.com/office/powerpoint/2010/main" val="4187750148"/>
+      </p:ext>
+    </p:extLst>
+  </p:cSld>
+  <p:clrMapOvr>
+    <a:masterClrMapping/>
+  </p:clrMapOvr>
+</p:sldLayout>
+</file>
+
+<file path=ppt/slideLayouts/slideLayout19.xml><?xml version="1.0" encoding="utf-8"?>
+<p:sldLayout xmlns:a="http://schemas.openxmlformats.org/drawingml/2006/main" xmlns:r="http://schemas.openxmlformats.org/officeDocument/2006/relationships" xmlns:p="http://schemas.openxmlformats.org/presentationml/2006/main" matchingName="Quote">
+  <p:cSld name="Quote">
+    <p:spTree>
+      <p:nvGrpSpPr>
+        <p:cNvPr id="1" name="Shape 224"/>
+        <p:cNvGrpSpPr/>
+        <p:nvPr/>
+      </p:nvGrpSpPr>
+      <p:grpSpPr>
+        <a:xfrm>
+          <a:off x="0" y="0"/>
+          <a:ext cx="0" cy="0"/>
+          <a:chOff x="0" y="0"/>
+          <a:chExt cx="0" cy="0"/>
+        </a:xfrm>
+      </p:grpSpPr>
+      <p:sp>
+        <p:nvSpPr>
+          <p:cNvPr id="225" name="Google Shape;225;p15"/>
+          <p:cNvSpPr txBox="1">
+            <a:spLocks noGrp="1"/>
+          </p:cNvSpPr>
+          <p:nvPr>
+            <p:ph type="title"/>
+          </p:nvPr>
+        </p:nvSpPr>
+        <p:spPr>
+          <a:xfrm>
+            <a:off x="3373350" y="2938325"/>
+            <a:ext cx="4044000" cy="497700"/>
+          </a:xfrm>
+          <a:prstGeom prst="rect">
+            <a:avLst/>
+          </a:prstGeom>
+        </p:spPr>
+        <p:txBody>
+          <a:bodyPr spcFirstLastPara="1" wrap="square" lIns="91425" tIns="91425" rIns="91425" bIns="91425" anchor="ctr" anchorCtr="0">
+            <a:noAutofit/>
+          </a:bodyPr>
+          <a:lstStyle>
+            <a:lvl1pPr lvl="0" algn="r" rtl="0">
+              <a:spcBef>
+                <a:spcPts val="0"/>
+              </a:spcBef>
+              <a:spcAft>
+                <a:spcPts val="0"/>
+              </a:spcAft>
+              <a:buSzPts val="5100"/>
+              <a:buNone/>
+              <a:defRPr sz="3000"/>
+            </a:lvl1pPr>
+            <a:lvl2pPr lvl="1" rtl="0">
+              <a:spcBef>
+                <a:spcPts val="1600"/>
+              </a:spcBef>
+              <a:spcAft>
+                <a:spcPts val="0"/>
+              </a:spcAft>
+              <a:buSzPts val="4800"/>
+              <a:buNone/>
+              <a:defRPr sz="4800"/>
+            </a:lvl2pPr>
+            <a:lvl3pPr lvl="2" rtl="0">
+              <a:spcBef>
+                <a:spcPts val="0"/>
+              </a:spcBef>
+              <a:spcAft>
+                <a:spcPts val="0"/>
+              </a:spcAft>
+              <a:buSzPts val="4800"/>
+              <a:buNone/>
+              <a:defRPr sz="4800"/>
+            </a:lvl3pPr>
+            <a:lvl4pPr lvl="3" rtl="0">
+              <a:spcBef>
+                <a:spcPts val="0"/>
+              </a:spcBef>
+              <a:spcAft>
+                <a:spcPts val="0"/>
+              </a:spcAft>
+              <a:buSzPts val="4800"/>
+              <a:buNone/>
+              <a:defRPr sz="4800"/>
+            </a:lvl4pPr>
+            <a:lvl5pPr lvl="4" rtl="0">
+              <a:spcBef>
+                <a:spcPts val="0"/>
+              </a:spcBef>
+              <a:spcAft>
+                <a:spcPts val="0"/>
+              </a:spcAft>
+              <a:buSzPts val="4800"/>
+              <a:buNone/>
+              <a:defRPr sz="4800"/>
+            </a:lvl5pPr>
+            <a:lvl6pPr lvl="5" rtl="0">
+              <a:spcBef>
+                <a:spcPts val="0"/>
+              </a:spcBef>
+              <a:spcAft>
+                <a:spcPts val="0"/>
+              </a:spcAft>
+              <a:buSzPts val="4800"/>
+              <a:buNone/>
+              <a:defRPr sz="4800"/>
+            </a:lvl6pPr>
+            <a:lvl7pPr lvl="6" rtl="0">
+              <a:spcBef>
+                <a:spcPts val="0"/>
+              </a:spcBef>
+              <a:spcAft>
+                <a:spcPts val="0"/>
+              </a:spcAft>
+              <a:buSzPts val="4800"/>
+              <a:buNone/>
+              <a:defRPr sz="4800"/>
+            </a:lvl7pPr>
+            <a:lvl8pPr lvl="7" rtl="0">
+              <a:spcBef>
+                <a:spcPts val="0"/>
+              </a:spcBef>
+              <a:spcAft>
+                <a:spcPts val="0"/>
+              </a:spcAft>
+              <a:buSzPts val="4800"/>
+              <a:buNone/>
+              <a:defRPr sz="4800"/>
+            </a:lvl8pPr>
+            <a:lvl9pPr lvl="8" rtl="0">
+              <a:spcBef>
+                <a:spcPts val="0"/>
+              </a:spcBef>
+              <a:spcAft>
+                <a:spcPts val="0"/>
+              </a:spcAft>
+              <a:buSzPts val="4800"/>
+              <a:buNone/>
+              <a:defRPr sz="4800"/>
+            </a:lvl9pPr>
+          </a:lstStyle>
+          <a:p>
+            <a:endParaRPr/>
+          </a:p>
+        </p:txBody>
+      </p:sp>
+      <p:sp>
+        <p:nvSpPr>
+          <p:cNvPr id="226" name="Google Shape;226;p15"/>
+          <p:cNvSpPr txBox="1">
+            <a:spLocks noGrp="1"/>
+          </p:cNvSpPr>
+          <p:nvPr>
+            <p:ph type="subTitle" idx="1"/>
+          </p:nvPr>
+        </p:nvSpPr>
+        <p:spPr>
+          <a:xfrm>
+            <a:off x="1726650" y="1707450"/>
+            <a:ext cx="5690700" cy="989100"/>
+          </a:xfrm>
+          <a:prstGeom prst="rect">
+            <a:avLst/>
+          </a:prstGeom>
+        </p:spPr>
+        <p:txBody>
+          <a:bodyPr spcFirstLastPara="1" wrap="square" lIns="91425" tIns="91425" rIns="91425" bIns="91425" anchor="t" anchorCtr="0">
+            <a:noAutofit/>
+          </a:bodyPr>
+          <a:lstStyle>
+            <a:lvl1pPr lvl="0" algn="r" rtl="0">
+              <a:lnSpc>
+                <a:spcPct val="100000"/>
+              </a:lnSpc>
+              <a:spcBef>
+                <a:spcPts val="0"/>
+              </a:spcBef>
+              <a:spcAft>
+                <a:spcPts val="0"/>
+              </a:spcAft>
+              <a:buClr>
+                <a:schemeClr val="accent4"/>
+              </a:buClr>
+              <a:buSzPts val="1200"/>
+              <a:buNone/>
+              <a:defRPr sz="2000"/>
+            </a:lvl1pPr>
+            <a:lvl2pPr lvl="1" rtl="0">
+              <a:spcBef>
+                <a:spcPts val="1600"/>
+              </a:spcBef>
+              <a:spcAft>
+                <a:spcPts val="0"/>
+              </a:spcAft>
+              <a:buSzPts val="1400"/>
+              <a:buNone/>
+              <a:defRPr/>
+            </a:lvl2pPr>
+            <a:lvl3pPr lvl="2" rtl="0">
+              <a:spcBef>
+                <a:spcPts val="1600"/>
+              </a:spcBef>
+              <a:spcAft>
+                <a:spcPts val="0"/>
+              </a:spcAft>
+              <a:buSzPts val="1400"/>
+              <a:buNone/>
+              <a:defRPr/>
+            </a:lvl3pPr>
+            <a:lvl4pPr lvl="3" rtl="0">
+              <a:spcBef>
+                <a:spcPts val="1600"/>
+              </a:spcBef>
+              <a:spcAft>
+                <a:spcPts val="0"/>
+              </a:spcAft>
+              <a:buSzPts val="1400"/>
+              <a:buNone/>
+              <a:defRPr/>
+            </a:lvl4pPr>
+            <a:lvl5pPr lvl="4" rtl="0">
+              <a:spcBef>
+                <a:spcPts val="1600"/>
+              </a:spcBef>
+              <a:spcAft>
+                <a:spcPts val="0"/>
+              </a:spcAft>
+              <a:buSzPts val="1400"/>
+              <a:buNone/>
+              <a:defRPr/>
+            </a:lvl5pPr>
+            <a:lvl6pPr lvl="5" rtl="0">
+              <a:spcBef>
+                <a:spcPts val="1600"/>
+              </a:spcBef>
+              <a:spcAft>
+                <a:spcPts val="0"/>
+              </a:spcAft>
+              <a:buSzPts val="1400"/>
+              <a:buNone/>
+              <a:defRPr/>
+            </a:lvl6pPr>
+            <a:lvl7pPr lvl="6" rtl="0">
+              <a:spcBef>
+                <a:spcPts val="1600"/>
+              </a:spcBef>
+              <a:spcAft>
+                <a:spcPts val="0"/>
+              </a:spcAft>
+              <a:buSzPts val="1400"/>
+              <a:buNone/>
+              <a:defRPr/>
+            </a:lvl7pPr>
+            <a:lvl8pPr lvl="7" rtl="0">
+              <a:spcBef>
+                <a:spcPts val="1600"/>
+              </a:spcBef>
+              <a:spcAft>
+                <a:spcPts val="0"/>
+              </a:spcAft>
+              <a:buSzPts val="1400"/>
+              <a:buNone/>
+              <a:defRPr/>
+            </a:lvl8pPr>
+            <a:lvl9pPr lvl="8" rtl="0">
+              <a:spcBef>
+                <a:spcPts val="1600"/>
+              </a:spcBef>
+              <a:spcAft>
+                <a:spcPts val="1600"/>
+              </a:spcAft>
+              <a:buSzPts val="1400"/>
+              <a:buNone/>
+              <a:defRPr/>
+            </a:lvl9pPr>
+          </a:lstStyle>
+          <a:p>
+            <a:endParaRPr/>
+          </a:p>
+        </p:txBody>
+      </p:sp>
+    </p:spTree>
+    <p:extLst>
+      <p:ext uri="{BB962C8B-B14F-4D97-AF65-F5344CB8AC3E}">
+        <p14:creationId xmlns:p14="http://schemas.microsoft.com/office/powerpoint/2010/main" val="100482345"/>
+      </p:ext>
+    </p:extLst>
+  </p:cSld>
+  <p:clrMapOvr>
+    <a:masterClrMapping/>
+  </p:clrMapOvr>
+</p:sldLayout>
+</file>
+
 <file path=ppt/slideLayouts/slideLayout2.xml><?xml version="1.0" encoding="utf-8"?>
 <p:sldLayout xmlns:a="http://schemas.openxmlformats.org/drawingml/2006/main" xmlns:r="http://schemas.openxmlformats.org/officeDocument/2006/relationships" xmlns:p="http://schemas.openxmlformats.org/presentationml/2006/main" type="obj" preserve="1">
   <p:cSld name="Title and Content">
@@ -21483,7 +22913,7 @@
           <a:p>
             <a:fld id="{97D162C4-EDD9-4389-A98B-B87ECEA2A816}" type="datetimeFigureOut">
               <a:rPr lang="en-US" smtClean="0"/>
-              <a:t>12/29/23</a:t>
+              <a:t>12/30/23</a:t>
             </a:fld>
             <a:endParaRPr lang="en-US" dirty="0"/>
           </a:p>
@@ -21757,7 +23187,7 @@
           <a:p>
             <a:fld id="{3E5059C3-6A89-4494-99FF-5A4D6FFD50EB}" type="datetimeFigureOut">
               <a:rPr lang="en-US" smtClean="0"/>
-              <a:t>12/29/23</a:t>
+              <a:t>12/30/23</a:t>
             </a:fld>
             <a:endParaRPr lang="en-US" dirty="0"/>
           </a:p>
@@ -21995,7 +23425,7 @@
           <a:p>
             <a:fld id="{CA954B2F-12DE-47F5-8894-472B206D2E1E}" type="datetimeFigureOut">
               <a:rPr lang="en-US" smtClean="0"/>
-              <a:t>12/29/23</a:t>
+              <a:t>12/30/23</a:t>
             </a:fld>
             <a:endParaRPr lang="en-US" dirty="0"/>
           </a:p>
@@ -22360,7 +23790,7 @@
           <a:p>
             <a:fld id="{3CBC1C18-307B-4F68-A007-B5B542270E8D}" type="datetimeFigureOut">
               <a:rPr lang="en-US" smtClean="0"/>
-              <a:t>12/29/23</a:t>
+              <a:t>12/30/23</a:t>
             </a:fld>
             <a:endParaRPr lang="en-US" dirty="0"/>
           </a:p>
@@ -22508,7 +23938,7 @@
           <a:p>
             <a:fld id="{1FAF3416-4057-4DAA-829D-4CA07428D088}" type="datetimeFigureOut">
               <a:rPr lang="en-US" smtClean="0"/>
-              <a:t>12/29/23</a:t>
+              <a:t>12/30/23</a:t>
             </a:fld>
             <a:endParaRPr lang="en-US" dirty="0"/>
           </a:p>
@@ -22609,7 +24039,7 @@
           <a:p>
             <a:fld id="{921D9284-D300-4297-87F7-E791DCC15DB1}" type="datetimeFigureOut">
               <a:rPr lang="en-US" smtClean="0"/>
-              <a:t>12/29/23</a:t>
+              <a:t>12/30/23</a:t>
             </a:fld>
             <a:endParaRPr lang="en-US" dirty="0"/>
           </a:p>
@@ -22971,7 +24401,7 @@
           <a:p>
             <a:fld id="{37D525BB-DA17-4BA0-B3C8-3AC3ABC827E6}" type="datetimeFigureOut">
               <a:rPr lang="en-US" smtClean="0"/>
-              <a:t>12/29/23</a:t>
+              <a:t>12/30/23</a:t>
             </a:fld>
             <a:endParaRPr lang="en-US" dirty="0"/>
           </a:p>
@@ -23334,7 +24764,7 @@
           <a:p>
             <a:fld id="{B16C4C9A-3960-41CF-A4E9-2A8FB932454B}" type="datetimeFigureOut">
               <a:rPr lang="en-US" smtClean="0"/>
-              <a:t>12/29/23</a:t>
+              <a:t>12/30/23</a:t>
             </a:fld>
             <a:endParaRPr lang="en-US" dirty="0"/>
           </a:p>
@@ -23582,7 +25012,7 @@
           <a:p>
             <a:fld id="{3CBC1C18-307B-4F68-A007-B5B542270E8D}" type="datetimeFigureOut">
               <a:rPr lang="en-US" smtClean="0"/>
-              <a:t>12/29/23</a:t>
+              <a:t>12/30/23</a:t>
             </a:fld>
             <a:endParaRPr lang="en-US" dirty="0"/>
           </a:p>
@@ -23699,12 +25129,12 @@
     <p:sldLayoutId id="2147483818" r:id="rId11"/>
     <p:sldLayoutId id="2147483819" r:id="rId12"/>
     <p:sldLayoutId id="2147483820" r:id="rId13"/>
-    <p:sldLayoutId id="2147483821" r:id="rId14"/>
-    <p:sldLayoutId id="2147483822" r:id="rId15"/>
-    <p:sldLayoutId id="2147483825" r:id="rId16"/>
-    <p:sldLayoutId id="2147483826" r:id="rId17"/>
-    <p:sldLayoutId id="2147483827" r:id="rId18"/>
-    <p:sldLayoutId id="2147483828" r:id="rId19"/>
+    <p:sldLayoutId id="2147483825" r:id="rId14"/>
+    <p:sldLayoutId id="2147483826" r:id="rId15"/>
+    <p:sldLayoutId id="2147483827" r:id="rId16"/>
+    <p:sldLayoutId id="2147483828" r:id="rId17"/>
+    <p:sldLayoutId id="2147483829" r:id="rId18"/>
+    <p:sldLayoutId id="2147483830" r:id="rId19"/>
   </p:sldLayoutIdLst>
   <p:hf sldNum="0" hdr="0" ftr="0" dt="0"/>
   <p:txStyles>
@@ -27198,7 +28628,7 @@
   <p:cSld>
     <p:spTree>
       <p:nvGrpSpPr>
-        <p:cNvPr id="1" name="Shape 1270"/>
+        <p:cNvPr id="1" name="Shape 1089"/>
         <p:cNvGrpSpPr/>
         <p:nvPr/>
       </p:nvGrpSpPr>
@@ -27210,12 +28640,97 @@
           <a:chExt cx="0" cy="0"/>
         </a:xfrm>
       </p:grpSpPr>
+      <p:sp>
+        <p:nvSpPr>
+          <p:cNvPr id="1090" name="Google Shape;1090;p79"/>
+          <p:cNvSpPr txBox="1">
+            <a:spLocks noGrp="1"/>
+          </p:cNvSpPr>
+          <p:nvPr>
+            <p:ph type="title"/>
+          </p:nvPr>
+        </p:nvSpPr>
+        <p:spPr>
+          <a:xfrm>
+            <a:off x="4094227" y="1790058"/>
+            <a:ext cx="4446269" cy="1234440"/>
+          </a:xfrm>
+          <a:prstGeom prst="rect">
+            <a:avLst/>
+          </a:prstGeom>
+        </p:spPr>
+        <p:txBody>
+          <a:bodyPr spcFirstLastPara="1" vert="horz" wrap="square" lIns="205740" tIns="137160" rIns="205740" bIns="137160" rtlCol="0" anchor="ctr" anchorCtr="1">
+            <a:normAutofit/>
+          </a:bodyPr>
+          <a:lstStyle/>
+          <a:p>
+            <a:pPr lvl="0">
+              <a:lnSpc>
+                <a:spcPct val="90000"/>
+              </a:lnSpc>
+              <a:spcBef>
+                <a:spcPct val="0"/>
+              </a:spcBef>
+            </a:pPr>
+            <a:r>
+              <a:rPr lang="en-US" sz="2850"/>
+              <a:t>Great is thy faithfulness</a:t>
+            </a:r>
+          </a:p>
+        </p:txBody>
+      </p:sp>
+      <p:sp>
+        <p:nvSpPr>
+          <p:cNvPr id="1091" name="Google Shape;1091;p79"/>
+          <p:cNvSpPr txBox="1">
+            <a:spLocks noGrp="1"/>
+          </p:cNvSpPr>
+          <p:nvPr>
+            <p:ph type="body" idx="1"/>
+          </p:nvPr>
+        </p:nvSpPr>
+        <p:spPr>
+          <a:xfrm>
+            <a:off x="4094227" y="3264408"/>
+            <a:ext cx="4446269" cy="929921"/>
+          </a:xfrm>
+          <a:prstGeom prst="rect">
+            <a:avLst/>
+          </a:prstGeom>
+        </p:spPr>
+        <p:txBody>
+          <a:bodyPr spcFirstLastPara="1" vert="horz" wrap="square" lIns="68580" tIns="34290" rIns="68580" bIns="34290" rtlCol="0" anchor="t" anchorCtr="0">
+            <a:normAutofit/>
+          </a:bodyPr>
+          <a:lstStyle/>
+          <a:p>
+            <a:pPr marL="0" indent="0">
+              <a:spcBef>
+                <a:spcPts val="750"/>
+              </a:spcBef>
+              <a:buNone/>
+            </a:pPr>
+            <a:r>
+              <a:rPr lang="en-US" sz="1500">
+                <a:solidFill>
+                  <a:schemeClr val="tx1">
+                    <a:lumMod val="75000"/>
+                    <a:lumOff val="25000"/>
+                  </a:schemeClr>
+                </a:solidFill>
+              </a:rPr>
+              <a:t>Public domain</a:t>
+            </a:r>
+          </a:p>
+        </p:txBody>
+      </p:sp>
       <p:pic>
         <p:nvPicPr>
-          <p:cNvPr id="1274" name="Picture 1273" descr="A colorful cloud in the sky&#10;&#10;Description automatically generated">
+          <p:cNvPr id="1093" name="Picture 1092" descr="Hands holding each other's wrists and interlinked to form a circle">
             <a:extLst>
               <a:ext uri="{FF2B5EF4-FFF2-40B4-BE49-F238E27FC236}">
-                <a16:creationId xmlns:a16="http://schemas.microsoft.com/office/drawing/2014/main" id="{FD6CA6D6-740D-B96E-4E60-10A61F5506CC}"/>
+                <a16:creationId xmlns:a16="http://schemas.microsoft.com/office/drawing/2014/main" id="{068C034E-6954-9569-129D-A16DAE59A935}"/>
               </a:ext>
             </a:extLst>
           </p:cNvPr>
@@ -27226,186 +28741,19 @@
         </p:nvPicPr>
         <p:blipFill rotWithShape="1">
           <a:blip r:embed="rId3"/>
-          <a:srcRect l="7865" r="14647"/>
+          <a:srcRect l="29167" r="25532" b="-1"/>
           <a:stretch/>
         </p:blipFill>
         <p:spPr>
           <a:xfrm>
             <a:off x="15" y="7"/>
-            <a:ext cx="5653263" cy="5143493"/>
+            <a:ext cx="3490708" cy="5143493"/>
           </a:xfrm>
           <a:prstGeom prst="rect">
             <a:avLst/>
           </a:prstGeom>
         </p:spPr>
       </p:pic>
-      <p:sp>
-        <p:nvSpPr>
-          <p:cNvPr id="1271" name="Google Shape;1271;p92"/>
-          <p:cNvSpPr txBox="1">
-            <a:spLocks noGrp="1"/>
-          </p:cNvSpPr>
-          <p:nvPr>
-            <p:ph type="title"/>
-          </p:nvPr>
-        </p:nvSpPr>
-        <p:spPr>
-          <a:xfrm>
-            <a:off x="603504" y="2133276"/>
-            <a:ext cx="4446270" cy="891540"/>
-          </a:xfrm>
-          <a:prstGeom prst="rect">
-            <a:avLst/>
-          </a:prstGeom>
-          <a:solidFill>
-            <a:schemeClr val="bg1">
-              <a:alpha val="80000"/>
-            </a:schemeClr>
-          </a:solidFill>
-          <a:ln>
-            <a:solidFill>
-              <a:schemeClr val="tx1">
-                <a:lumMod val="75000"/>
-                <a:lumOff val="25000"/>
-              </a:schemeClr>
-            </a:solidFill>
-          </a:ln>
-        </p:spPr>
-        <p:txBody>
-          <a:bodyPr spcFirstLastPara="1" vert="horz" wrap="square" lIns="137160" tIns="137160" rIns="137160" bIns="137160" rtlCol="0" anchor="ctr" anchorCtr="0">
-            <a:normAutofit/>
-          </a:bodyPr>
-          <a:lstStyle/>
-          <a:p>
-            <a:pPr>
-              <a:spcBef>
-                <a:spcPct val="0"/>
-              </a:spcBef>
-            </a:pPr>
-            <a:r>
-              <a:rPr lang="en-US" sz="2100">
-                <a:solidFill>
-                  <a:schemeClr val="tx1">
-                    <a:lumMod val="85000"/>
-                    <a:lumOff val="15000"/>
-                  </a:schemeClr>
-                </a:solidFill>
-              </a:rPr>
-              <a:t>I will boast in Christ</a:t>
-            </a:r>
-          </a:p>
-        </p:txBody>
-      </p:sp>
-      <p:sp>
-        <p:nvSpPr>
-          <p:cNvPr id="1272" name="Google Shape;1272;p92"/>
-          <p:cNvSpPr txBox="1">
-            <a:spLocks noGrp="1"/>
-          </p:cNvSpPr>
-          <p:nvPr>
-            <p:ph type="subTitle" idx="1"/>
-          </p:nvPr>
-        </p:nvSpPr>
-        <p:spPr>
-          <a:xfrm>
-            <a:off x="6181705" y="730200"/>
-            <a:ext cx="2530602" cy="3693210"/>
-          </a:xfrm>
-          <a:prstGeom prst="rect">
-            <a:avLst/>
-          </a:prstGeom>
-        </p:spPr>
-        <p:txBody>
-          <a:bodyPr spcFirstLastPara="1" vert="horz" wrap="square" lIns="68580" tIns="34290" rIns="68580" bIns="34290" rtlCol="0" anchor="ctr" anchorCtr="0">
-            <a:normAutofit/>
-          </a:bodyPr>
-          <a:lstStyle/>
-          <a:p>
-            <a:pPr marL="0" indent="0" algn="l">
-              <a:spcBef>
-                <a:spcPts val="750"/>
-              </a:spcBef>
-            </a:pPr>
-            <a:r>
-              <a:rPr lang="en-US" sz="750" dirty="0">
-                <a:solidFill>
-                  <a:srgbClr val="FFFFFF"/>
-                </a:solidFill>
-              </a:rPr>
-              <a:t>I Will Boast in Christ </a:t>
-            </a:r>
-            <a:br>
-              <a:rPr lang="en-US" sz="750" dirty="0">
-                <a:solidFill>
-                  <a:srgbClr val="FFFFFF"/>
-                </a:solidFill>
-              </a:rPr>
-            </a:br>
-            <a:r>
-              <a:rPr lang="en-US" sz="750" dirty="0">
-                <a:solidFill>
-                  <a:srgbClr val="FFFFFF"/>
-                </a:solidFill>
-              </a:rPr>
-              <a:t>Reuben Morgan, Scott </a:t>
-            </a:r>
-            <a:r>
-              <a:rPr lang="en-US" sz="750" dirty="0" err="1">
-                <a:solidFill>
-                  <a:srgbClr val="FFFFFF"/>
-                </a:solidFill>
-              </a:rPr>
-              <a:t>Ligertwood</a:t>
-            </a:r>
-            <a:br>
-              <a:rPr lang="en-US" sz="750" dirty="0">
-                <a:solidFill>
-                  <a:srgbClr val="FFFFFF"/>
-                </a:solidFill>
-              </a:rPr>
-            </a:br>
-            <a:r>
-              <a:rPr lang="en-US" sz="750" dirty="0">
-                <a:solidFill>
-                  <a:srgbClr val="FFFFFF"/>
-                </a:solidFill>
-              </a:rPr>
-              <a:t>© 2016 Hillsong Music Publishing Australia</a:t>
-            </a:r>
-            <a:br>
-              <a:rPr lang="en-US" sz="750" dirty="0">
-                <a:solidFill>
-                  <a:srgbClr val="FFFFFF"/>
-                </a:solidFill>
-              </a:rPr>
-            </a:br>
-            <a:r>
-              <a:rPr lang="en-US" sz="750" dirty="0">
-                <a:solidFill>
-                  <a:srgbClr val="FFFFFF"/>
-                </a:solidFill>
-              </a:rPr>
-              <a:t>CCLI </a:t>
-            </a:r>
-            <a:r>
-              <a:rPr lang="en-US" sz="750" dirty="0" err="1">
-                <a:solidFill>
-                  <a:srgbClr val="FFFFFF"/>
-                </a:solidFill>
-              </a:rPr>
-              <a:t>Licence</a:t>
-            </a:r>
-            <a:r>
-              <a:rPr lang="en-US" sz="750" dirty="0">
-                <a:solidFill>
-                  <a:srgbClr val="FFFFFF"/>
-                </a:solidFill>
-              </a:rPr>
-              <a:t> No. 5485849</a:t>
-            </a:r>
-          </a:p>
-        </p:txBody>
-      </p:sp>
     </p:spTree>
   </p:cSld>
   <p:clrMapOvr>
@@ -27435,7 +28783,7 @@
                             </p:stCondLst>
                             <p:childTnLst>
                               <p:par>
-                                <p:cTn id="5" presetID="2" presetClass="entr" presetSubtype="2" fill="hold" nodeType="afterEffect">
+                                <p:cTn id="5" presetID="2" presetClass="entr" presetSubtype="8" fill="hold" nodeType="afterEffect">
                                   <p:stCondLst>
                                     <p:cond delay="0"/>
                                   </p:stCondLst>
@@ -27448,7 +28796,7 @@
                                           </p:stCondLst>
                                         </p:cTn>
                                         <p:tgtEl>
-                                          <p:spTgt spid="1271"/>
+                                          <p:spTgt spid="1090"/>
                                         </p:tgtEl>
                                         <p:attrNameLst>
                                           <p:attrName>style.visibility</p:attrName>
@@ -27462,7 +28810,7 @@
                                       <p:cBhvr additive="base">
                                         <p:cTn id="7" dur="1000"/>
                                         <p:tgtEl>
-                                          <p:spTgt spid="1271"/>
+                                          <p:spTgt spid="1090"/>
                                         </p:tgtEl>
                                         <p:attrNameLst>
                                           <p:attrName>ppt_x</p:attrName>
@@ -27471,7 +28819,7 @@
                                       <p:tavLst>
                                         <p:tav tm="0">
                                           <p:val>
-                                            <p:strVal val="#ppt_x+1"/>
+                                            <p:strVal val="#ppt_x-1"/>
                                           </p:val>
                                         </p:tav>
                                         <p:tav tm="100000">
@@ -27485,7 +28833,7 @@
                                 </p:cTn>
                               </p:par>
                               <p:par>
-                                <p:cTn id="8" presetID="2" presetClass="entr" presetSubtype="8" fill="hold" nodeType="withEffect">
+                                <p:cTn id="8" presetID="2" presetClass="entr" presetSubtype="2" fill="hold" nodeType="withEffect">
                                   <p:stCondLst>
                                     <p:cond delay="0"/>
                                   </p:stCondLst>
@@ -27498,7 +28846,7 @@
                                           </p:stCondLst>
                                         </p:cTn>
                                         <p:tgtEl>
-                                          <p:spTgt spid="1272"/>
+                                          <p:spTgt spid="1091"/>
                                         </p:tgtEl>
                                         <p:attrNameLst>
                                           <p:attrName>style.visibility</p:attrName>
@@ -27512,7 +28860,7 @@
                                       <p:cBhvr additive="base">
                                         <p:cTn id="10" dur="1000"/>
                                         <p:tgtEl>
-                                          <p:spTgt spid="1272"/>
+                                          <p:spTgt spid="1091"/>
                                         </p:tgtEl>
                                         <p:attrNameLst>
                                           <p:attrName>ppt_x</p:attrName>
@@ -27521,7 +28869,7 @@
                                       <p:tavLst>
                                         <p:tav tm="0">
                                           <p:val>
-                                            <p:strVal val="#ppt_x-1"/>
+                                            <p:strVal val="#ppt_x+1"/>
                                           </p:val>
                                         </p:tav>
                                         <p:tav tm="100000">
@@ -27855,7 +29203,7 @@
   <p:cSld>
     <p:spTree>
       <p:nvGrpSpPr>
-        <p:cNvPr id="1" name="Shape 1238"/>
+        <p:cNvPr id="1" name="Shape 1062"/>
         <p:cNvGrpSpPr/>
         <p:nvPr/>
       </p:nvGrpSpPr>
@@ -27869,91 +29217,59 @@
       </p:grpSpPr>
       <p:sp>
         <p:nvSpPr>
-          <p:cNvPr id="1250" name="Google Shape;1250;p91"/>
-          <p:cNvSpPr txBox="1"/>
-          <p:nvPr/>
+          <p:cNvPr id="1072" name="Google Shape;1072;p77"/>
+          <p:cNvSpPr txBox="1">
+            <a:spLocks noGrp="1"/>
+          </p:cNvSpPr>
+          <p:nvPr>
+            <p:ph type="subTitle" idx="1"/>
+          </p:nvPr>
         </p:nvSpPr>
         <p:spPr>
           <a:xfrm>
-            <a:off x="92947" y="-228600"/>
-            <a:ext cx="8958106" cy="4059534"/>
+            <a:off x="228601" y="277239"/>
+            <a:ext cx="8701391" cy="4649822"/>
           </a:xfrm>
           <a:prstGeom prst="rect">
             <a:avLst/>
           </a:prstGeom>
-          <a:noFill/>
-          <a:ln>
-            <a:noFill/>
-          </a:ln>
         </p:spPr>
         <p:txBody>
-          <a:bodyPr spcFirstLastPara="1" wrap="square" lIns="0" tIns="91425" rIns="0" bIns="91425" anchor="ctr" anchorCtr="0">
+          <a:bodyPr spcFirstLastPara="1" vert="horz" wrap="square" lIns="91425" tIns="91425" rIns="91425" bIns="91425" rtlCol="0" anchor="t" anchorCtr="0">
             <a:noAutofit/>
           </a:bodyPr>
           <a:lstStyle/>
           <a:p>
-            <a:pPr algn="ctr" defTabSz="914378">
-              <a:buClr>
-                <a:srgbClr val="000000"/>
-              </a:buClr>
-            </a:pPr>
+            <a:pPr marL="0" indent="0"/>
             <a:r>
-              <a:rPr lang="en-US" sz="2100" kern="0" dirty="0">
-                <a:latin typeface="Open Sans"/>
-                <a:ea typeface="Open Sans"/>
-                <a:cs typeface="Open Sans"/>
-                <a:sym typeface="Open Sans"/>
-              </a:rPr>
+              <a:rPr lang="en-US" sz="3200" dirty="0"/>
               <a:t>Verse 1</a:t>
             </a:r>
           </a:p>
           <a:p>
-            <a:pPr algn="ctr" defTabSz="914378">
-              <a:buClr>
-                <a:srgbClr val="000000"/>
-              </a:buClr>
-            </a:pPr>
+            <a:pPr marL="0" indent="0"/>
             <a:r>
-              <a:rPr lang="en-US" sz="3200" kern="0" dirty="0">
-                <a:latin typeface="Open Sans"/>
-                <a:ea typeface="Open Sans"/>
-                <a:cs typeface="Open Sans"/>
-                <a:sym typeface="Open Sans"/>
-              </a:rPr>
-              <a:t>All I have because of Jesus</a:t>
+              <a:rPr lang="en-US" sz="3200" dirty="0"/>
+              <a:t>Great is Thy faithfulness</a:t>
             </a:r>
           </a:p>
           <a:p>
-            <a:pPr algn="ctr" defTabSz="914378">
-              <a:buClr>
-                <a:srgbClr val="000000"/>
-              </a:buClr>
-            </a:pPr>
+            <a:pPr marL="0" indent="0"/>
             <a:r>
-              <a:rPr lang="en-US" sz="3200" kern="0" dirty="0">
-                <a:latin typeface="Open Sans"/>
-                <a:ea typeface="Open Sans"/>
-                <a:cs typeface="Open Sans"/>
-                <a:sym typeface="Open Sans"/>
-              </a:rPr>
-              <a:t>All this promise</a:t>
+              <a:rPr lang="en-US" sz="3200" dirty="0"/>
+              <a:t>O God my Father</a:t>
             </a:r>
           </a:p>
           <a:p>
-            <a:pPr algn="ctr" defTabSz="914378">
-              <a:buClr>
-                <a:srgbClr val="000000"/>
-              </a:buClr>
-            </a:pPr>
+            <a:pPr marL="0" indent="0"/>
             <a:r>
-              <a:rPr lang="en-US" sz="3200" kern="0" dirty="0">
-                <a:latin typeface="Open Sans"/>
-                <a:ea typeface="Open Sans"/>
-                <a:cs typeface="Open Sans"/>
-                <a:sym typeface="Open Sans"/>
-              </a:rPr>
-              <a:t>Won for me</a:t>
+              <a:rPr lang="en-US" sz="3200" dirty="0"/>
+              <a:t>There is no shadow of turning with Thee</a:t>
             </a:r>
+          </a:p>
+          <a:p>
+            <a:pPr marL="0" indent="0"/>
+            <a:endParaRPr lang="en-US" sz="3200" dirty="0"/>
           </a:p>
         </p:txBody>
       </p:sp>
@@ -27970,7 +29286,7 @@
   <p:cSld>
     <p:spTree>
       <p:nvGrpSpPr>
-        <p:cNvPr id="1" name="Shape 1238"/>
+        <p:cNvPr id="1" name="Shape 1062"/>
         <p:cNvGrpSpPr/>
         <p:nvPr/>
       </p:nvGrpSpPr>
@@ -27984,90 +29300,70 @@
       </p:grpSpPr>
       <p:sp>
         <p:nvSpPr>
-          <p:cNvPr id="1250" name="Google Shape;1250;p91"/>
-          <p:cNvSpPr txBox="1"/>
-          <p:nvPr/>
+          <p:cNvPr id="1072" name="Google Shape;1072;p77"/>
+          <p:cNvSpPr txBox="1">
+            <a:spLocks noGrp="1"/>
+          </p:cNvSpPr>
+          <p:nvPr>
+            <p:ph type="subTitle" idx="1"/>
+          </p:nvPr>
         </p:nvSpPr>
         <p:spPr>
           <a:xfrm>
-            <a:off x="92947" y="-246467"/>
-            <a:ext cx="8958106" cy="4059534"/>
+            <a:off x="228601" y="277239"/>
+            <a:ext cx="8701391" cy="4649822"/>
           </a:xfrm>
           <a:prstGeom prst="rect">
             <a:avLst/>
           </a:prstGeom>
-          <a:noFill/>
-          <a:ln>
-            <a:noFill/>
-          </a:ln>
         </p:spPr>
         <p:txBody>
-          <a:bodyPr spcFirstLastPara="1" wrap="square" lIns="0" tIns="91425" rIns="0" bIns="91425" anchor="ctr" anchorCtr="0">
+          <a:bodyPr spcFirstLastPara="1" vert="horz" wrap="square" lIns="91425" tIns="91425" rIns="91425" bIns="91425" rtlCol="0" anchor="t" anchorCtr="0">
             <a:noAutofit/>
           </a:bodyPr>
           <a:lstStyle/>
           <a:p>
-            <a:pPr algn="ctr" defTabSz="914378">
-              <a:buClr>
-                <a:srgbClr val="000000"/>
-              </a:buClr>
-            </a:pPr>
+            <a:pPr marL="0" indent="0"/>
             <a:r>
-              <a:rPr lang="en-US" sz="2100" kern="0" dirty="0">
-                <a:latin typeface="Open Sans"/>
-                <a:ea typeface="Open Sans"/>
-                <a:cs typeface="Open Sans"/>
-                <a:sym typeface="Open Sans"/>
-              </a:rPr>
-              <a:t>Verse 1</a:t>
+              <a:rPr lang="en-US" sz="3200" dirty="0"/>
+              <a:t>Verse 1 </a:t>
             </a:r>
           </a:p>
           <a:p>
-            <a:pPr algn="ctr" defTabSz="914378">
-              <a:buClr>
-                <a:srgbClr val="000000"/>
-              </a:buClr>
-            </a:pPr>
+            <a:pPr marL="0" indent="0"/>
             <a:r>
-              <a:rPr lang="en-US" sz="3000" kern="0" dirty="0">
-                <a:latin typeface="Open Sans"/>
-                <a:ea typeface="Open Sans"/>
-                <a:cs typeface="Open Sans"/>
-                <a:sym typeface="Open Sans"/>
-              </a:rPr>
-              <a:t>When He paid the highest ransom</a:t>
+              <a:rPr lang="en-US" sz="3200" dirty="0"/>
+              <a:t>Thou </a:t>
             </a:r>
-          </a:p>
-          <a:p>
-            <a:pPr algn="ctr" defTabSz="914378">
-              <a:buClr>
-                <a:srgbClr val="000000"/>
-              </a:buClr>
-            </a:pPr>
             <a:r>
-              <a:rPr lang="en-US" sz="3000" kern="0" dirty="0">
-                <a:latin typeface="Open Sans"/>
-                <a:ea typeface="Open Sans"/>
-                <a:cs typeface="Open Sans"/>
-                <a:sym typeface="Open Sans"/>
-              </a:rPr>
-              <a:t>Once for always</a:t>
+              <a:rPr lang="en-US" sz="3200" dirty="0" err="1"/>
+              <a:t>changest</a:t>
             </a:r>
-          </a:p>
-          <a:p>
-            <a:pPr algn="ctr" defTabSz="914378">
-              <a:buClr>
-                <a:srgbClr val="000000"/>
-              </a:buClr>
-            </a:pPr>
             <a:r>
-              <a:rPr lang="en-US" sz="3000" kern="0" dirty="0">
-                <a:latin typeface="Open Sans"/>
-                <a:ea typeface="Open Sans"/>
-                <a:cs typeface="Open Sans"/>
-                <a:sym typeface="Open Sans"/>
-              </a:rPr>
-              <a:t>For my freedom</a:t>
+              <a:rPr lang="en-US" sz="3200" dirty="0"/>
+              <a:t> not</a:t>
+            </a:r>
+          </a:p>
+          <a:p>
+            <a:pPr marL="0" indent="0"/>
+            <a:r>
+              <a:rPr lang="en-US" sz="3200" dirty="0"/>
+              <a:t>Thy </a:t>
+            </a:r>
+            <a:r>
+              <a:rPr lang="en-US" sz="3200" dirty="0" err="1"/>
+              <a:t>compassionsthey</a:t>
+            </a:r>
+            <a:r>
+              <a:rPr lang="en-US" sz="3200" dirty="0"/>
+              <a:t> fail not</a:t>
+            </a:r>
+          </a:p>
+          <a:p>
+            <a:pPr marL="0" indent="0"/>
+            <a:r>
+              <a:rPr lang="en-US" sz="3200" dirty="0"/>
+              <a:t>As Thou hast been Thou forever wilt be. </a:t>
             </a:r>
           </a:p>
         </p:txBody>
@@ -28075,7 +29371,7 @@
     </p:spTree>
     <p:extLst>
       <p:ext uri="{BB962C8B-B14F-4D97-AF65-F5344CB8AC3E}">
-        <p14:creationId xmlns:p14="http://schemas.microsoft.com/office/powerpoint/2010/main" val="443946838"/>
+        <p14:creationId xmlns:p14="http://schemas.microsoft.com/office/powerpoint/2010/main" val="3438436974"/>
       </p:ext>
     </p:extLst>
   </p:cSld>
@@ -28090,7 +29386,7 @@
   <p:cSld>
     <p:spTree>
       <p:nvGrpSpPr>
-        <p:cNvPr id="1" name="Shape 1238"/>
+        <p:cNvPr id="1" name="Shape 1062"/>
         <p:cNvGrpSpPr/>
         <p:nvPr/>
       </p:nvGrpSpPr>
@@ -28104,99 +29400,54 @@
       </p:grpSpPr>
       <p:sp>
         <p:nvSpPr>
-          <p:cNvPr id="1250" name="Google Shape;1250;p91"/>
-          <p:cNvSpPr txBox="1"/>
-          <p:nvPr/>
+          <p:cNvPr id="1072" name="Google Shape;1072;p77"/>
+          <p:cNvSpPr txBox="1">
+            <a:spLocks noGrp="1"/>
+          </p:cNvSpPr>
+          <p:nvPr>
+            <p:ph type="subTitle" idx="1"/>
+          </p:nvPr>
         </p:nvSpPr>
         <p:spPr>
           <a:xfrm>
-            <a:off x="455895" y="398109"/>
-            <a:ext cx="8232211" cy="2974312"/>
+            <a:off x="221305" y="246840"/>
+            <a:ext cx="8701391" cy="4649822"/>
           </a:xfrm>
           <a:prstGeom prst="rect">
             <a:avLst/>
           </a:prstGeom>
-          <a:noFill/>
-          <a:ln>
-            <a:noFill/>
-          </a:ln>
         </p:spPr>
         <p:txBody>
-          <a:bodyPr spcFirstLastPara="1" wrap="square" lIns="0" tIns="91425" rIns="0" bIns="91425" anchor="ctr" anchorCtr="0">
+          <a:bodyPr spcFirstLastPara="1" vert="horz" wrap="square" lIns="91425" tIns="91425" rIns="91425" bIns="91425" rtlCol="0" anchor="t" anchorCtr="0">
             <a:noAutofit/>
           </a:bodyPr>
           <a:lstStyle/>
           <a:p>
-            <a:pPr algn="ctr" defTabSz="914378">
-              <a:buClr>
-                <a:srgbClr val="000000"/>
-              </a:buClr>
-            </a:pPr>
+            <a:pPr marL="0" indent="0"/>
             <a:r>
-              <a:rPr lang="en-US" sz="2400" kern="0" dirty="0">
-                <a:latin typeface="Open Sans"/>
-                <a:ea typeface="Open Sans"/>
-                <a:cs typeface="Open Sans"/>
-                <a:sym typeface="Open Sans"/>
-              </a:rPr>
-              <a:t>Chorus</a:t>
+              <a:rPr lang="en-US" sz="3200" dirty="0"/>
+              <a:t>Refrain</a:t>
             </a:r>
+          </a:p>
+          <a:p>
+            <a:pPr marL="0" indent="0"/>
             <a:r>
-              <a:rPr lang="en-US" sz="3200" kern="0" dirty="0">
-                <a:latin typeface="Open Sans"/>
-                <a:ea typeface="Open Sans"/>
-                <a:cs typeface="Open Sans"/>
-                <a:sym typeface="Open Sans"/>
-              </a:rPr>
-              <a:t> </a:t>
+              <a:rPr lang="en-US" sz="3200" dirty="0"/>
+              <a:t>Great is Thy faithfulness!</a:t>
             </a:r>
           </a:p>
           <a:p>
-            <a:pPr algn="ctr" defTabSz="914378">
-              <a:buClr>
-                <a:srgbClr val="000000"/>
-              </a:buClr>
-            </a:pPr>
+            <a:pPr marL="0" indent="0"/>
             <a:r>
-              <a:rPr lang="en-US" sz="3200" kern="0" dirty="0">
-                <a:latin typeface="Open Sans"/>
-                <a:ea typeface="Open Sans"/>
-                <a:cs typeface="Open Sans"/>
-                <a:sym typeface="Open Sans"/>
-              </a:rPr>
-              <a:t>I will boast in Christ alone</a:t>
+              <a:rPr lang="en-US" sz="3200" dirty="0"/>
+              <a:t>Great is Thy faithfulness!</a:t>
             </a:r>
           </a:p>
           <a:p>
-            <a:pPr algn="ctr" defTabSz="914378">
-              <a:buClr>
-                <a:srgbClr val="000000"/>
-              </a:buClr>
-            </a:pPr>
+            <a:pPr marL="0" indent="0"/>
             <a:r>
-              <a:rPr lang="en-US" sz="3200" kern="0" dirty="0">
-                <a:latin typeface="Open Sans"/>
-                <a:ea typeface="Open Sans"/>
-                <a:cs typeface="Open Sans"/>
-                <a:sym typeface="Open Sans"/>
-              </a:rPr>
-              <a:t>His righteousness</a:t>
-            </a:r>
-          </a:p>
-          <a:p>
-            <a:pPr algn="ctr" defTabSz="914378">
-              <a:buClr>
-                <a:srgbClr val="000000"/>
-              </a:buClr>
-            </a:pPr>
-            <a:r>
-              <a:rPr lang="en-US" sz="3200" kern="0" dirty="0">
-                <a:latin typeface="Open Sans"/>
-                <a:ea typeface="Open Sans"/>
-                <a:cs typeface="Open Sans"/>
-                <a:sym typeface="Open Sans"/>
-              </a:rPr>
-              <a:t>and not my own</a:t>
+              <a:rPr lang="en-US" sz="3200" dirty="0"/>
+              <a:t>Morning by morning new mercies I see;</a:t>
             </a:r>
           </a:p>
         </p:txBody>
@@ -28204,7 +29455,7 @@
     </p:spTree>
     <p:extLst>
       <p:ext uri="{BB962C8B-B14F-4D97-AF65-F5344CB8AC3E}">
-        <p14:creationId xmlns:p14="http://schemas.microsoft.com/office/powerpoint/2010/main" val="2968797626"/>
+        <p14:creationId xmlns:p14="http://schemas.microsoft.com/office/powerpoint/2010/main" val="1616820011"/>
       </p:ext>
     </p:extLst>
   </p:cSld>
@@ -28219,7 +29470,7 @@
   <p:cSld>
     <p:spTree>
       <p:nvGrpSpPr>
-        <p:cNvPr id="1" name="Shape 1238"/>
+        <p:cNvPr id="1" name="Shape 1062"/>
         <p:cNvGrpSpPr/>
         <p:nvPr/>
       </p:nvGrpSpPr>
@@ -28233,99 +29484,61 @@
       </p:grpSpPr>
       <p:sp>
         <p:nvSpPr>
-          <p:cNvPr id="1250" name="Google Shape;1250;p91"/>
-          <p:cNvSpPr txBox="1"/>
-          <p:nvPr/>
+          <p:cNvPr id="1072" name="Google Shape;1072;p77"/>
+          <p:cNvSpPr txBox="1">
+            <a:spLocks noGrp="1"/>
+          </p:cNvSpPr>
+          <p:nvPr>
+            <p:ph type="subTitle" idx="1"/>
+          </p:nvPr>
         </p:nvSpPr>
         <p:spPr>
           <a:xfrm>
-            <a:off x="455895" y="476040"/>
-            <a:ext cx="8232211" cy="2974312"/>
+            <a:off x="221305" y="246840"/>
+            <a:ext cx="8701391" cy="4649822"/>
           </a:xfrm>
           <a:prstGeom prst="rect">
             <a:avLst/>
           </a:prstGeom>
-          <a:noFill/>
-          <a:ln>
-            <a:noFill/>
-          </a:ln>
         </p:spPr>
         <p:txBody>
-          <a:bodyPr spcFirstLastPara="1" wrap="square" lIns="0" tIns="91425" rIns="0" bIns="91425" anchor="ctr" anchorCtr="0">
+          <a:bodyPr spcFirstLastPara="1" vert="horz" wrap="square" lIns="91425" tIns="91425" rIns="91425" bIns="91425" rtlCol="0" anchor="t" anchorCtr="0">
             <a:noAutofit/>
           </a:bodyPr>
           <a:lstStyle/>
           <a:p>
-            <a:pPr algn="ctr" defTabSz="914378">
-              <a:buClr>
-                <a:srgbClr val="000000"/>
-              </a:buClr>
-            </a:pPr>
+            <a:pPr marL="0" indent="0"/>
             <a:r>
-              <a:rPr lang="en-US" sz="2400" kern="0" dirty="0">
-                <a:latin typeface="Open Sans"/>
-                <a:ea typeface="Open Sans"/>
-                <a:cs typeface="Open Sans"/>
-                <a:sym typeface="Open Sans"/>
-              </a:rPr>
-              <a:t>Chorus</a:t>
+              <a:rPr lang="en-US" sz="3200" dirty="0"/>
+              <a:t>Refrain</a:t>
             </a:r>
+          </a:p>
+          <a:p>
+            <a:pPr marL="0" indent="0"/>
             <a:r>
-              <a:rPr lang="en-US" sz="3200" kern="0" dirty="0">
-                <a:latin typeface="Open Sans"/>
-                <a:ea typeface="Open Sans"/>
-                <a:cs typeface="Open Sans"/>
-                <a:sym typeface="Open Sans"/>
-              </a:rPr>
-              <a:t> </a:t>
+              <a:rPr lang="en-US" sz="3200" dirty="0"/>
+              <a:t>All I have needed</a:t>
             </a:r>
           </a:p>
           <a:p>
-            <a:pPr algn="ctr" defTabSz="914378">
-              <a:buClr>
-                <a:srgbClr val="000000"/>
-              </a:buClr>
-            </a:pPr>
+            <a:pPr marL="0" indent="0"/>
             <a:r>
-              <a:rPr lang="en-US" sz="3200" kern="0" dirty="0">
-                <a:latin typeface="Open Sans"/>
-                <a:ea typeface="Open Sans"/>
-                <a:cs typeface="Open Sans"/>
-                <a:sym typeface="Open Sans"/>
-              </a:rPr>
-              <a:t>I will cling to Christ my hope</a:t>
+              <a:rPr lang="en-US" sz="3200" dirty="0"/>
+              <a:t>Thy hand hath provided—</a:t>
             </a:r>
           </a:p>
           <a:p>
-            <a:pPr algn="ctr" defTabSz="914378">
-              <a:buClr>
-                <a:srgbClr val="000000"/>
-              </a:buClr>
-            </a:pPr>
+            <a:pPr marL="0" indent="0"/>
             <a:r>
-              <a:rPr lang="en-US" sz="3200" kern="0" dirty="0">
-                <a:latin typeface="Open Sans"/>
-                <a:ea typeface="Open Sans"/>
-                <a:cs typeface="Open Sans"/>
-                <a:sym typeface="Open Sans"/>
-              </a:rPr>
-              <a:t>His mercy reigns</a:t>
+              <a:rPr lang="en-US" sz="3200" dirty="0"/>
+              <a:t>Great is Thy faithfulness</a:t>
             </a:r>
           </a:p>
           <a:p>
-            <a:pPr algn="ctr" defTabSz="914378">
-              <a:buClr>
-                <a:srgbClr val="000000"/>
-              </a:buClr>
-            </a:pPr>
+            <a:pPr marL="0" indent="0"/>
             <a:r>
-              <a:rPr lang="en-US" sz="3200" kern="0" dirty="0">
-                <a:latin typeface="Open Sans"/>
-                <a:ea typeface="Open Sans"/>
-                <a:cs typeface="Open Sans"/>
-                <a:sym typeface="Open Sans"/>
-              </a:rPr>
-              <a:t>now and forever</a:t>
+              <a:rPr lang="en-US" sz="3200" dirty="0"/>
+              <a:t>Lord, unto me!</a:t>
             </a:r>
           </a:p>
         </p:txBody>
@@ -28333,7 +29546,7 @@
     </p:spTree>
     <p:extLst>
       <p:ext uri="{BB962C8B-B14F-4D97-AF65-F5344CB8AC3E}">
-        <p14:creationId xmlns:p14="http://schemas.microsoft.com/office/powerpoint/2010/main" val="3163422812"/>
+        <p14:creationId xmlns:p14="http://schemas.microsoft.com/office/powerpoint/2010/main" val="2892648610"/>
       </p:ext>
     </p:extLst>
   </p:cSld>
@@ -28348,7 +29561,7 @@
   <p:cSld>
     <p:spTree>
       <p:nvGrpSpPr>
-        <p:cNvPr id="1" name="Shape 1238"/>
+        <p:cNvPr id="1" name="Shape 1062"/>
         <p:cNvGrpSpPr/>
         <p:nvPr/>
       </p:nvGrpSpPr>
@@ -28362,98 +29575,59 @@
       </p:grpSpPr>
       <p:sp>
         <p:nvSpPr>
-          <p:cNvPr id="1250" name="Google Shape;1250;p91"/>
-          <p:cNvSpPr txBox="1"/>
-          <p:nvPr/>
+          <p:cNvPr id="1072" name="Google Shape;1072;p77"/>
+          <p:cNvSpPr txBox="1">
+            <a:spLocks noGrp="1"/>
+          </p:cNvSpPr>
+          <p:nvPr>
+            <p:ph type="subTitle" idx="1"/>
+          </p:nvPr>
         </p:nvSpPr>
         <p:spPr>
           <a:xfrm>
-            <a:off x="92948" y="-296427"/>
-            <a:ext cx="8958106" cy="4059534"/>
+            <a:off x="228601" y="277239"/>
+            <a:ext cx="8701391" cy="4649822"/>
           </a:xfrm>
           <a:prstGeom prst="rect">
             <a:avLst/>
           </a:prstGeom>
-          <a:noFill/>
-          <a:ln>
-            <a:noFill/>
-          </a:ln>
         </p:spPr>
         <p:txBody>
-          <a:bodyPr spcFirstLastPara="1" wrap="square" lIns="0" tIns="91425" rIns="0" bIns="91425" anchor="ctr" anchorCtr="0">
+          <a:bodyPr spcFirstLastPara="1" vert="horz" wrap="square" lIns="91425" tIns="91425" rIns="91425" bIns="91425" rtlCol="0" anchor="t" anchorCtr="0">
             <a:noAutofit/>
           </a:bodyPr>
           <a:lstStyle/>
           <a:p>
-            <a:pPr algn="ctr" defTabSz="914378">
-              <a:buClr>
-                <a:srgbClr val="000000"/>
-              </a:buClr>
-            </a:pPr>
+            <a:pPr marL="0" indent="0"/>
             <a:r>
-              <a:rPr lang="en-US" sz="2400" kern="0" dirty="0">
-                <a:latin typeface="Open Sans"/>
-                <a:ea typeface="Open Sans"/>
-                <a:cs typeface="Open Sans"/>
-                <a:sym typeface="Open Sans"/>
-              </a:rPr>
+              <a:rPr lang="en-US" sz="3200" dirty="0"/>
               <a:t>Verse 2</a:t>
             </a:r>
           </a:p>
           <a:p>
-            <a:pPr algn="ctr" defTabSz="914378">
-              <a:buClr>
-                <a:srgbClr val="000000"/>
-              </a:buClr>
-            </a:pPr>
+            <a:pPr marL="0" indent="0"/>
             <a:r>
-              <a:rPr lang="en-US" sz="3200" kern="0" dirty="0">
-                <a:latin typeface="Open Sans"/>
-                <a:ea typeface="Open Sans"/>
-                <a:cs typeface="Open Sans"/>
-                <a:sym typeface="Open Sans"/>
-              </a:rPr>
-              <a:t>Love will never lose its power</a:t>
+              <a:rPr lang="en-US" sz="3200" dirty="0"/>
+              <a:t>Summer and winter, and springtime and harvest;</a:t>
             </a:r>
           </a:p>
           <a:p>
-            <a:pPr algn="ctr" defTabSz="914378">
-              <a:buClr>
-                <a:srgbClr val="000000"/>
-              </a:buClr>
-            </a:pPr>
+            <a:pPr marL="0" indent="0"/>
             <a:r>
-              <a:rPr lang="en-US" sz="3200" kern="0" dirty="0">
-                <a:latin typeface="Open Sans"/>
-                <a:ea typeface="Open Sans"/>
-                <a:cs typeface="Open Sans"/>
-                <a:sym typeface="Open Sans"/>
-              </a:rPr>
-              <a:t>All my failures</a:t>
+              <a:rPr lang="en-US" sz="3200" dirty="0"/>
+              <a:t>sun, moon, and stars in their courses above</a:t>
             </a:r>
           </a:p>
           <a:p>
-            <a:pPr algn="ctr" defTabSz="914378">
-              <a:buClr>
-                <a:srgbClr val="000000"/>
-              </a:buClr>
-            </a:pPr>
-            <a:r>
-              <a:rPr lang="en-US" sz="3200" kern="0" dirty="0">
-                <a:latin typeface="Open Sans"/>
-                <a:ea typeface="Open Sans"/>
-                <a:cs typeface="Open Sans"/>
-                <a:sym typeface="Open Sans"/>
-              </a:rPr>
-              <a:t>Could not erase</a:t>
-            </a:r>
+            <a:pPr marL="0" indent="0"/>
+            <a:endParaRPr lang="en-US" sz="3200" dirty="0"/>
           </a:p>
         </p:txBody>
       </p:sp>
     </p:spTree>
     <p:extLst>
       <p:ext uri="{BB962C8B-B14F-4D97-AF65-F5344CB8AC3E}">
-        <p14:creationId xmlns:p14="http://schemas.microsoft.com/office/powerpoint/2010/main" val="2553823526"/>
+        <p14:creationId xmlns:p14="http://schemas.microsoft.com/office/powerpoint/2010/main" val="2241804434"/>
       </p:ext>
     </p:extLst>
   </p:cSld>
@@ -28468,7 +29642,7 @@
   <p:cSld>
     <p:spTree>
       <p:nvGrpSpPr>
-        <p:cNvPr id="1" name="Shape 1238"/>
+        <p:cNvPr id="1" name="Shape 1062"/>
         <p:cNvGrpSpPr/>
         <p:nvPr/>
       </p:nvGrpSpPr>
@@ -28482,125 +29656,59 @@
       </p:grpSpPr>
       <p:sp>
         <p:nvSpPr>
-          <p:cNvPr id="1250" name="Google Shape;1250;p91"/>
-          <p:cNvSpPr txBox="1"/>
-          <p:nvPr/>
+          <p:cNvPr id="1072" name="Google Shape;1072;p77"/>
+          <p:cNvSpPr txBox="1">
+            <a:spLocks noGrp="1"/>
+          </p:cNvSpPr>
+          <p:nvPr>
+            <p:ph type="subTitle" idx="1"/>
+          </p:nvPr>
         </p:nvSpPr>
         <p:spPr>
           <a:xfrm>
-            <a:off x="455895" y="359142"/>
-            <a:ext cx="8232211" cy="2974312"/>
+            <a:off x="228601" y="277239"/>
+            <a:ext cx="8701391" cy="4649822"/>
           </a:xfrm>
           <a:prstGeom prst="rect">
             <a:avLst/>
           </a:prstGeom>
-          <a:noFill/>
-          <a:ln>
-            <a:noFill/>
-          </a:ln>
         </p:spPr>
         <p:txBody>
-          <a:bodyPr spcFirstLastPara="1" wrap="square" lIns="0" tIns="91425" rIns="0" bIns="91425" anchor="ctr" anchorCtr="0">
+          <a:bodyPr spcFirstLastPara="1" vert="horz" wrap="square" lIns="91425" tIns="91425" rIns="91425" bIns="91425" rtlCol="0" anchor="t" anchorCtr="0">
             <a:noAutofit/>
           </a:bodyPr>
           <a:lstStyle/>
           <a:p>
-            <a:pPr algn="ctr" defTabSz="914378">
-              <a:buClr>
-                <a:srgbClr val="000000"/>
-              </a:buClr>
-            </a:pPr>
+            <a:pPr marL="0" indent="0"/>
             <a:r>
-              <a:rPr lang="en-US" sz="2400" kern="0" dirty="0">
-                <a:latin typeface="Open Sans"/>
-                <a:ea typeface="Open Sans"/>
-                <a:cs typeface="Open Sans"/>
-                <a:sym typeface="Open Sans"/>
-              </a:rPr>
+              <a:rPr lang="en-US" sz="3200" dirty="0"/>
               <a:t>Verse 2</a:t>
             </a:r>
-            <a:endParaRPr lang="en-US" sz="3200" kern="0" dirty="0">
-              <a:latin typeface="Open Sans"/>
-              <a:ea typeface="Open Sans"/>
-              <a:cs typeface="Open Sans"/>
-              <a:sym typeface="Open Sans"/>
-            </a:endParaRPr>
-          </a:p>
-          <a:p>
-            <a:pPr algn="ctr" defTabSz="914378">
-              <a:buClr>
-                <a:srgbClr val="000000"/>
-              </a:buClr>
-            </a:pPr>
+          </a:p>
+          <a:p>
+            <a:pPr marL="0" indent="0"/>
             <a:r>
-              <a:rPr lang="en-US" sz="3000" kern="0" dirty="0">
-                <a:latin typeface="Open Sans"/>
-                <a:ea typeface="Open Sans"/>
-                <a:cs typeface="Open Sans"/>
-                <a:sym typeface="Open Sans"/>
-              </a:rPr>
-              <a:t>Now I walk within Your </a:t>
+              <a:rPr lang="en-US" sz="3200" dirty="0"/>
+              <a:t>Join with all nature in manifold witness</a:t>
             </a:r>
+          </a:p>
+          <a:p>
+            <a:pPr marL="0" indent="0"/>
             <a:r>
-              <a:rPr lang="en-US" sz="3000" kern="0" dirty="0" err="1">
-                <a:latin typeface="Open Sans"/>
-                <a:ea typeface="Open Sans"/>
-                <a:cs typeface="Open Sans"/>
-                <a:sym typeface="Open Sans"/>
-              </a:rPr>
-              <a:t>favour</a:t>
+              <a:rPr lang="en-US" sz="3200" dirty="0"/>
+              <a:t>to Thy great faithfulness, mercy, and love. </a:t>
             </a:r>
-            <a:endParaRPr lang="en-US" sz="3000" kern="0" dirty="0">
-              <a:latin typeface="Open Sans"/>
-              <a:ea typeface="Open Sans"/>
-              <a:cs typeface="Open Sans"/>
-              <a:sym typeface="Open Sans"/>
-            </a:endParaRPr>
-          </a:p>
-          <a:p>
-            <a:pPr algn="ctr" defTabSz="914378">
-              <a:buClr>
-                <a:srgbClr val="000000"/>
-              </a:buClr>
-            </a:pPr>
-            <a:r>
-              <a:rPr lang="en-US" sz="3000" kern="0" dirty="0">
-                <a:latin typeface="Open Sans"/>
-                <a:ea typeface="Open Sans"/>
-                <a:cs typeface="Open Sans"/>
-                <a:sym typeface="Open Sans"/>
-              </a:rPr>
-              <a:t>Grace unending</a:t>
-            </a:r>
-          </a:p>
-          <a:p>
-            <a:pPr algn="ctr" defTabSz="914378">
-              <a:buClr>
-                <a:srgbClr val="000000"/>
-              </a:buClr>
-            </a:pPr>
-            <a:r>
-              <a:rPr lang="en-US" sz="3000" kern="0" dirty="0">
-                <a:latin typeface="Open Sans"/>
-                <a:ea typeface="Open Sans"/>
-                <a:cs typeface="Open Sans"/>
-                <a:sym typeface="Open Sans"/>
-              </a:rPr>
-              <a:t>My salvation</a:t>
-            </a:r>
-            <a:endParaRPr lang="en-US" sz="3200" kern="0" dirty="0">
-              <a:latin typeface="Open Sans"/>
-              <a:ea typeface="Open Sans"/>
-              <a:cs typeface="Open Sans"/>
-              <a:sym typeface="Open Sans"/>
-            </a:endParaRPr>
+          </a:p>
+          <a:p>
+            <a:pPr marL="0" indent="0"/>
+            <a:endParaRPr lang="en-US" sz="3200" dirty="0"/>
           </a:p>
         </p:txBody>
       </p:sp>
     </p:spTree>
     <p:extLst>
       <p:ext uri="{BB962C8B-B14F-4D97-AF65-F5344CB8AC3E}">
-        <p14:creationId xmlns:p14="http://schemas.microsoft.com/office/powerpoint/2010/main" val="2572451390"/>
+        <p14:creationId xmlns:p14="http://schemas.microsoft.com/office/powerpoint/2010/main" val="1149355877"/>
       </p:ext>
     </p:extLst>
   </p:cSld>
@@ -28615,7 +29723,7 @@
   <p:cSld>
     <p:spTree>
       <p:nvGrpSpPr>
-        <p:cNvPr id="1" name="Shape 1238"/>
+        <p:cNvPr id="1" name="Shape 1062"/>
         <p:cNvGrpSpPr/>
         <p:nvPr/>
       </p:nvGrpSpPr>
@@ -28629,99 +29737,54 @@
       </p:grpSpPr>
       <p:sp>
         <p:nvSpPr>
-          <p:cNvPr id="1250" name="Google Shape;1250;p91"/>
-          <p:cNvSpPr txBox="1"/>
-          <p:nvPr/>
+          <p:cNvPr id="1072" name="Google Shape;1072;p77"/>
+          <p:cNvSpPr txBox="1">
+            <a:spLocks noGrp="1"/>
+          </p:cNvSpPr>
+          <p:nvPr>
+            <p:ph type="subTitle" idx="1"/>
+          </p:nvPr>
         </p:nvSpPr>
         <p:spPr>
           <a:xfrm>
-            <a:off x="455895" y="398109"/>
-            <a:ext cx="8232211" cy="2974312"/>
+            <a:off x="221305" y="246840"/>
+            <a:ext cx="8701391" cy="4649822"/>
           </a:xfrm>
           <a:prstGeom prst="rect">
             <a:avLst/>
           </a:prstGeom>
-          <a:noFill/>
-          <a:ln>
-            <a:noFill/>
-          </a:ln>
         </p:spPr>
         <p:txBody>
-          <a:bodyPr spcFirstLastPara="1" wrap="square" lIns="0" tIns="91425" rIns="0" bIns="91425" anchor="ctr" anchorCtr="0">
+          <a:bodyPr spcFirstLastPara="1" vert="horz" wrap="square" lIns="91425" tIns="91425" rIns="91425" bIns="91425" rtlCol="0" anchor="t" anchorCtr="0">
             <a:noAutofit/>
           </a:bodyPr>
           <a:lstStyle/>
           <a:p>
-            <a:pPr algn="ctr" defTabSz="914378">
-              <a:buClr>
-                <a:srgbClr val="000000"/>
-              </a:buClr>
-            </a:pPr>
+            <a:pPr marL="0" indent="0"/>
             <a:r>
-              <a:rPr lang="en-US" sz="2400" kern="0" dirty="0">
-                <a:latin typeface="Open Sans"/>
-                <a:ea typeface="Open Sans"/>
-                <a:cs typeface="Open Sans"/>
-                <a:sym typeface="Open Sans"/>
-              </a:rPr>
-              <a:t>Chorus</a:t>
+              <a:rPr lang="en-US" sz="3200" dirty="0"/>
+              <a:t>Refrain</a:t>
             </a:r>
+          </a:p>
+          <a:p>
+            <a:pPr marL="0" indent="0"/>
             <a:r>
-              <a:rPr lang="en-US" sz="3200" kern="0" dirty="0">
-                <a:latin typeface="Open Sans"/>
-                <a:ea typeface="Open Sans"/>
-                <a:cs typeface="Open Sans"/>
-                <a:sym typeface="Open Sans"/>
-              </a:rPr>
-              <a:t> </a:t>
+              <a:rPr lang="en-US" sz="3200" dirty="0"/>
+              <a:t>Great is Thy faithfulness!</a:t>
             </a:r>
           </a:p>
           <a:p>
-            <a:pPr algn="ctr" defTabSz="914378">
-              <a:buClr>
-                <a:srgbClr val="000000"/>
-              </a:buClr>
-            </a:pPr>
+            <a:pPr marL="0" indent="0"/>
             <a:r>
-              <a:rPr lang="en-US" sz="3200" kern="0" dirty="0">
-                <a:latin typeface="Open Sans"/>
-                <a:ea typeface="Open Sans"/>
-                <a:cs typeface="Open Sans"/>
-                <a:sym typeface="Open Sans"/>
-              </a:rPr>
-              <a:t>I will boast in Christ alone</a:t>
+              <a:rPr lang="en-US" sz="3200" dirty="0"/>
+              <a:t>Great is Thy faithfulness!</a:t>
             </a:r>
           </a:p>
           <a:p>
-            <a:pPr algn="ctr" defTabSz="914378">
-              <a:buClr>
-                <a:srgbClr val="000000"/>
-              </a:buClr>
-            </a:pPr>
+            <a:pPr marL="0" indent="0"/>
             <a:r>
-              <a:rPr lang="en-US" sz="3200" kern="0" dirty="0">
-                <a:latin typeface="Open Sans"/>
-                <a:ea typeface="Open Sans"/>
-                <a:cs typeface="Open Sans"/>
-                <a:sym typeface="Open Sans"/>
-              </a:rPr>
-              <a:t>His righteousness</a:t>
-            </a:r>
-          </a:p>
-          <a:p>
-            <a:pPr algn="ctr" defTabSz="914378">
-              <a:buClr>
-                <a:srgbClr val="000000"/>
-              </a:buClr>
-            </a:pPr>
-            <a:r>
-              <a:rPr lang="en-US" sz="3200" kern="0" dirty="0">
-                <a:latin typeface="Open Sans"/>
-                <a:ea typeface="Open Sans"/>
-                <a:cs typeface="Open Sans"/>
-                <a:sym typeface="Open Sans"/>
-              </a:rPr>
-              <a:t>and not my own</a:t>
+              <a:rPr lang="en-US" sz="3200" dirty="0"/>
+              <a:t>Morning by morning new mercies I see;</a:t>
             </a:r>
           </a:p>
         </p:txBody>
@@ -28729,7 +29792,7 @@
     </p:spTree>
     <p:extLst>
       <p:ext uri="{BB962C8B-B14F-4D97-AF65-F5344CB8AC3E}">
-        <p14:creationId xmlns:p14="http://schemas.microsoft.com/office/powerpoint/2010/main" val="2446704036"/>
+        <p14:creationId xmlns:p14="http://schemas.microsoft.com/office/powerpoint/2010/main" val="2873747596"/>
       </p:ext>
     </p:extLst>
   </p:cSld>
@@ -28744,7 +29807,7 @@
   <p:cSld>
     <p:spTree>
       <p:nvGrpSpPr>
-        <p:cNvPr id="1" name="Shape 1238"/>
+        <p:cNvPr id="1" name="Shape 1062"/>
         <p:cNvGrpSpPr/>
         <p:nvPr/>
       </p:nvGrpSpPr>
@@ -28758,99 +29821,61 @@
       </p:grpSpPr>
       <p:sp>
         <p:nvSpPr>
-          <p:cNvPr id="1250" name="Google Shape;1250;p91"/>
-          <p:cNvSpPr txBox="1"/>
-          <p:nvPr/>
+          <p:cNvPr id="1072" name="Google Shape;1072;p77"/>
+          <p:cNvSpPr txBox="1">
+            <a:spLocks noGrp="1"/>
+          </p:cNvSpPr>
+          <p:nvPr>
+            <p:ph type="subTitle" idx="1"/>
+          </p:nvPr>
         </p:nvSpPr>
         <p:spPr>
           <a:xfrm>
-            <a:off x="455895" y="476040"/>
-            <a:ext cx="8232211" cy="2974312"/>
+            <a:off x="221305" y="246840"/>
+            <a:ext cx="8701391" cy="4649822"/>
           </a:xfrm>
           <a:prstGeom prst="rect">
             <a:avLst/>
           </a:prstGeom>
-          <a:noFill/>
-          <a:ln>
-            <a:noFill/>
-          </a:ln>
         </p:spPr>
         <p:txBody>
-          <a:bodyPr spcFirstLastPara="1" wrap="square" lIns="0" tIns="91425" rIns="0" bIns="91425" anchor="ctr" anchorCtr="0">
+          <a:bodyPr spcFirstLastPara="1" vert="horz" wrap="square" lIns="91425" tIns="91425" rIns="91425" bIns="91425" rtlCol="0" anchor="t" anchorCtr="0">
             <a:noAutofit/>
           </a:bodyPr>
           <a:lstStyle/>
           <a:p>
-            <a:pPr algn="ctr" defTabSz="914378">
-              <a:buClr>
-                <a:srgbClr val="000000"/>
-              </a:buClr>
-            </a:pPr>
+            <a:pPr marL="0" indent="0"/>
             <a:r>
-              <a:rPr lang="en-US" sz="2400" kern="0" dirty="0">
-                <a:latin typeface="Open Sans"/>
-                <a:ea typeface="Open Sans"/>
-                <a:cs typeface="Open Sans"/>
-                <a:sym typeface="Open Sans"/>
-              </a:rPr>
-              <a:t>Chorus</a:t>
+              <a:rPr lang="en-US" sz="3200" dirty="0"/>
+              <a:t>Refrain</a:t>
             </a:r>
+          </a:p>
+          <a:p>
+            <a:pPr marL="0" indent="0"/>
             <a:r>
-              <a:rPr lang="en-US" sz="3200" kern="0" dirty="0">
-                <a:latin typeface="Open Sans"/>
-                <a:ea typeface="Open Sans"/>
-                <a:cs typeface="Open Sans"/>
-                <a:sym typeface="Open Sans"/>
-              </a:rPr>
-              <a:t> </a:t>
+              <a:rPr lang="en-US" sz="3200" dirty="0"/>
+              <a:t>All I have needed</a:t>
             </a:r>
           </a:p>
           <a:p>
-            <a:pPr algn="ctr" defTabSz="914378">
-              <a:buClr>
-                <a:srgbClr val="000000"/>
-              </a:buClr>
-            </a:pPr>
+            <a:pPr marL="0" indent="0"/>
             <a:r>
-              <a:rPr lang="en-US" sz="3200" kern="0" dirty="0">
-                <a:latin typeface="Open Sans"/>
-                <a:ea typeface="Open Sans"/>
-                <a:cs typeface="Open Sans"/>
-                <a:sym typeface="Open Sans"/>
-              </a:rPr>
-              <a:t>I will cling to Christ my hope</a:t>
+              <a:rPr lang="en-US" sz="3200" dirty="0"/>
+              <a:t>Thy hand hath provided—</a:t>
             </a:r>
           </a:p>
           <a:p>
-            <a:pPr algn="ctr" defTabSz="914378">
-              <a:buClr>
-                <a:srgbClr val="000000"/>
-              </a:buClr>
-            </a:pPr>
+            <a:pPr marL="0" indent="0"/>
             <a:r>
-              <a:rPr lang="en-US" sz="3200" kern="0" dirty="0">
-                <a:latin typeface="Open Sans"/>
-                <a:ea typeface="Open Sans"/>
-                <a:cs typeface="Open Sans"/>
-                <a:sym typeface="Open Sans"/>
-              </a:rPr>
-              <a:t>His mercy reigns</a:t>
+              <a:rPr lang="en-US" sz="3200" dirty="0"/>
+              <a:t>Great is Thy faithfulness</a:t>
             </a:r>
           </a:p>
           <a:p>
-            <a:pPr algn="ctr" defTabSz="914378">
-              <a:buClr>
-                <a:srgbClr val="000000"/>
-              </a:buClr>
-            </a:pPr>
+            <a:pPr marL="0" indent="0"/>
             <a:r>
-              <a:rPr lang="en-US" sz="3200" kern="0" dirty="0">
-                <a:latin typeface="Open Sans"/>
-                <a:ea typeface="Open Sans"/>
-                <a:cs typeface="Open Sans"/>
-                <a:sym typeface="Open Sans"/>
-              </a:rPr>
-              <a:t>Now and forever</a:t>
+              <a:rPr lang="en-US" sz="3200" dirty="0"/>
+              <a:t>Lord, unto me!</a:t>
             </a:r>
           </a:p>
         </p:txBody>
@@ -28858,7 +29883,7 @@
     </p:spTree>
     <p:extLst>
       <p:ext uri="{BB962C8B-B14F-4D97-AF65-F5344CB8AC3E}">
-        <p14:creationId xmlns:p14="http://schemas.microsoft.com/office/powerpoint/2010/main" val="917429806"/>
+        <p14:creationId xmlns:p14="http://schemas.microsoft.com/office/powerpoint/2010/main" val="3556991664"/>
       </p:ext>
     </p:extLst>
   </p:cSld>
@@ -28873,7 +29898,7 @@
   <p:cSld>
     <p:spTree>
       <p:nvGrpSpPr>
-        <p:cNvPr id="1" name="Shape 1238"/>
+        <p:cNvPr id="1" name="Shape 1062"/>
         <p:cNvGrpSpPr/>
         <p:nvPr/>
       </p:nvGrpSpPr>
@@ -28887,160 +29912,55 @@
       </p:grpSpPr>
       <p:sp>
         <p:nvSpPr>
-          <p:cNvPr id="1250" name="Google Shape;1250;p91"/>
-          <p:cNvSpPr txBox="1"/>
-          <p:nvPr/>
+          <p:cNvPr id="1072" name="Google Shape;1072;p77"/>
+          <p:cNvSpPr txBox="1">
+            <a:spLocks noGrp="1"/>
+          </p:cNvSpPr>
+          <p:nvPr>
+            <p:ph type="subTitle" idx="1"/>
+          </p:nvPr>
         </p:nvSpPr>
         <p:spPr>
           <a:xfrm>
-            <a:off x="455895" y="649569"/>
-            <a:ext cx="8232211" cy="2974312"/>
+            <a:off x="221305" y="246840"/>
+            <a:ext cx="8701391" cy="4649822"/>
           </a:xfrm>
           <a:prstGeom prst="rect">
             <a:avLst/>
           </a:prstGeom>
-          <a:noFill/>
-          <a:ln>
-            <a:noFill/>
-          </a:ln>
         </p:spPr>
         <p:txBody>
-          <a:bodyPr spcFirstLastPara="1" wrap="square" lIns="0" tIns="91425" rIns="0" bIns="91425" anchor="ctr" anchorCtr="0">
+          <a:bodyPr spcFirstLastPara="1" vert="horz" wrap="square" lIns="91425" tIns="91425" rIns="91425" bIns="91425" rtlCol="0" anchor="t" anchorCtr="0">
             <a:noAutofit/>
           </a:bodyPr>
           <a:lstStyle/>
           <a:p>
-            <a:pPr algn="ctr" defTabSz="914378">
-              <a:buClr>
-                <a:srgbClr val="000000"/>
-              </a:buClr>
-            </a:pPr>
+            <a:pPr marL="0" indent="0"/>
             <a:r>
-              <a:rPr lang="en-US" sz="2400" kern="0" dirty="0">
-                <a:latin typeface="Open Sans"/>
-                <a:ea typeface="Open Sans"/>
-                <a:cs typeface="Open Sans"/>
-                <a:sym typeface="Open Sans"/>
-              </a:rPr>
-              <a:t>Bridge</a:t>
+              <a:rPr lang="en-US" sz="3200" dirty="0"/>
+              <a:t>Verse 3</a:t>
+            </a:r>
+          </a:p>
+          <a:p>
+            <a:pPr marL="0" indent="0"/>
+            <a:r>
+              <a:rPr lang="en-US" sz="3200" dirty="0"/>
+              <a:t>Pardon for sin and a peace that </a:t>
             </a:r>
             <a:r>
-              <a:rPr lang="en-US" sz="3200" kern="0" dirty="0">
-                <a:latin typeface="Open Sans"/>
-                <a:ea typeface="Open Sans"/>
-                <a:cs typeface="Open Sans"/>
-                <a:sym typeface="Open Sans"/>
-              </a:rPr>
-              <a:t> </a:t>
+              <a:rPr lang="en-US" sz="3200" dirty="0" err="1"/>
+              <a:t>endureth</a:t>
             </a:r>
-          </a:p>
-          <a:p>
-            <a:pPr algn="ctr" defTabSz="914378">
-              <a:buClr>
-                <a:srgbClr val="000000"/>
-              </a:buClr>
-            </a:pPr>
             <a:r>
-              <a:rPr lang="en-US" sz="3200" kern="0" dirty="0">
-                <a:latin typeface="Open Sans"/>
-                <a:ea typeface="Open Sans"/>
-                <a:cs typeface="Open Sans"/>
-                <a:sym typeface="Open Sans"/>
-              </a:rPr>
-              <a:t>What can wash away my sin</a:t>
+              <a:rPr lang="en-US" sz="3200" dirty="0"/>
+              <a:t>,</a:t>
             </a:r>
           </a:p>
           <a:p>
-            <a:pPr algn="ctr" defTabSz="914378">
-              <a:buClr>
-                <a:srgbClr val="000000"/>
-              </a:buClr>
-            </a:pPr>
+            <a:pPr marL="0" indent="0"/>
             <a:r>
-              <a:rPr lang="en-US" sz="3200" kern="0" dirty="0">
-                <a:latin typeface="Open Sans"/>
-                <a:ea typeface="Open Sans"/>
-                <a:cs typeface="Open Sans"/>
-                <a:sym typeface="Open Sans"/>
-              </a:rPr>
-              <a:t>Nothing but the blood of Jesus</a:t>
-            </a:r>
-          </a:p>
-          <a:p>
-            <a:pPr algn="ctr" defTabSz="914378">
-              <a:buClr>
-                <a:srgbClr val="000000"/>
-              </a:buClr>
-            </a:pPr>
-            <a:r>
-              <a:rPr lang="en-US" sz="3200" kern="0" dirty="0">
-                <a:latin typeface="Open Sans"/>
-                <a:ea typeface="Open Sans"/>
-                <a:cs typeface="Open Sans"/>
-                <a:sym typeface="Open Sans"/>
-              </a:rPr>
-              <a:t>What can make me whole again</a:t>
-            </a:r>
-          </a:p>
-          <a:p>
-            <a:pPr algn="ctr" defTabSz="914378">
-              <a:buClr>
-                <a:srgbClr val="000000"/>
-              </a:buClr>
-            </a:pPr>
-            <a:r>
-              <a:rPr lang="en-US" sz="3200" kern="0" dirty="0">
-                <a:latin typeface="Open Sans"/>
-                <a:ea typeface="Open Sans"/>
-                <a:cs typeface="Open Sans"/>
-                <a:sym typeface="Open Sans"/>
-              </a:rPr>
-              <a:t>Nothing but the blood of Jesus </a:t>
-            </a:r>
-          </a:p>
-          <a:p>
-            <a:pPr algn="ctr" defTabSz="914378">
-              <a:buClr>
-                <a:srgbClr val="000000"/>
-              </a:buClr>
-            </a:pPr>
-            <a:r>
-              <a:rPr lang="en-US" sz="3200" kern="0" dirty="0">
-                <a:latin typeface="Open Sans"/>
-                <a:ea typeface="Open Sans"/>
-                <a:cs typeface="Open Sans"/>
-                <a:sym typeface="Open Sans"/>
-              </a:rPr>
-              <a:t>(x2)</a:t>
-            </a:r>
-          </a:p>
-          <a:p>
-            <a:pPr algn="ctr" defTabSz="914378">
-              <a:buClr>
-                <a:srgbClr val="000000"/>
-              </a:buClr>
-            </a:pPr>
-            <a:endParaRPr lang="en-US" sz="3200" kern="0" dirty="0">
-              <a:latin typeface="Open Sans"/>
-              <a:ea typeface="Open Sans"/>
-              <a:cs typeface="Open Sans"/>
-              <a:sym typeface="Open Sans"/>
-            </a:endParaRPr>
-          </a:p>
-          <a:p>
-            <a:pPr algn="ctr" defTabSz="914378">
-              <a:buClr>
-                <a:srgbClr val="000000"/>
-              </a:buClr>
-            </a:pPr>
-            <a:r>
-              <a:rPr lang="en-US" sz="3200" kern="0" dirty="0">
-                <a:latin typeface="Open Sans"/>
-                <a:ea typeface="Open Sans"/>
-                <a:cs typeface="Open Sans"/>
-                <a:sym typeface="Open Sans"/>
-              </a:rPr>
-              <a:t>Nothing but the blood of Jesus</a:t>
+              <a:rPr lang="en-US" sz="3200" dirty="0"/>
+              <a:t>Thine own dear presence to cheer and to guide;</a:t>
             </a:r>
           </a:p>
         </p:txBody>
@@ -29048,7 +29968,7 @@
     </p:spTree>
     <p:extLst>
       <p:ext uri="{BB962C8B-B14F-4D97-AF65-F5344CB8AC3E}">
-        <p14:creationId xmlns:p14="http://schemas.microsoft.com/office/powerpoint/2010/main" val="2480319798"/>
+        <p14:creationId xmlns:p14="http://schemas.microsoft.com/office/powerpoint/2010/main" val="1616910899"/>
       </p:ext>
     </p:extLst>
   </p:cSld>
@@ -29063,7 +29983,7 @@
   <p:cSld>
     <p:spTree>
       <p:nvGrpSpPr>
-        <p:cNvPr id="1" name="Shape 1238"/>
+        <p:cNvPr id="1" name="Shape 1062"/>
         <p:cNvGrpSpPr/>
         <p:nvPr/>
       </p:nvGrpSpPr>
@@ -29077,99 +29997,47 @@
       </p:grpSpPr>
       <p:sp>
         <p:nvSpPr>
-          <p:cNvPr id="1250" name="Google Shape;1250;p91"/>
-          <p:cNvSpPr txBox="1"/>
-          <p:nvPr/>
+          <p:cNvPr id="1072" name="Google Shape;1072;p77"/>
+          <p:cNvSpPr txBox="1">
+            <a:spLocks noGrp="1"/>
+          </p:cNvSpPr>
+          <p:nvPr>
+            <p:ph type="subTitle" idx="1"/>
+          </p:nvPr>
         </p:nvSpPr>
         <p:spPr>
           <a:xfrm>
-            <a:off x="455895" y="398109"/>
-            <a:ext cx="8232211" cy="2974312"/>
+            <a:off x="221305" y="246840"/>
+            <a:ext cx="8701391" cy="4649822"/>
           </a:xfrm>
           <a:prstGeom prst="rect">
             <a:avLst/>
           </a:prstGeom>
-          <a:noFill/>
-          <a:ln>
-            <a:noFill/>
-          </a:ln>
         </p:spPr>
         <p:txBody>
-          <a:bodyPr spcFirstLastPara="1" wrap="square" lIns="0" tIns="91425" rIns="0" bIns="91425" anchor="ctr" anchorCtr="0">
+          <a:bodyPr spcFirstLastPara="1" vert="horz" wrap="square" lIns="91425" tIns="91425" rIns="91425" bIns="91425" rtlCol="0" anchor="t" anchorCtr="0">
             <a:noAutofit/>
           </a:bodyPr>
           <a:lstStyle/>
           <a:p>
-            <a:pPr algn="ctr" defTabSz="914378">
-              <a:buClr>
-                <a:srgbClr val="000000"/>
-              </a:buClr>
-            </a:pPr>
+            <a:pPr marL="0" indent="0"/>
             <a:r>
-              <a:rPr lang="en-US" sz="2400" kern="0" dirty="0">
-                <a:latin typeface="Open Sans"/>
-                <a:ea typeface="Open Sans"/>
-                <a:cs typeface="Open Sans"/>
-                <a:sym typeface="Open Sans"/>
-              </a:rPr>
-              <a:t>Chorus</a:t>
+              <a:rPr lang="en-US" sz="3200" dirty="0"/>
+              <a:t>Verse 3</a:t>
             </a:r>
+          </a:p>
+          <a:p>
+            <a:pPr marL="0" indent="0"/>
             <a:r>
-              <a:rPr lang="en-US" sz="3200" kern="0" dirty="0">
-                <a:latin typeface="Open Sans"/>
-                <a:ea typeface="Open Sans"/>
-                <a:cs typeface="Open Sans"/>
-                <a:sym typeface="Open Sans"/>
-              </a:rPr>
-              <a:t> </a:t>
+              <a:rPr lang="en-US" sz="3200" dirty="0"/>
+              <a:t>Strength for today and bright hope for tomorrow:</a:t>
             </a:r>
           </a:p>
           <a:p>
-            <a:pPr algn="ctr" defTabSz="914378">
-              <a:buClr>
-                <a:srgbClr val="000000"/>
-              </a:buClr>
-            </a:pPr>
+            <a:pPr marL="0" indent="0"/>
             <a:r>
-              <a:rPr lang="en-US" sz="3200" kern="0" dirty="0">
-                <a:latin typeface="Open Sans"/>
-                <a:ea typeface="Open Sans"/>
-                <a:cs typeface="Open Sans"/>
-                <a:sym typeface="Open Sans"/>
-              </a:rPr>
-              <a:t>I will boast in Christ alone</a:t>
-            </a:r>
-          </a:p>
-          <a:p>
-            <a:pPr algn="ctr" defTabSz="914378">
-              <a:buClr>
-                <a:srgbClr val="000000"/>
-              </a:buClr>
-            </a:pPr>
-            <a:r>
-              <a:rPr lang="en-US" sz="3200" kern="0" dirty="0">
-                <a:latin typeface="Open Sans"/>
-                <a:ea typeface="Open Sans"/>
-                <a:cs typeface="Open Sans"/>
-                <a:sym typeface="Open Sans"/>
-              </a:rPr>
-              <a:t>His righteousness</a:t>
-            </a:r>
-          </a:p>
-          <a:p>
-            <a:pPr algn="ctr" defTabSz="914378">
-              <a:buClr>
-                <a:srgbClr val="000000"/>
-              </a:buClr>
-            </a:pPr>
-            <a:r>
-              <a:rPr lang="en-US" sz="3200" kern="0" dirty="0">
-                <a:latin typeface="Open Sans"/>
-                <a:ea typeface="Open Sans"/>
-                <a:cs typeface="Open Sans"/>
-                <a:sym typeface="Open Sans"/>
-              </a:rPr>
-              <a:t>and not my own</a:t>
+              <a:rPr lang="en-US" sz="3200" dirty="0"/>
+              <a:t>blessings all mine, with ten thousand beside! </a:t>
             </a:r>
           </a:p>
         </p:txBody>
@@ -29177,7 +30045,7 @@
     </p:spTree>
     <p:extLst>
       <p:ext uri="{BB962C8B-B14F-4D97-AF65-F5344CB8AC3E}">
-        <p14:creationId xmlns:p14="http://schemas.microsoft.com/office/powerpoint/2010/main" val="629478902"/>
+        <p14:creationId xmlns:p14="http://schemas.microsoft.com/office/powerpoint/2010/main" val="3345127143"/>
       </p:ext>
     </p:extLst>
   </p:cSld>
@@ -29573,7 +30441,7 @@
   <p:cSld>
     <p:spTree>
       <p:nvGrpSpPr>
-        <p:cNvPr id="1" name="Shape 1238"/>
+        <p:cNvPr id="1" name="Shape 1062"/>
         <p:cNvGrpSpPr/>
         <p:nvPr/>
       </p:nvGrpSpPr>
@@ -29587,99 +30455,54 @@
       </p:grpSpPr>
       <p:sp>
         <p:nvSpPr>
-          <p:cNvPr id="1250" name="Google Shape;1250;p91"/>
-          <p:cNvSpPr txBox="1"/>
-          <p:nvPr/>
+          <p:cNvPr id="1072" name="Google Shape;1072;p77"/>
+          <p:cNvSpPr txBox="1">
+            <a:spLocks noGrp="1"/>
+          </p:cNvSpPr>
+          <p:nvPr>
+            <p:ph type="subTitle" idx="1"/>
+          </p:nvPr>
         </p:nvSpPr>
         <p:spPr>
           <a:xfrm>
-            <a:off x="455895" y="476040"/>
-            <a:ext cx="8232211" cy="2974312"/>
+            <a:off x="221305" y="246840"/>
+            <a:ext cx="8701391" cy="4649822"/>
           </a:xfrm>
           <a:prstGeom prst="rect">
             <a:avLst/>
           </a:prstGeom>
-          <a:noFill/>
-          <a:ln>
-            <a:noFill/>
-          </a:ln>
         </p:spPr>
         <p:txBody>
-          <a:bodyPr spcFirstLastPara="1" wrap="square" lIns="0" tIns="91425" rIns="0" bIns="91425" anchor="ctr" anchorCtr="0">
+          <a:bodyPr spcFirstLastPara="1" vert="horz" wrap="square" lIns="91425" tIns="91425" rIns="91425" bIns="91425" rtlCol="0" anchor="t" anchorCtr="0">
             <a:noAutofit/>
           </a:bodyPr>
           <a:lstStyle/>
           <a:p>
-            <a:pPr algn="ctr" defTabSz="914378">
-              <a:buClr>
-                <a:srgbClr val="000000"/>
-              </a:buClr>
-            </a:pPr>
+            <a:pPr marL="0" indent="0"/>
             <a:r>
-              <a:rPr lang="en-US" sz="2400" kern="0" dirty="0">
-                <a:latin typeface="Open Sans"/>
-                <a:ea typeface="Open Sans"/>
-                <a:cs typeface="Open Sans"/>
-                <a:sym typeface="Open Sans"/>
-              </a:rPr>
-              <a:t>Chorus</a:t>
+              <a:rPr lang="en-US" sz="3200" dirty="0"/>
+              <a:t>Refrain</a:t>
             </a:r>
+          </a:p>
+          <a:p>
+            <a:pPr marL="0" indent="0"/>
             <a:r>
-              <a:rPr lang="en-US" sz="3200" kern="0" dirty="0">
-                <a:latin typeface="Open Sans"/>
-                <a:ea typeface="Open Sans"/>
-                <a:cs typeface="Open Sans"/>
-                <a:sym typeface="Open Sans"/>
-              </a:rPr>
-              <a:t> </a:t>
+              <a:rPr lang="en-US" sz="3200" dirty="0"/>
+              <a:t>Great is Thy faithfulness!</a:t>
             </a:r>
           </a:p>
           <a:p>
-            <a:pPr algn="ctr" defTabSz="914378">
-              <a:buClr>
-                <a:srgbClr val="000000"/>
-              </a:buClr>
-            </a:pPr>
+            <a:pPr marL="0" indent="0"/>
             <a:r>
-              <a:rPr lang="en-US" sz="3200" kern="0" dirty="0">
-                <a:latin typeface="Open Sans"/>
-                <a:ea typeface="Open Sans"/>
-                <a:cs typeface="Open Sans"/>
-                <a:sym typeface="Open Sans"/>
-              </a:rPr>
-              <a:t>I will cling to Christ my hope</a:t>
+              <a:rPr lang="en-US" sz="3200" dirty="0"/>
+              <a:t>Great is Thy faithfulness!</a:t>
             </a:r>
           </a:p>
           <a:p>
-            <a:pPr algn="ctr" defTabSz="914378">
-              <a:buClr>
-                <a:srgbClr val="000000"/>
-              </a:buClr>
-            </a:pPr>
+            <a:pPr marL="0" indent="0"/>
             <a:r>
-              <a:rPr lang="en-US" sz="3200" kern="0" dirty="0">
-                <a:latin typeface="Open Sans"/>
-                <a:ea typeface="Open Sans"/>
-                <a:cs typeface="Open Sans"/>
-                <a:sym typeface="Open Sans"/>
-              </a:rPr>
-              <a:t>His mercy reigns</a:t>
-            </a:r>
-          </a:p>
-          <a:p>
-            <a:pPr algn="ctr" defTabSz="914378">
-              <a:buClr>
-                <a:srgbClr val="000000"/>
-              </a:buClr>
-            </a:pPr>
-            <a:r>
-              <a:rPr lang="en-US" sz="3200" kern="0" dirty="0">
-                <a:latin typeface="Open Sans"/>
-                <a:ea typeface="Open Sans"/>
-                <a:cs typeface="Open Sans"/>
-                <a:sym typeface="Open Sans"/>
-              </a:rPr>
-              <a:t>now and forever</a:t>
+              <a:rPr lang="en-US" sz="3200" dirty="0"/>
+              <a:t>Morning by morning new mercies I see;</a:t>
             </a:r>
           </a:p>
         </p:txBody>
@@ -29687,7 +30510,7 @@
     </p:spTree>
     <p:extLst>
       <p:ext uri="{BB962C8B-B14F-4D97-AF65-F5344CB8AC3E}">
-        <p14:creationId xmlns:p14="http://schemas.microsoft.com/office/powerpoint/2010/main" val="672637587"/>
+        <p14:creationId xmlns:p14="http://schemas.microsoft.com/office/powerpoint/2010/main" val="1339071224"/>
       </p:ext>
     </p:extLst>
   </p:cSld>
@@ -29702,7 +30525,7 @@
   <p:cSld>
     <p:spTree>
       <p:nvGrpSpPr>
-        <p:cNvPr id="1" name="Shape 1238"/>
+        <p:cNvPr id="1" name="Shape 1062"/>
         <p:cNvGrpSpPr/>
         <p:nvPr/>
       </p:nvGrpSpPr>
@@ -29716,115 +30539,61 @@
       </p:grpSpPr>
       <p:sp>
         <p:nvSpPr>
-          <p:cNvPr id="1250" name="Google Shape;1250;p91"/>
-          <p:cNvSpPr txBox="1"/>
-          <p:nvPr/>
+          <p:cNvPr id="1072" name="Google Shape;1072;p77"/>
+          <p:cNvSpPr txBox="1">
+            <a:spLocks noGrp="1"/>
+          </p:cNvSpPr>
+          <p:nvPr>
+            <p:ph type="subTitle" idx="1"/>
+          </p:nvPr>
         </p:nvSpPr>
         <p:spPr>
           <a:xfrm>
-            <a:off x="455895" y="649569"/>
-            <a:ext cx="8232211" cy="2974312"/>
+            <a:off x="221305" y="246840"/>
+            <a:ext cx="8701391" cy="4649822"/>
           </a:xfrm>
           <a:prstGeom prst="rect">
             <a:avLst/>
           </a:prstGeom>
-          <a:noFill/>
-          <a:ln>
-            <a:noFill/>
-          </a:ln>
         </p:spPr>
         <p:txBody>
-          <a:bodyPr spcFirstLastPara="1" wrap="square" lIns="0" tIns="91425" rIns="0" bIns="91425" anchor="ctr" anchorCtr="0">
+          <a:bodyPr spcFirstLastPara="1" vert="horz" wrap="square" lIns="91425" tIns="91425" rIns="91425" bIns="91425" rtlCol="0" anchor="t" anchorCtr="0">
             <a:noAutofit/>
           </a:bodyPr>
           <a:lstStyle/>
           <a:p>
-            <a:pPr algn="ctr" defTabSz="914378">
-              <a:buClr>
-                <a:srgbClr val="000000"/>
-              </a:buClr>
-            </a:pPr>
+            <a:pPr marL="0" indent="0"/>
             <a:r>
-              <a:rPr lang="en-US" sz="2400" kern="0" dirty="0">
-                <a:latin typeface="Open Sans"/>
-                <a:ea typeface="Open Sans"/>
-                <a:cs typeface="Open Sans"/>
-                <a:sym typeface="Open Sans"/>
-              </a:rPr>
-              <a:t>Bridge</a:t>
+              <a:rPr lang="en-US" sz="3200" dirty="0"/>
+              <a:t>Refrain</a:t>
             </a:r>
+          </a:p>
+          <a:p>
+            <a:pPr marL="0" indent="0"/>
             <a:r>
-              <a:rPr lang="en-US" sz="3200" kern="0" dirty="0">
-                <a:latin typeface="Open Sans"/>
-                <a:ea typeface="Open Sans"/>
-                <a:cs typeface="Open Sans"/>
-                <a:sym typeface="Open Sans"/>
-              </a:rPr>
-              <a:t> </a:t>
+              <a:rPr lang="en-US" sz="3200" dirty="0"/>
+              <a:t>All I have needed</a:t>
             </a:r>
           </a:p>
           <a:p>
-            <a:pPr algn="ctr" defTabSz="914378">
-              <a:buClr>
-                <a:srgbClr val="000000"/>
-              </a:buClr>
-            </a:pPr>
+            <a:pPr marL="0" indent="0"/>
             <a:r>
-              <a:rPr lang="en-US" sz="3200" kern="0" dirty="0">
-                <a:latin typeface="Open Sans"/>
-                <a:ea typeface="Open Sans"/>
-                <a:cs typeface="Open Sans"/>
-                <a:sym typeface="Open Sans"/>
-              </a:rPr>
-              <a:t>What can wash away my sin</a:t>
+              <a:rPr lang="en-US" sz="3200" dirty="0"/>
+              <a:t>Thy hand hath provided—</a:t>
             </a:r>
           </a:p>
           <a:p>
-            <a:pPr algn="ctr" defTabSz="914378">
-              <a:buClr>
-                <a:srgbClr val="000000"/>
-              </a:buClr>
-            </a:pPr>
+            <a:pPr marL="0" indent="0"/>
             <a:r>
-              <a:rPr lang="en-US" sz="3200" kern="0" dirty="0">
-                <a:latin typeface="Open Sans"/>
-                <a:ea typeface="Open Sans"/>
-                <a:cs typeface="Open Sans"/>
-                <a:sym typeface="Open Sans"/>
-              </a:rPr>
-              <a:t>Nothing but the blood of Jesus</a:t>
+              <a:rPr lang="en-US" sz="3200" dirty="0"/>
+              <a:t>Great is Thy faithfulness</a:t>
             </a:r>
           </a:p>
           <a:p>
-            <a:pPr algn="ctr" defTabSz="914378">
-              <a:buClr>
-                <a:srgbClr val="000000"/>
-              </a:buClr>
-            </a:pPr>
+            <a:pPr marL="0" indent="0"/>
             <a:r>
-              <a:rPr lang="en-US" sz="3200" kern="0" dirty="0">
-                <a:latin typeface="Open Sans"/>
-                <a:ea typeface="Open Sans"/>
-                <a:cs typeface="Open Sans"/>
-                <a:sym typeface="Open Sans"/>
-              </a:rPr>
-              <a:t>What can make me whole again</a:t>
-            </a:r>
-          </a:p>
-          <a:p>
-            <a:pPr algn="ctr" defTabSz="914378">
-              <a:buClr>
-                <a:srgbClr val="000000"/>
-              </a:buClr>
-            </a:pPr>
-            <a:r>
-              <a:rPr lang="en-US" sz="3200" kern="0" dirty="0">
-                <a:latin typeface="Open Sans"/>
-                <a:ea typeface="Open Sans"/>
-                <a:cs typeface="Open Sans"/>
-                <a:sym typeface="Open Sans"/>
-              </a:rPr>
-              <a:t>Nothing but the blood of Jesus </a:t>
+              <a:rPr lang="en-US" sz="3200" dirty="0"/>
+              <a:t>Lord, unto me!</a:t>
             </a:r>
           </a:p>
         </p:txBody>
@@ -29832,7 +30601,7 @@
     </p:spTree>
     <p:extLst>
       <p:ext uri="{BB962C8B-B14F-4D97-AF65-F5344CB8AC3E}">
-        <p14:creationId xmlns:p14="http://schemas.microsoft.com/office/powerpoint/2010/main" val="3746059651"/>
+        <p14:creationId xmlns:p14="http://schemas.microsoft.com/office/powerpoint/2010/main" val="1781779554"/>
       </p:ext>
     </p:extLst>
   </p:cSld>
@@ -29845,175 +30614,6 @@
 <file path=ppt/slides/slide42.xml><?xml version="1.0" encoding="utf-8"?>
 <p:sld xmlns:a="http://schemas.openxmlformats.org/drawingml/2006/main" xmlns:r="http://schemas.openxmlformats.org/officeDocument/2006/relationships" xmlns:p="http://schemas.openxmlformats.org/presentationml/2006/main">
   <p:cSld>
-    <p:spTree>
-      <p:nvGrpSpPr>
-        <p:cNvPr id="1" name="Shape 1238"/>
-        <p:cNvGrpSpPr/>
-        <p:nvPr/>
-      </p:nvGrpSpPr>
-      <p:grpSpPr>
-        <a:xfrm>
-          <a:off x="0" y="0"/>
-          <a:ext cx="0" cy="0"/>
-          <a:chOff x="0" y="0"/>
-          <a:chExt cx="0" cy="0"/>
-        </a:xfrm>
-      </p:grpSpPr>
-      <p:sp>
-        <p:nvSpPr>
-          <p:cNvPr id="1250" name="Google Shape;1250;p91"/>
-          <p:cNvSpPr txBox="1"/>
-          <p:nvPr/>
-        </p:nvSpPr>
-        <p:spPr>
-          <a:xfrm>
-            <a:off x="455895" y="649569"/>
-            <a:ext cx="8232211" cy="2974312"/>
-          </a:xfrm>
-          <a:prstGeom prst="rect">
-            <a:avLst/>
-          </a:prstGeom>
-          <a:noFill/>
-          <a:ln>
-            <a:noFill/>
-          </a:ln>
-        </p:spPr>
-        <p:txBody>
-          <a:bodyPr spcFirstLastPara="1" wrap="square" lIns="0" tIns="91425" rIns="0" bIns="91425" anchor="ctr" anchorCtr="0">
-            <a:noAutofit/>
-          </a:bodyPr>
-          <a:lstStyle/>
-          <a:p>
-            <a:pPr algn="ctr" defTabSz="914378">
-              <a:buClr>
-                <a:srgbClr val="000000"/>
-              </a:buClr>
-            </a:pPr>
-            <a:r>
-              <a:rPr lang="en-US" sz="2400" kern="0" dirty="0">
-                <a:latin typeface="Open Sans"/>
-                <a:ea typeface="Open Sans"/>
-                <a:cs typeface="Open Sans"/>
-                <a:sym typeface="Open Sans"/>
-              </a:rPr>
-              <a:t>Bridge</a:t>
-            </a:r>
-            <a:r>
-              <a:rPr lang="en-US" sz="3200" kern="0" dirty="0">
-                <a:latin typeface="Open Sans"/>
-                <a:ea typeface="Open Sans"/>
-                <a:cs typeface="Open Sans"/>
-                <a:sym typeface="Open Sans"/>
-              </a:rPr>
-              <a:t> </a:t>
-            </a:r>
-          </a:p>
-          <a:p>
-            <a:pPr algn="ctr" defTabSz="914378">
-              <a:buClr>
-                <a:srgbClr val="000000"/>
-              </a:buClr>
-            </a:pPr>
-            <a:r>
-              <a:rPr lang="en-US" sz="3200" kern="0" dirty="0">
-                <a:latin typeface="Open Sans"/>
-                <a:ea typeface="Open Sans"/>
-                <a:cs typeface="Open Sans"/>
-                <a:sym typeface="Open Sans"/>
-              </a:rPr>
-              <a:t>O precious is the flow</a:t>
-            </a:r>
-          </a:p>
-          <a:p>
-            <a:pPr algn="ctr" defTabSz="914378">
-              <a:buClr>
-                <a:srgbClr val="000000"/>
-              </a:buClr>
-            </a:pPr>
-            <a:r>
-              <a:rPr lang="en-US" sz="3200" kern="0" dirty="0">
-                <a:latin typeface="Open Sans"/>
-                <a:ea typeface="Open Sans"/>
-                <a:cs typeface="Open Sans"/>
-                <a:sym typeface="Open Sans"/>
-              </a:rPr>
-              <a:t>That makes me white as snow</a:t>
-            </a:r>
-          </a:p>
-          <a:p>
-            <a:pPr algn="ctr" defTabSz="914378">
-              <a:buClr>
-                <a:srgbClr val="000000"/>
-              </a:buClr>
-            </a:pPr>
-            <a:r>
-              <a:rPr lang="en-US" sz="3200" kern="0" dirty="0">
-                <a:latin typeface="Open Sans"/>
-                <a:ea typeface="Open Sans"/>
-                <a:cs typeface="Open Sans"/>
-                <a:sym typeface="Open Sans"/>
-              </a:rPr>
-              <a:t>No other fount I know</a:t>
-            </a:r>
-          </a:p>
-          <a:p>
-            <a:pPr algn="ctr" defTabSz="914378">
-              <a:buClr>
-                <a:srgbClr val="000000"/>
-              </a:buClr>
-            </a:pPr>
-            <a:r>
-              <a:rPr lang="en-US" sz="3200" kern="0" dirty="0">
-                <a:latin typeface="Open Sans"/>
-                <a:ea typeface="Open Sans"/>
-                <a:cs typeface="Open Sans"/>
-                <a:sym typeface="Open Sans"/>
-              </a:rPr>
-              <a:t>Nothing but the blood of Jesus</a:t>
-            </a:r>
-          </a:p>
-          <a:p>
-            <a:pPr algn="ctr" defTabSz="914378">
-              <a:buClr>
-                <a:srgbClr val="000000"/>
-              </a:buClr>
-            </a:pPr>
-            <a:r>
-              <a:rPr lang="en-US" sz="3200" kern="0" dirty="0">
-                <a:latin typeface="Open Sans"/>
-                <a:ea typeface="Open Sans"/>
-                <a:cs typeface="Open Sans"/>
-                <a:sym typeface="Open Sans"/>
-              </a:rPr>
-              <a:t>Nothing but the blood of Jesus</a:t>
-            </a:r>
-          </a:p>
-        </p:txBody>
-      </p:sp>
-    </p:spTree>
-    <p:extLst>
-      <p:ext uri="{BB962C8B-B14F-4D97-AF65-F5344CB8AC3E}">
-        <p14:creationId xmlns:p14="http://schemas.microsoft.com/office/powerpoint/2010/main" val="3015881691"/>
-      </p:ext>
-    </p:extLst>
-  </p:cSld>
-  <p:clrMapOvr>
-    <a:masterClrMapping/>
-  </p:clrMapOvr>
-</p:sld>
-</file>
-
-<file path=ppt/slides/slide43.xml><?xml version="1.0" encoding="utf-8"?>
-<p:sld xmlns:a="http://schemas.openxmlformats.org/drawingml/2006/main" xmlns:r="http://schemas.openxmlformats.org/officeDocument/2006/relationships" xmlns:p="http://schemas.openxmlformats.org/presentationml/2006/main">
-  <p:cSld>
-    <p:bg>
-      <p:bgPr>
-        <a:solidFill>
-          <a:schemeClr val="accent2"/>
-        </a:solidFill>
-        <a:effectLst/>
-      </p:bgPr>
-    </p:bg>
     <p:spTree>
       <p:nvGrpSpPr>
         <p:cNvPr id="1" name="Shape 1283"/>
@@ -30098,6 +30698,11 @@
         </p:spPr>
       </p:pic>
     </p:spTree>
+    <p:extLst>
+      <p:ext uri="{BB962C8B-B14F-4D97-AF65-F5344CB8AC3E}">
+        <p14:creationId xmlns:p14="http://schemas.microsoft.com/office/powerpoint/2010/main" val="3245942297"/>
+      </p:ext>
+    </p:extLst>
   </p:cSld>
   <p:clrMapOvr>
     <a:masterClrMapping/>
@@ -30206,20 +30811,9 @@
 </p:sld>
 </file>
 
-<file path=ppt/slides/slide44.xml><?xml version="1.0" encoding="utf-8"?>
+<file path=ppt/slides/slide43.xml><?xml version="1.0" encoding="utf-8"?>
 <p:sld xmlns:a="http://schemas.openxmlformats.org/drawingml/2006/main" xmlns:r="http://schemas.openxmlformats.org/officeDocument/2006/relationships" xmlns:p="http://schemas.openxmlformats.org/presentationml/2006/main">
   <p:cSld>
-    <p:bg>
-      <p:bgPr>
-        <a:solidFill>
-          <a:schemeClr val="bg2">
-            <a:tint val="95000"/>
-            <a:satMod val="170000"/>
-          </a:schemeClr>
-        </a:solidFill>
-        <a:effectLst/>
-      </p:bgPr>
-    </p:bg>
     <p:spTree>
       <p:nvGrpSpPr>
         <p:cNvPr id="1" name="Shape 1148"/>
@@ -30351,9 +30945,14 @@
         </p:txBody>
       </p:sp>
     </p:spTree>
+    <p:extLst>
+      <p:ext uri="{BB962C8B-B14F-4D97-AF65-F5344CB8AC3E}">
+        <p14:creationId xmlns:p14="http://schemas.microsoft.com/office/powerpoint/2010/main" val="3029953237"/>
+      </p:ext>
+    </p:extLst>
   </p:cSld>
   <p:clrMapOvr>
-    <a:overrideClrMapping bg1="dk1" tx1="lt1" bg2="dk2" tx2="lt2" accent1="accent1" accent2="accent2" accent3="accent3" accent4="accent4" accent5="accent5" accent6="accent6" hlink="hlink" folHlink="folHlink"/>
+    <a:masterClrMapping/>
   </p:clrMapOvr>
   <p:timing>
     <p:tnLst>
@@ -30509,7 +31108,2245 @@
 </p:sld>
 </file>
 
+<file path=ppt/slides/slide44.xml><?xml version="1.0" encoding="utf-8"?>
+<p:sld xmlns:a="http://schemas.openxmlformats.org/drawingml/2006/main" xmlns:r="http://schemas.openxmlformats.org/officeDocument/2006/relationships" xmlns:p="http://schemas.openxmlformats.org/presentationml/2006/main">
+  <p:cSld>
+    <p:spTree>
+      <p:nvGrpSpPr>
+        <p:cNvPr id="1" name="Shape 1270"/>
+        <p:cNvGrpSpPr/>
+        <p:nvPr/>
+      </p:nvGrpSpPr>
+      <p:grpSpPr>
+        <a:xfrm>
+          <a:off x="0" y="0"/>
+          <a:ext cx="0" cy="0"/>
+          <a:chOff x="0" y="0"/>
+          <a:chExt cx="0" cy="0"/>
+        </a:xfrm>
+      </p:grpSpPr>
+      <p:pic>
+        <p:nvPicPr>
+          <p:cNvPr id="1274" name="Picture 1273" descr="A colorful cloud in the sky&#10;&#10;Description automatically generated">
+            <a:extLst>
+              <a:ext uri="{FF2B5EF4-FFF2-40B4-BE49-F238E27FC236}">
+                <a16:creationId xmlns:a16="http://schemas.microsoft.com/office/drawing/2014/main" id="{FD6CA6D6-740D-B96E-4E60-10A61F5506CC}"/>
+              </a:ext>
+            </a:extLst>
+          </p:cNvPr>
+          <p:cNvPicPr>
+            <a:picLocks noChangeAspect="1"/>
+          </p:cNvPicPr>
+          <p:nvPr/>
+        </p:nvPicPr>
+        <p:blipFill rotWithShape="1">
+          <a:blip r:embed="rId3"/>
+          <a:srcRect l="7865" r="14647"/>
+          <a:stretch/>
+        </p:blipFill>
+        <p:spPr>
+          <a:xfrm>
+            <a:off x="15" y="7"/>
+            <a:ext cx="5653263" cy="5143493"/>
+          </a:xfrm>
+          <a:prstGeom prst="rect">
+            <a:avLst/>
+          </a:prstGeom>
+        </p:spPr>
+      </p:pic>
+      <p:sp>
+        <p:nvSpPr>
+          <p:cNvPr id="1271" name="Google Shape;1271;p92"/>
+          <p:cNvSpPr txBox="1">
+            <a:spLocks noGrp="1"/>
+          </p:cNvSpPr>
+          <p:nvPr>
+            <p:ph type="title"/>
+          </p:nvPr>
+        </p:nvSpPr>
+        <p:spPr>
+          <a:xfrm>
+            <a:off x="603504" y="2133276"/>
+            <a:ext cx="4446270" cy="891540"/>
+          </a:xfrm>
+          <a:prstGeom prst="rect">
+            <a:avLst/>
+          </a:prstGeom>
+          <a:solidFill>
+            <a:schemeClr val="bg1">
+              <a:alpha val="80000"/>
+            </a:schemeClr>
+          </a:solidFill>
+          <a:ln>
+            <a:solidFill>
+              <a:schemeClr val="tx1">
+                <a:lumMod val="75000"/>
+                <a:lumOff val="25000"/>
+              </a:schemeClr>
+            </a:solidFill>
+          </a:ln>
+        </p:spPr>
+        <p:txBody>
+          <a:bodyPr spcFirstLastPara="1" vert="horz" wrap="square" lIns="137160" tIns="137160" rIns="137160" bIns="137160" rtlCol="0" anchor="ctr" anchorCtr="0">
+            <a:normAutofit/>
+          </a:bodyPr>
+          <a:lstStyle/>
+          <a:p>
+            <a:pPr>
+              <a:spcBef>
+                <a:spcPct val="0"/>
+              </a:spcBef>
+            </a:pPr>
+            <a:r>
+              <a:rPr lang="en-US" sz="2100" dirty="0">
+                <a:solidFill>
+                  <a:schemeClr val="tx1">
+                    <a:lumMod val="85000"/>
+                    <a:lumOff val="15000"/>
+                  </a:schemeClr>
+                </a:solidFill>
+              </a:rPr>
+              <a:t>I will boast in Christ</a:t>
+            </a:r>
+          </a:p>
+        </p:txBody>
+      </p:sp>
+      <p:sp>
+        <p:nvSpPr>
+          <p:cNvPr id="1272" name="Google Shape;1272;p92"/>
+          <p:cNvSpPr txBox="1">
+            <a:spLocks noGrp="1"/>
+          </p:cNvSpPr>
+          <p:nvPr>
+            <p:ph type="subTitle" idx="1"/>
+          </p:nvPr>
+        </p:nvSpPr>
+        <p:spPr>
+          <a:xfrm>
+            <a:off x="6181705" y="730200"/>
+            <a:ext cx="2530602" cy="3693210"/>
+          </a:xfrm>
+          <a:prstGeom prst="rect">
+            <a:avLst/>
+          </a:prstGeom>
+        </p:spPr>
+        <p:txBody>
+          <a:bodyPr spcFirstLastPara="1" vert="horz" wrap="square" lIns="68580" tIns="34290" rIns="68580" bIns="34290" rtlCol="0" anchor="ctr" anchorCtr="0">
+            <a:normAutofit/>
+          </a:bodyPr>
+          <a:lstStyle/>
+          <a:p>
+            <a:pPr marL="0" indent="0" algn="l">
+              <a:spcBef>
+                <a:spcPts val="750"/>
+              </a:spcBef>
+            </a:pPr>
+            <a:r>
+              <a:rPr lang="en-US" sz="750" dirty="0">
+                <a:solidFill>
+                  <a:srgbClr val="FF0000"/>
+                </a:solidFill>
+              </a:rPr>
+              <a:t>I Will Boast in Christ </a:t>
+            </a:r>
+            <a:br>
+              <a:rPr lang="en-US" sz="750" dirty="0">
+                <a:solidFill>
+                  <a:srgbClr val="FF0000"/>
+                </a:solidFill>
+              </a:rPr>
+            </a:br>
+            <a:r>
+              <a:rPr lang="en-US" sz="750" dirty="0">
+                <a:solidFill>
+                  <a:srgbClr val="FF0000"/>
+                </a:solidFill>
+              </a:rPr>
+              <a:t>Reuben Morgan, Scott </a:t>
+            </a:r>
+            <a:r>
+              <a:rPr lang="en-US" sz="750" dirty="0" err="1">
+                <a:solidFill>
+                  <a:srgbClr val="FF0000"/>
+                </a:solidFill>
+              </a:rPr>
+              <a:t>Ligertwood</a:t>
+            </a:r>
+            <a:br>
+              <a:rPr lang="en-US" sz="750" dirty="0">
+                <a:solidFill>
+                  <a:srgbClr val="FF0000"/>
+                </a:solidFill>
+              </a:rPr>
+            </a:br>
+            <a:r>
+              <a:rPr lang="en-US" sz="750" dirty="0">
+                <a:solidFill>
+                  <a:srgbClr val="FF0000"/>
+                </a:solidFill>
+              </a:rPr>
+              <a:t>© 2016 Hillsong Music Publishing Australia</a:t>
+            </a:r>
+            <a:br>
+              <a:rPr lang="en-US" sz="750" dirty="0">
+                <a:solidFill>
+                  <a:srgbClr val="FF0000"/>
+                </a:solidFill>
+              </a:rPr>
+            </a:br>
+            <a:r>
+              <a:rPr lang="en-US" sz="750" dirty="0">
+                <a:solidFill>
+                  <a:srgbClr val="FF0000"/>
+                </a:solidFill>
+              </a:rPr>
+              <a:t>CCLI </a:t>
+            </a:r>
+            <a:r>
+              <a:rPr lang="en-US" sz="750" dirty="0" err="1">
+                <a:solidFill>
+                  <a:srgbClr val="FF0000"/>
+                </a:solidFill>
+              </a:rPr>
+              <a:t>Licence</a:t>
+            </a:r>
+            <a:r>
+              <a:rPr lang="en-US" sz="750" dirty="0">
+                <a:solidFill>
+                  <a:srgbClr val="FF0000"/>
+                </a:solidFill>
+              </a:rPr>
+              <a:t> No. 5485849</a:t>
+            </a:r>
+          </a:p>
+        </p:txBody>
+      </p:sp>
+    </p:spTree>
+  </p:cSld>
+  <p:clrMapOvr>
+    <a:masterClrMapping/>
+  </p:clrMapOvr>
+  <p:timing>
+    <p:tnLst>
+      <p:par>
+        <p:cTn id="1" dur="indefinite" restart="never" nodeType="tmRoot">
+          <p:childTnLst>
+            <p:seq concurrent="1" nextAc="seek">
+              <p:cTn id="2" dur="indefinite" nodeType="mainSeq">
+                <p:childTnLst>
+                  <p:par>
+                    <p:cTn id="3" fill="hold">
+                      <p:stCondLst>
+                        <p:cond delay="indefinite"/>
+                        <p:cond evt="onBegin" delay="0">
+                          <p:tn val="2"/>
+                        </p:cond>
+                      </p:stCondLst>
+                      <p:childTnLst>
+                        <p:par>
+                          <p:cTn id="4" fill="hold">
+                            <p:stCondLst>
+                              <p:cond delay="0"/>
+                            </p:stCondLst>
+                            <p:childTnLst>
+                              <p:par>
+                                <p:cTn id="5" presetID="2" presetClass="entr" presetSubtype="2" fill="hold" nodeType="afterEffect">
+                                  <p:stCondLst>
+                                    <p:cond delay="0"/>
+                                  </p:stCondLst>
+                                  <p:childTnLst>
+                                    <p:set>
+                                      <p:cBhvr>
+                                        <p:cTn id="6" dur="1" fill="hold">
+                                          <p:stCondLst>
+                                            <p:cond delay="0"/>
+                                          </p:stCondLst>
+                                        </p:cTn>
+                                        <p:tgtEl>
+                                          <p:spTgt spid="1271"/>
+                                        </p:tgtEl>
+                                        <p:attrNameLst>
+                                          <p:attrName>style.visibility</p:attrName>
+                                        </p:attrNameLst>
+                                      </p:cBhvr>
+                                      <p:to>
+                                        <p:strVal val="visible"/>
+                                      </p:to>
+                                    </p:set>
+                                    <p:anim calcmode="lin" valueType="num">
+                                      <p:cBhvr additive="base">
+                                        <p:cTn id="7" dur="1000"/>
+                                        <p:tgtEl>
+                                          <p:spTgt spid="1271"/>
+                                        </p:tgtEl>
+                                        <p:attrNameLst>
+                                          <p:attrName>ppt_x</p:attrName>
+                                        </p:attrNameLst>
+                                      </p:cBhvr>
+                                      <p:tavLst>
+                                        <p:tav tm="0">
+                                          <p:val>
+                                            <p:strVal val="#ppt_x+1"/>
+                                          </p:val>
+                                        </p:tav>
+                                        <p:tav tm="100000">
+                                          <p:val>
+                                            <p:strVal val="#ppt_x"/>
+                                          </p:val>
+                                        </p:tav>
+                                      </p:tavLst>
+                                    </p:anim>
+                                  </p:childTnLst>
+                                </p:cTn>
+                              </p:par>
+                              <p:par>
+                                <p:cTn id="8" presetID="2" presetClass="entr" presetSubtype="8" fill="hold" nodeType="withEffect">
+                                  <p:stCondLst>
+                                    <p:cond delay="0"/>
+                                  </p:stCondLst>
+                                  <p:childTnLst>
+                                    <p:set>
+                                      <p:cBhvr>
+                                        <p:cTn id="9" dur="1" fill="hold">
+                                          <p:stCondLst>
+                                            <p:cond delay="0"/>
+                                          </p:stCondLst>
+                                        </p:cTn>
+                                        <p:tgtEl>
+                                          <p:spTgt spid="1272"/>
+                                        </p:tgtEl>
+                                        <p:attrNameLst>
+                                          <p:attrName>style.visibility</p:attrName>
+                                        </p:attrNameLst>
+                                      </p:cBhvr>
+                                      <p:to>
+                                        <p:strVal val="visible"/>
+                                      </p:to>
+                                    </p:set>
+                                    <p:anim calcmode="lin" valueType="num">
+                                      <p:cBhvr additive="base">
+                                        <p:cTn id="10" dur="1000"/>
+                                        <p:tgtEl>
+                                          <p:spTgt spid="1272"/>
+                                        </p:tgtEl>
+                                        <p:attrNameLst>
+                                          <p:attrName>ppt_x</p:attrName>
+                                        </p:attrNameLst>
+                                      </p:cBhvr>
+                                      <p:tavLst>
+                                        <p:tav tm="0">
+                                          <p:val>
+                                            <p:strVal val="#ppt_x-1"/>
+                                          </p:val>
+                                        </p:tav>
+                                        <p:tav tm="100000">
+                                          <p:val>
+                                            <p:strVal val="#ppt_x"/>
+                                          </p:val>
+                                        </p:tav>
+                                      </p:tavLst>
+                                    </p:anim>
+                                  </p:childTnLst>
+                                </p:cTn>
+                              </p:par>
+                            </p:childTnLst>
+                          </p:cTn>
+                        </p:par>
+                      </p:childTnLst>
+                    </p:cTn>
+                  </p:par>
+                </p:childTnLst>
+              </p:cTn>
+              <p:prevCondLst>
+                <p:cond evt="onPrev" delay="0">
+                  <p:tgtEl>
+                    <p:sldTgt/>
+                  </p:tgtEl>
+                </p:cond>
+              </p:prevCondLst>
+              <p:nextCondLst>
+                <p:cond evt="onNext" delay="0">
+                  <p:tgtEl>
+                    <p:sldTgt/>
+                  </p:tgtEl>
+                </p:cond>
+              </p:nextCondLst>
+            </p:seq>
+          </p:childTnLst>
+        </p:cTn>
+      </p:par>
+    </p:tnLst>
+  </p:timing>
+</p:sld>
+</file>
+
 <file path=ppt/slides/slide45.xml><?xml version="1.0" encoding="utf-8"?>
+<p:sld xmlns:a="http://schemas.openxmlformats.org/drawingml/2006/main" xmlns:r="http://schemas.openxmlformats.org/officeDocument/2006/relationships" xmlns:p="http://schemas.openxmlformats.org/presentationml/2006/main">
+  <p:cSld>
+    <p:spTree>
+      <p:nvGrpSpPr>
+        <p:cNvPr id="1" name="Shape 1238"/>
+        <p:cNvGrpSpPr/>
+        <p:nvPr/>
+      </p:nvGrpSpPr>
+      <p:grpSpPr>
+        <a:xfrm>
+          <a:off x="0" y="0"/>
+          <a:ext cx="0" cy="0"/>
+          <a:chOff x="0" y="0"/>
+          <a:chExt cx="0" cy="0"/>
+        </a:xfrm>
+      </p:grpSpPr>
+      <p:sp>
+        <p:nvSpPr>
+          <p:cNvPr id="1250" name="Google Shape;1250;p91"/>
+          <p:cNvSpPr txBox="1"/>
+          <p:nvPr/>
+        </p:nvSpPr>
+        <p:spPr>
+          <a:xfrm>
+            <a:off x="92947" y="-228600"/>
+            <a:ext cx="8958106" cy="4059534"/>
+          </a:xfrm>
+          <a:prstGeom prst="rect">
+            <a:avLst/>
+          </a:prstGeom>
+          <a:noFill/>
+          <a:ln>
+            <a:noFill/>
+          </a:ln>
+        </p:spPr>
+        <p:txBody>
+          <a:bodyPr spcFirstLastPara="1" wrap="square" lIns="0" tIns="91425" rIns="0" bIns="91425" anchor="ctr" anchorCtr="0">
+            <a:noAutofit/>
+          </a:bodyPr>
+          <a:lstStyle/>
+          <a:p>
+            <a:pPr algn="ctr" defTabSz="914378">
+              <a:buClr>
+                <a:srgbClr val="000000"/>
+              </a:buClr>
+            </a:pPr>
+            <a:r>
+              <a:rPr lang="en-US" sz="2100" kern="0" dirty="0">
+                <a:latin typeface="Open Sans"/>
+                <a:ea typeface="Open Sans"/>
+                <a:cs typeface="Open Sans"/>
+                <a:sym typeface="Open Sans"/>
+              </a:rPr>
+              <a:t>Verse 1</a:t>
+            </a:r>
+          </a:p>
+          <a:p>
+            <a:pPr algn="ctr" defTabSz="914378">
+              <a:buClr>
+                <a:srgbClr val="000000"/>
+              </a:buClr>
+            </a:pPr>
+            <a:r>
+              <a:rPr lang="en-US" sz="3200" kern="0" dirty="0">
+                <a:latin typeface="Open Sans"/>
+                <a:ea typeface="Open Sans"/>
+                <a:cs typeface="Open Sans"/>
+                <a:sym typeface="Open Sans"/>
+              </a:rPr>
+              <a:t>All I have because of Jesus</a:t>
+            </a:r>
+          </a:p>
+          <a:p>
+            <a:pPr algn="ctr" defTabSz="914378">
+              <a:buClr>
+                <a:srgbClr val="000000"/>
+              </a:buClr>
+            </a:pPr>
+            <a:r>
+              <a:rPr lang="en-US" sz="3200" kern="0" dirty="0">
+                <a:latin typeface="Open Sans"/>
+                <a:ea typeface="Open Sans"/>
+                <a:cs typeface="Open Sans"/>
+                <a:sym typeface="Open Sans"/>
+              </a:rPr>
+              <a:t>All this promise</a:t>
+            </a:r>
+          </a:p>
+          <a:p>
+            <a:pPr algn="ctr" defTabSz="914378">
+              <a:buClr>
+                <a:srgbClr val="000000"/>
+              </a:buClr>
+            </a:pPr>
+            <a:r>
+              <a:rPr lang="en-US" sz="3200" kern="0" dirty="0">
+                <a:latin typeface="Open Sans"/>
+                <a:ea typeface="Open Sans"/>
+                <a:cs typeface="Open Sans"/>
+                <a:sym typeface="Open Sans"/>
+              </a:rPr>
+              <a:t>Won for me</a:t>
+            </a:r>
+          </a:p>
+        </p:txBody>
+      </p:sp>
+    </p:spTree>
+  </p:cSld>
+  <p:clrMapOvr>
+    <a:masterClrMapping/>
+  </p:clrMapOvr>
+</p:sld>
+</file>
+
+<file path=ppt/slides/slide46.xml><?xml version="1.0" encoding="utf-8"?>
+<p:sld xmlns:a="http://schemas.openxmlformats.org/drawingml/2006/main" xmlns:r="http://schemas.openxmlformats.org/officeDocument/2006/relationships" xmlns:p="http://schemas.openxmlformats.org/presentationml/2006/main">
+  <p:cSld>
+    <p:spTree>
+      <p:nvGrpSpPr>
+        <p:cNvPr id="1" name="Shape 1238"/>
+        <p:cNvGrpSpPr/>
+        <p:nvPr/>
+      </p:nvGrpSpPr>
+      <p:grpSpPr>
+        <a:xfrm>
+          <a:off x="0" y="0"/>
+          <a:ext cx="0" cy="0"/>
+          <a:chOff x="0" y="0"/>
+          <a:chExt cx="0" cy="0"/>
+        </a:xfrm>
+      </p:grpSpPr>
+      <p:sp>
+        <p:nvSpPr>
+          <p:cNvPr id="1250" name="Google Shape;1250;p91"/>
+          <p:cNvSpPr txBox="1"/>
+          <p:nvPr/>
+        </p:nvSpPr>
+        <p:spPr>
+          <a:xfrm>
+            <a:off x="92947" y="-246467"/>
+            <a:ext cx="8958106" cy="4059534"/>
+          </a:xfrm>
+          <a:prstGeom prst="rect">
+            <a:avLst/>
+          </a:prstGeom>
+          <a:noFill/>
+          <a:ln>
+            <a:noFill/>
+          </a:ln>
+        </p:spPr>
+        <p:txBody>
+          <a:bodyPr spcFirstLastPara="1" wrap="square" lIns="0" tIns="91425" rIns="0" bIns="91425" anchor="ctr" anchorCtr="0">
+            <a:noAutofit/>
+          </a:bodyPr>
+          <a:lstStyle/>
+          <a:p>
+            <a:pPr algn="ctr" defTabSz="914378">
+              <a:buClr>
+                <a:srgbClr val="000000"/>
+              </a:buClr>
+            </a:pPr>
+            <a:r>
+              <a:rPr lang="en-US" sz="2100" kern="0" dirty="0">
+                <a:latin typeface="Open Sans"/>
+                <a:ea typeface="Open Sans"/>
+                <a:cs typeface="Open Sans"/>
+                <a:sym typeface="Open Sans"/>
+              </a:rPr>
+              <a:t>Verse 1</a:t>
+            </a:r>
+          </a:p>
+          <a:p>
+            <a:pPr algn="ctr" defTabSz="914378">
+              <a:buClr>
+                <a:srgbClr val="000000"/>
+              </a:buClr>
+            </a:pPr>
+            <a:r>
+              <a:rPr lang="en-US" sz="3000" kern="0" dirty="0">
+                <a:latin typeface="Open Sans"/>
+                <a:ea typeface="Open Sans"/>
+                <a:cs typeface="Open Sans"/>
+                <a:sym typeface="Open Sans"/>
+              </a:rPr>
+              <a:t>When He paid the highest ransom</a:t>
+            </a:r>
+          </a:p>
+          <a:p>
+            <a:pPr algn="ctr" defTabSz="914378">
+              <a:buClr>
+                <a:srgbClr val="000000"/>
+              </a:buClr>
+            </a:pPr>
+            <a:r>
+              <a:rPr lang="en-US" sz="3000" kern="0" dirty="0">
+                <a:latin typeface="Open Sans"/>
+                <a:ea typeface="Open Sans"/>
+                <a:cs typeface="Open Sans"/>
+                <a:sym typeface="Open Sans"/>
+              </a:rPr>
+              <a:t>Once for always</a:t>
+            </a:r>
+          </a:p>
+          <a:p>
+            <a:pPr algn="ctr" defTabSz="914378">
+              <a:buClr>
+                <a:srgbClr val="000000"/>
+              </a:buClr>
+            </a:pPr>
+            <a:r>
+              <a:rPr lang="en-US" sz="3000" kern="0" dirty="0">
+                <a:latin typeface="Open Sans"/>
+                <a:ea typeface="Open Sans"/>
+                <a:cs typeface="Open Sans"/>
+                <a:sym typeface="Open Sans"/>
+              </a:rPr>
+              <a:t>For my freedom</a:t>
+            </a:r>
+          </a:p>
+        </p:txBody>
+      </p:sp>
+    </p:spTree>
+    <p:extLst>
+      <p:ext uri="{BB962C8B-B14F-4D97-AF65-F5344CB8AC3E}">
+        <p14:creationId xmlns:p14="http://schemas.microsoft.com/office/powerpoint/2010/main" val="443946838"/>
+      </p:ext>
+    </p:extLst>
+  </p:cSld>
+  <p:clrMapOvr>
+    <a:masterClrMapping/>
+  </p:clrMapOvr>
+</p:sld>
+</file>
+
+<file path=ppt/slides/slide47.xml><?xml version="1.0" encoding="utf-8"?>
+<p:sld xmlns:a="http://schemas.openxmlformats.org/drawingml/2006/main" xmlns:r="http://schemas.openxmlformats.org/officeDocument/2006/relationships" xmlns:p="http://schemas.openxmlformats.org/presentationml/2006/main">
+  <p:cSld>
+    <p:spTree>
+      <p:nvGrpSpPr>
+        <p:cNvPr id="1" name="Shape 1238"/>
+        <p:cNvGrpSpPr/>
+        <p:nvPr/>
+      </p:nvGrpSpPr>
+      <p:grpSpPr>
+        <a:xfrm>
+          <a:off x="0" y="0"/>
+          <a:ext cx="0" cy="0"/>
+          <a:chOff x="0" y="0"/>
+          <a:chExt cx="0" cy="0"/>
+        </a:xfrm>
+      </p:grpSpPr>
+      <p:sp>
+        <p:nvSpPr>
+          <p:cNvPr id="1250" name="Google Shape;1250;p91"/>
+          <p:cNvSpPr txBox="1"/>
+          <p:nvPr/>
+        </p:nvSpPr>
+        <p:spPr>
+          <a:xfrm>
+            <a:off x="455895" y="398109"/>
+            <a:ext cx="8232211" cy="2974312"/>
+          </a:xfrm>
+          <a:prstGeom prst="rect">
+            <a:avLst/>
+          </a:prstGeom>
+          <a:noFill/>
+          <a:ln>
+            <a:noFill/>
+          </a:ln>
+        </p:spPr>
+        <p:txBody>
+          <a:bodyPr spcFirstLastPara="1" wrap="square" lIns="0" tIns="91425" rIns="0" bIns="91425" anchor="ctr" anchorCtr="0">
+            <a:noAutofit/>
+          </a:bodyPr>
+          <a:lstStyle/>
+          <a:p>
+            <a:pPr algn="ctr" defTabSz="914378">
+              <a:buClr>
+                <a:srgbClr val="000000"/>
+              </a:buClr>
+            </a:pPr>
+            <a:r>
+              <a:rPr lang="en-US" sz="2400" kern="0" dirty="0">
+                <a:latin typeface="Open Sans"/>
+                <a:ea typeface="Open Sans"/>
+                <a:cs typeface="Open Sans"/>
+                <a:sym typeface="Open Sans"/>
+              </a:rPr>
+              <a:t>Chorus</a:t>
+            </a:r>
+            <a:r>
+              <a:rPr lang="en-US" sz="3200" kern="0" dirty="0">
+                <a:latin typeface="Open Sans"/>
+                <a:ea typeface="Open Sans"/>
+                <a:cs typeface="Open Sans"/>
+                <a:sym typeface="Open Sans"/>
+              </a:rPr>
+              <a:t> </a:t>
+            </a:r>
+          </a:p>
+          <a:p>
+            <a:pPr algn="ctr" defTabSz="914378">
+              <a:buClr>
+                <a:srgbClr val="000000"/>
+              </a:buClr>
+            </a:pPr>
+            <a:r>
+              <a:rPr lang="en-US" sz="3200" kern="0" dirty="0">
+                <a:latin typeface="Open Sans"/>
+                <a:ea typeface="Open Sans"/>
+                <a:cs typeface="Open Sans"/>
+                <a:sym typeface="Open Sans"/>
+              </a:rPr>
+              <a:t>I will boast in Christ alone</a:t>
+            </a:r>
+          </a:p>
+          <a:p>
+            <a:pPr algn="ctr" defTabSz="914378">
+              <a:buClr>
+                <a:srgbClr val="000000"/>
+              </a:buClr>
+            </a:pPr>
+            <a:r>
+              <a:rPr lang="en-US" sz="3200" kern="0" dirty="0">
+                <a:latin typeface="Open Sans"/>
+                <a:ea typeface="Open Sans"/>
+                <a:cs typeface="Open Sans"/>
+                <a:sym typeface="Open Sans"/>
+              </a:rPr>
+              <a:t>His righteousness</a:t>
+            </a:r>
+          </a:p>
+          <a:p>
+            <a:pPr algn="ctr" defTabSz="914378">
+              <a:buClr>
+                <a:srgbClr val="000000"/>
+              </a:buClr>
+            </a:pPr>
+            <a:r>
+              <a:rPr lang="en-US" sz="3200" kern="0" dirty="0">
+                <a:latin typeface="Open Sans"/>
+                <a:ea typeface="Open Sans"/>
+                <a:cs typeface="Open Sans"/>
+                <a:sym typeface="Open Sans"/>
+              </a:rPr>
+              <a:t>and not my own</a:t>
+            </a:r>
+          </a:p>
+        </p:txBody>
+      </p:sp>
+    </p:spTree>
+    <p:extLst>
+      <p:ext uri="{BB962C8B-B14F-4D97-AF65-F5344CB8AC3E}">
+        <p14:creationId xmlns:p14="http://schemas.microsoft.com/office/powerpoint/2010/main" val="2968797626"/>
+      </p:ext>
+    </p:extLst>
+  </p:cSld>
+  <p:clrMapOvr>
+    <a:masterClrMapping/>
+  </p:clrMapOvr>
+</p:sld>
+</file>
+
+<file path=ppt/slides/slide48.xml><?xml version="1.0" encoding="utf-8"?>
+<p:sld xmlns:a="http://schemas.openxmlformats.org/drawingml/2006/main" xmlns:r="http://schemas.openxmlformats.org/officeDocument/2006/relationships" xmlns:p="http://schemas.openxmlformats.org/presentationml/2006/main">
+  <p:cSld>
+    <p:spTree>
+      <p:nvGrpSpPr>
+        <p:cNvPr id="1" name="Shape 1238"/>
+        <p:cNvGrpSpPr/>
+        <p:nvPr/>
+      </p:nvGrpSpPr>
+      <p:grpSpPr>
+        <a:xfrm>
+          <a:off x="0" y="0"/>
+          <a:ext cx="0" cy="0"/>
+          <a:chOff x="0" y="0"/>
+          <a:chExt cx="0" cy="0"/>
+        </a:xfrm>
+      </p:grpSpPr>
+      <p:sp>
+        <p:nvSpPr>
+          <p:cNvPr id="1250" name="Google Shape;1250;p91"/>
+          <p:cNvSpPr txBox="1"/>
+          <p:nvPr/>
+        </p:nvSpPr>
+        <p:spPr>
+          <a:xfrm>
+            <a:off x="455895" y="476040"/>
+            <a:ext cx="8232211" cy="2974312"/>
+          </a:xfrm>
+          <a:prstGeom prst="rect">
+            <a:avLst/>
+          </a:prstGeom>
+          <a:noFill/>
+          <a:ln>
+            <a:noFill/>
+          </a:ln>
+        </p:spPr>
+        <p:txBody>
+          <a:bodyPr spcFirstLastPara="1" wrap="square" lIns="0" tIns="91425" rIns="0" bIns="91425" anchor="ctr" anchorCtr="0">
+            <a:noAutofit/>
+          </a:bodyPr>
+          <a:lstStyle/>
+          <a:p>
+            <a:pPr algn="ctr" defTabSz="914378">
+              <a:buClr>
+                <a:srgbClr val="000000"/>
+              </a:buClr>
+            </a:pPr>
+            <a:r>
+              <a:rPr lang="en-US" sz="2400" kern="0" dirty="0">
+                <a:latin typeface="Open Sans"/>
+                <a:ea typeface="Open Sans"/>
+                <a:cs typeface="Open Sans"/>
+                <a:sym typeface="Open Sans"/>
+              </a:rPr>
+              <a:t>Chorus</a:t>
+            </a:r>
+            <a:r>
+              <a:rPr lang="en-US" sz="3200" kern="0" dirty="0">
+                <a:latin typeface="Open Sans"/>
+                <a:ea typeface="Open Sans"/>
+                <a:cs typeface="Open Sans"/>
+                <a:sym typeface="Open Sans"/>
+              </a:rPr>
+              <a:t> </a:t>
+            </a:r>
+          </a:p>
+          <a:p>
+            <a:pPr algn="ctr" defTabSz="914378">
+              <a:buClr>
+                <a:srgbClr val="000000"/>
+              </a:buClr>
+            </a:pPr>
+            <a:r>
+              <a:rPr lang="en-US" sz="3200" kern="0" dirty="0">
+                <a:latin typeface="Open Sans"/>
+                <a:ea typeface="Open Sans"/>
+                <a:cs typeface="Open Sans"/>
+                <a:sym typeface="Open Sans"/>
+              </a:rPr>
+              <a:t>I will cling to Christ my hope</a:t>
+            </a:r>
+          </a:p>
+          <a:p>
+            <a:pPr algn="ctr" defTabSz="914378">
+              <a:buClr>
+                <a:srgbClr val="000000"/>
+              </a:buClr>
+            </a:pPr>
+            <a:r>
+              <a:rPr lang="en-US" sz="3200" kern="0" dirty="0">
+                <a:latin typeface="Open Sans"/>
+                <a:ea typeface="Open Sans"/>
+                <a:cs typeface="Open Sans"/>
+                <a:sym typeface="Open Sans"/>
+              </a:rPr>
+              <a:t>His mercy reigns</a:t>
+            </a:r>
+          </a:p>
+          <a:p>
+            <a:pPr algn="ctr" defTabSz="914378">
+              <a:buClr>
+                <a:srgbClr val="000000"/>
+              </a:buClr>
+            </a:pPr>
+            <a:r>
+              <a:rPr lang="en-US" sz="3200" kern="0" dirty="0">
+                <a:latin typeface="Open Sans"/>
+                <a:ea typeface="Open Sans"/>
+                <a:cs typeface="Open Sans"/>
+                <a:sym typeface="Open Sans"/>
+              </a:rPr>
+              <a:t>now and forever</a:t>
+            </a:r>
+          </a:p>
+        </p:txBody>
+      </p:sp>
+    </p:spTree>
+    <p:extLst>
+      <p:ext uri="{BB962C8B-B14F-4D97-AF65-F5344CB8AC3E}">
+        <p14:creationId xmlns:p14="http://schemas.microsoft.com/office/powerpoint/2010/main" val="3163422812"/>
+      </p:ext>
+    </p:extLst>
+  </p:cSld>
+  <p:clrMapOvr>
+    <a:masterClrMapping/>
+  </p:clrMapOvr>
+</p:sld>
+</file>
+
+<file path=ppt/slides/slide49.xml><?xml version="1.0" encoding="utf-8"?>
+<p:sld xmlns:a="http://schemas.openxmlformats.org/drawingml/2006/main" xmlns:r="http://schemas.openxmlformats.org/officeDocument/2006/relationships" xmlns:p="http://schemas.openxmlformats.org/presentationml/2006/main">
+  <p:cSld>
+    <p:spTree>
+      <p:nvGrpSpPr>
+        <p:cNvPr id="1" name="Shape 1238"/>
+        <p:cNvGrpSpPr/>
+        <p:nvPr/>
+      </p:nvGrpSpPr>
+      <p:grpSpPr>
+        <a:xfrm>
+          <a:off x="0" y="0"/>
+          <a:ext cx="0" cy="0"/>
+          <a:chOff x="0" y="0"/>
+          <a:chExt cx="0" cy="0"/>
+        </a:xfrm>
+      </p:grpSpPr>
+      <p:sp>
+        <p:nvSpPr>
+          <p:cNvPr id="1250" name="Google Shape;1250;p91"/>
+          <p:cNvSpPr txBox="1"/>
+          <p:nvPr/>
+        </p:nvSpPr>
+        <p:spPr>
+          <a:xfrm>
+            <a:off x="92948" y="-296427"/>
+            <a:ext cx="8958106" cy="4059534"/>
+          </a:xfrm>
+          <a:prstGeom prst="rect">
+            <a:avLst/>
+          </a:prstGeom>
+          <a:noFill/>
+          <a:ln>
+            <a:noFill/>
+          </a:ln>
+        </p:spPr>
+        <p:txBody>
+          <a:bodyPr spcFirstLastPara="1" wrap="square" lIns="0" tIns="91425" rIns="0" bIns="91425" anchor="ctr" anchorCtr="0">
+            <a:noAutofit/>
+          </a:bodyPr>
+          <a:lstStyle/>
+          <a:p>
+            <a:pPr algn="ctr" defTabSz="914378">
+              <a:buClr>
+                <a:srgbClr val="000000"/>
+              </a:buClr>
+            </a:pPr>
+            <a:r>
+              <a:rPr lang="en-US" sz="2400" kern="0" dirty="0">
+                <a:latin typeface="Open Sans"/>
+                <a:ea typeface="Open Sans"/>
+                <a:cs typeface="Open Sans"/>
+                <a:sym typeface="Open Sans"/>
+              </a:rPr>
+              <a:t>Verse 2</a:t>
+            </a:r>
+          </a:p>
+          <a:p>
+            <a:pPr algn="ctr" defTabSz="914378">
+              <a:buClr>
+                <a:srgbClr val="000000"/>
+              </a:buClr>
+            </a:pPr>
+            <a:r>
+              <a:rPr lang="en-US" sz="3200" kern="0" dirty="0">
+                <a:latin typeface="Open Sans"/>
+                <a:ea typeface="Open Sans"/>
+                <a:cs typeface="Open Sans"/>
+                <a:sym typeface="Open Sans"/>
+              </a:rPr>
+              <a:t>Love will never lose its power</a:t>
+            </a:r>
+          </a:p>
+          <a:p>
+            <a:pPr algn="ctr" defTabSz="914378">
+              <a:buClr>
+                <a:srgbClr val="000000"/>
+              </a:buClr>
+            </a:pPr>
+            <a:r>
+              <a:rPr lang="en-US" sz="3200" kern="0" dirty="0">
+                <a:latin typeface="Open Sans"/>
+                <a:ea typeface="Open Sans"/>
+                <a:cs typeface="Open Sans"/>
+                <a:sym typeface="Open Sans"/>
+              </a:rPr>
+              <a:t>All my failures</a:t>
+            </a:r>
+          </a:p>
+          <a:p>
+            <a:pPr algn="ctr" defTabSz="914378">
+              <a:buClr>
+                <a:srgbClr val="000000"/>
+              </a:buClr>
+            </a:pPr>
+            <a:r>
+              <a:rPr lang="en-US" sz="3200" kern="0" dirty="0">
+                <a:latin typeface="Open Sans"/>
+                <a:ea typeface="Open Sans"/>
+                <a:cs typeface="Open Sans"/>
+                <a:sym typeface="Open Sans"/>
+              </a:rPr>
+              <a:t>Could not erase</a:t>
+            </a:r>
+          </a:p>
+        </p:txBody>
+      </p:sp>
+    </p:spTree>
+    <p:extLst>
+      <p:ext uri="{BB962C8B-B14F-4D97-AF65-F5344CB8AC3E}">
+        <p14:creationId xmlns:p14="http://schemas.microsoft.com/office/powerpoint/2010/main" val="2553823526"/>
+      </p:ext>
+    </p:extLst>
+  </p:cSld>
+  <p:clrMapOvr>
+    <a:masterClrMapping/>
+  </p:clrMapOvr>
+</p:sld>
+</file>
+
+<file path=ppt/slides/slide5.xml><?xml version="1.0" encoding="utf-8"?>
+<p:sld xmlns:a="http://schemas.openxmlformats.org/drawingml/2006/main" xmlns:r="http://schemas.openxmlformats.org/officeDocument/2006/relationships" xmlns:p="http://schemas.openxmlformats.org/presentationml/2006/main">
+  <p:cSld>
+    <p:spTree>
+      <p:nvGrpSpPr>
+        <p:cNvPr id="1" name="Shape 1062"/>
+        <p:cNvGrpSpPr/>
+        <p:nvPr/>
+      </p:nvGrpSpPr>
+      <p:grpSpPr>
+        <a:xfrm>
+          <a:off x="0" y="0"/>
+          <a:ext cx="0" cy="0"/>
+          <a:chOff x="0" y="0"/>
+          <a:chExt cx="0" cy="0"/>
+        </a:xfrm>
+      </p:grpSpPr>
+      <p:sp>
+        <p:nvSpPr>
+          <p:cNvPr id="1072" name="Google Shape;1072;p77"/>
+          <p:cNvSpPr txBox="1">
+            <a:spLocks noGrp="1"/>
+          </p:cNvSpPr>
+          <p:nvPr>
+            <p:ph type="subTitle" idx="1"/>
+          </p:nvPr>
+        </p:nvSpPr>
+        <p:spPr>
+          <a:xfrm>
+            <a:off x="228601" y="277239"/>
+            <a:ext cx="8701391" cy="4649822"/>
+          </a:xfrm>
+          <a:prstGeom prst="rect">
+            <a:avLst/>
+          </a:prstGeom>
+        </p:spPr>
+        <p:txBody>
+          <a:bodyPr spcFirstLastPara="1" vert="horz" wrap="square" lIns="91425" tIns="91425" rIns="91425" bIns="91425" rtlCol="0" anchor="t" anchorCtr="0">
+            <a:noAutofit/>
+          </a:bodyPr>
+          <a:lstStyle/>
+          <a:p>
+            <a:pPr marL="0" indent="0"/>
+            <a:r>
+              <a:rPr lang="en-US" sz="3200" dirty="0"/>
+              <a:t>Verse 1 </a:t>
+            </a:r>
+          </a:p>
+          <a:p>
+            <a:pPr marL="0" indent="0"/>
+            <a:r>
+              <a:rPr lang="en-US" sz="3200" dirty="0"/>
+              <a:t>Savior I come</a:t>
+            </a:r>
+          </a:p>
+          <a:p>
+            <a:pPr marL="0" indent="0"/>
+            <a:r>
+              <a:rPr lang="en-US" sz="3200" dirty="0"/>
+              <a:t>Quiet my soul, remember</a:t>
+            </a:r>
+          </a:p>
+          <a:p>
+            <a:pPr marL="0" indent="0"/>
+            <a:r>
+              <a:rPr lang="en-US" sz="3200" dirty="0"/>
+              <a:t>Redemption's hill</a:t>
+            </a:r>
+          </a:p>
+          <a:p>
+            <a:pPr marL="0" indent="0"/>
+            <a:r>
+              <a:rPr lang="en-US" sz="3200" dirty="0"/>
+              <a:t>Where Your blood was spilled</a:t>
+            </a:r>
+          </a:p>
+          <a:p>
+            <a:pPr marL="0" indent="0"/>
+            <a:r>
+              <a:rPr lang="en-US" sz="3200" dirty="0"/>
+              <a:t>For my ransom</a:t>
+            </a:r>
+            <a:endParaRPr dirty="0"/>
+          </a:p>
+        </p:txBody>
+      </p:sp>
+    </p:spTree>
+  </p:cSld>
+  <p:clrMapOvr>
+    <a:masterClrMapping/>
+  </p:clrMapOvr>
+</p:sld>
+</file>
+
+<file path=ppt/slides/slide50.xml><?xml version="1.0" encoding="utf-8"?>
+<p:sld xmlns:a="http://schemas.openxmlformats.org/drawingml/2006/main" xmlns:r="http://schemas.openxmlformats.org/officeDocument/2006/relationships" xmlns:p="http://schemas.openxmlformats.org/presentationml/2006/main">
+  <p:cSld>
+    <p:spTree>
+      <p:nvGrpSpPr>
+        <p:cNvPr id="1" name="Shape 1238"/>
+        <p:cNvGrpSpPr/>
+        <p:nvPr/>
+      </p:nvGrpSpPr>
+      <p:grpSpPr>
+        <a:xfrm>
+          <a:off x="0" y="0"/>
+          <a:ext cx="0" cy="0"/>
+          <a:chOff x="0" y="0"/>
+          <a:chExt cx="0" cy="0"/>
+        </a:xfrm>
+      </p:grpSpPr>
+      <p:sp>
+        <p:nvSpPr>
+          <p:cNvPr id="1250" name="Google Shape;1250;p91"/>
+          <p:cNvSpPr txBox="1"/>
+          <p:nvPr/>
+        </p:nvSpPr>
+        <p:spPr>
+          <a:xfrm>
+            <a:off x="455895" y="359142"/>
+            <a:ext cx="8232211" cy="2974312"/>
+          </a:xfrm>
+          <a:prstGeom prst="rect">
+            <a:avLst/>
+          </a:prstGeom>
+          <a:noFill/>
+          <a:ln>
+            <a:noFill/>
+          </a:ln>
+        </p:spPr>
+        <p:txBody>
+          <a:bodyPr spcFirstLastPara="1" wrap="square" lIns="0" tIns="91425" rIns="0" bIns="91425" anchor="ctr" anchorCtr="0">
+            <a:noAutofit/>
+          </a:bodyPr>
+          <a:lstStyle/>
+          <a:p>
+            <a:pPr algn="ctr" defTabSz="914378">
+              <a:buClr>
+                <a:srgbClr val="000000"/>
+              </a:buClr>
+            </a:pPr>
+            <a:r>
+              <a:rPr lang="en-US" sz="2400" kern="0" dirty="0">
+                <a:latin typeface="Open Sans"/>
+                <a:ea typeface="Open Sans"/>
+                <a:cs typeface="Open Sans"/>
+                <a:sym typeface="Open Sans"/>
+              </a:rPr>
+              <a:t>Verse 2</a:t>
+            </a:r>
+            <a:endParaRPr lang="en-US" sz="3200" kern="0" dirty="0">
+              <a:latin typeface="Open Sans"/>
+              <a:ea typeface="Open Sans"/>
+              <a:cs typeface="Open Sans"/>
+              <a:sym typeface="Open Sans"/>
+            </a:endParaRPr>
+          </a:p>
+          <a:p>
+            <a:pPr algn="ctr" defTabSz="914378">
+              <a:buClr>
+                <a:srgbClr val="000000"/>
+              </a:buClr>
+            </a:pPr>
+            <a:r>
+              <a:rPr lang="en-US" sz="3000" kern="0" dirty="0">
+                <a:latin typeface="Open Sans"/>
+                <a:ea typeface="Open Sans"/>
+                <a:cs typeface="Open Sans"/>
+                <a:sym typeface="Open Sans"/>
+              </a:rPr>
+              <a:t>Now I walk within Your </a:t>
+            </a:r>
+            <a:r>
+              <a:rPr lang="en-US" sz="3000" kern="0" dirty="0" err="1">
+                <a:latin typeface="Open Sans"/>
+                <a:ea typeface="Open Sans"/>
+                <a:cs typeface="Open Sans"/>
+                <a:sym typeface="Open Sans"/>
+              </a:rPr>
+              <a:t>favour</a:t>
+            </a:r>
+            <a:endParaRPr lang="en-US" sz="3000" kern="0" dirty="0">
+              <a:latin typeface="Open Sans"/>
+              <a:ea typeface="Open Sans"/>
+              <a:cs typeface="Open Sans"/>
+              <a:sym typeface="Open Sans"/>
+            </a:endParaRPr>
+          </a:p>
+          <a:p>
+            <a:pPr algn="ctr" defTabSz="914378">
+              <a:buClr>
+                <a:srgbClr val="000000"/>
+              </a:buClr>
+            </a:pPr>
+            <a:r>
+              <a:rPr lang="en-US" sz="3000" kern="0" dirty="0">
+                <a:latin typeface="Open Sans"/>
+                <a:ea typeface="Open Sans"/>
+                <a:cs typeface="Open Sans"/>
+                <a:sym typeface="Open Sans"/>
+              </a:rPr>
+              <a:t>Grace unending</a:t>
+            </a:r>
+          </a:p>
+          <a:p>
+            <a:pPr algn="ctr" defTabSz="914378">
+              <a:buClr>
+                <a:srgbClr val="000000"/>
+              </a:buClr>
+            </a:pPr>
+            <a:r>
+              <a:rPr lang="en-US" sz="3000" kern="0" dirty="0">
+                <a:latin typeface="Open Sans"/>
+                <a:ea typeface="Open Sans"/>
+                <a:cs typeface="Open Sans"/>
+                <a:sym typeface="Open Sans"/>
+              </a:rPr>
+              <a:t>My salvation</a:t>
+            </a:r>
+            <a:endParaRPr lang="en-US" sz="3200" kern="0" dirty="0">
+              <a:latin typeface="Open Sans"/>
+              <a:ea typeface="Open Sans"/>
+              <a:cs typeface="Open Sans"/>
+              <a:sym typeface="Open Sans"/>
+            </a:endParaRPr>
+          </a:p>
+        </p:txBody>
+      </p:sp>
+    </p:spTree>
+    <p:extLst>
+      <p:ext uri="{BB962C8B-B14F-4D97-AF65-F5344CB8AC3E}">
+        <p14:creationId xmlns:p14="http://schemas.microsoft.com/office/powerpoint/2010/main" val="2572451390"/>
+      </p:ext>
+    </p:extLst>
+  </p:cSld>
+  <p:clrMapOvr>
+    <a:masterClrMapping/>
+  </p:clrMapOvr>
+</p:sld>
+</file>
+
+<file path=ppt/slides/slide51.xml><?xml version="1.0" encoding="utf-8"?>
+<p:sld xmlns:a="http://schemas.openxmlformats.org/drawingml/2006/main" xmlns:r="http://schemas.openxmlformats.org/officeDocument/2006/relationships" xmlns:p="http://schemas.openxmlformats.org/presentationml/2006/main">
+  <p:cSld>
+    <p:spTree>
+      <p:nvGrpSpPr>
+        <p:cNvPr id="1" name="Shape 1238"/>
+        <p:cNvGrpSpPr/>
+        <p:nvPr/>
+      </p:nvGrpSpPr>
+      <p:grpSpPr>
+        <a:xfrm>
+          <a:off x="0" y="0"/>
+          <a:ext cx="0" cy="0"/>
+          <a:chOff x="0" y="0"/>
+          <a:chExt cx="0" cy="0"/>
+        </a:xfrm>
+      </p:grpSpPr>
+      <p:sp>
+        <p:nvSpPr>
+          <p:cNvPr id="1250" name="Google Shape;1250;p91"/>
+          <p:cNvSpPr txBox="1"/>
+          <p:nvPr/>
+        </p:nvSpPr>
+        <p:spPr>
+          <a:xfrm>
+            <a:off x="455895" y="398109"/>
+            <a:ext cx="8232211" cy="2974312"/>
+          </a:xfrm>
+          <a:prstGeom prst="rect">
+            <a:avLst/>
+          </a:prstGeom>
+          <a:noFill/>
+          <a:ln>
+            <a:noFill/>
+          </a:ln>
+        </p:spPr>
+        <p:txBody>
+          <a:bodyPr spcFirstLastPara="1" wrap="square" lIns="0" tIns="91425" rIns="0" bIns="91425" anchor="ctr" anchorCtr="0">
+            <a:noAutofit/>
+          </a:bodyPr>
+          <a:lstStyle/>
+          <a:p>
+            <a:pPr algn="ctr" defTabSz="914378">
+              <a:buClr>
+                <a:srgbClr val="000000"/>
+              </a:buClr>
+            </a:pPr>
+            <a:r>
+              <a:rPr lang="en-US" sz="2400" kern="0" dirty="0">
+                <a:latin typeface="Open Sans"/>
+                <a:ea typeface="Open Sans"/>
+                <a:cs typeface="Open Sans"/>
+                <a:sym typeface="Open Sans"/>
+              </a:rPr>
+              <a:t>Chorus</a:t>
+            </a:r>
+            <a:r>
+              <a:rPr lang="en-US" sz="3200" kern="0" dirty="0">
+                <a:latin typeface="Open Sans"/>
+                <a:ea typeface="Open Sans"/>
+                <a:cs typeface="Open Sans"/>
+                <a:sym typeface="Open Sans"/>
+              </a:rPr>
+              <a:t> </a:t>
+            </a:r>
+          </a:p>
+          <a:p>
+            <a:pPr algn="ctr" defTabSz="914378">
+              <a:buClr>
+                <a:srgbClr val="000000"/>
+              </a:buClr>
+            </a:pPr>
+            <a:r>
+              <a:rPr lang="en-US" sz="3200" kern="0" dirty="0">
+                <a:latin typeface="Open Sans"/>
+                <a:ea typeface="Open Sans"/>
+                <a:cs typeface="Open Sans"/>
+                <a:sym typeface="Open Sans"/>
+              </a:rPr>
+              <a:t>I will boast in Christ alone</a:t>
+            </a:r>
+          </a:p>
+          <a:p>
+            <a:pPr algn="ctr" defTabSz="914378">
+              <a:buClr>
+                <a:srgbClr val="000000"/>
+              </a:buClr>
+            </a:pPr>
+            <a:r>
+              <a:rPr lang="en-US" sz="3200" kern="0" dirty="0">
+                <a:latin typeface="Open Sans"/>
+                <a:ea typeface="Open Sans"/>
+                <a:cs typeface="Open Sans"/>
+                <a:sym typeface="Open Sans"/>
+              </a:rPr>
+              <a:t>His righteousness</a:t>
+            </a:r>
+          </a:p>
+          <a:p>
+            <a:pPr algn="ctr" defTabSz="914378">
+              <a:buClr>
+                <a:srgbClr val="000000"/>
+              </a:buClr>
+            </a:pPr>
+            <a:r>
+              <a:rPr lang="en-US" sz="3200" kern="0" dirty="0">
+                <a:latin typeface="Open Sans"/>
+                <a:ea typeface="Open Sans"/>
+                <a:cs typeface="Open Sans"/>
+                <a:sym typeface="Open Sans"/>
+              </a:rPr>
+              <a:t>and not my own</a:t>
+            </a:r>
+          </a:p>
+        </p:txBody>
+      </p:sp>
+    </p:spTree>
+    <p:extLst>
+      <p:ext uri="{BB962C8B-B14F-4D97-AF65-F5344CB8AC3E}">
+        <p14:creationId xmlns:p14="http://schemas.microsoft.com/office/powerpoint/2010/main" val="2446704036"/>
+      </p:ext>
+    </p:extLst>
+  </p:cSld>
+  <p:clrMapOvr>
+    <a:masterClrMapping/>
+  </p:clrMapOvr>
+</p:sld>
+</file>
+
+<file path=ppt/slides/slide52.xml><?xml version="1.0" encoding="utf-8"?>
+<p:sld xmlns:a="http://schemas.openxmlformats.org/drawingml/2006/main" xmlns:r="http://schemas.openxmlformats.org/officeDocument/2006/relationships" xmlns:p="http://schemas.openxmlformats.org/presentationml/2006/main">
+  <p:cSld>
+    <p:spTree>
+      <p:nvGrpSpPr>
+        <p:cNvPr id="1" name="Shape 1238"/>
+        <p:cNvGrpSpPr/>
+        <p:nvPr/>
+      </p:nvGrpSpPr>
+      <p:grpSpPr>
+        <a:xfrm>
+          <a:off x="0" y="0"/>
+          <a:ext cx="0" cy="0"/>
+          <a:chOff x="0" y="0"/>
+          <a:chExt cx="0" cy="0"/>
+        </a:xfrm>
+      </p:grpSpPr>
+      <p:sp>
+        <p:nvSpPr>
+          <p:cNvPr id="1250" name="Google Shape;1250;p91"/>
+          <p:cNvSpPr txBox="1"/>
+          <p:nvPr/>
+        </p:nvSpPr>
+        <p:spPr>
+          <a:xfrm>
+            <a:off x="455895" y="476040"/>
+            <a:ext cx="8232211" cy="2974312"/>
+          </a:xfrm>
+          <a:prstGeom prst="rect">
+            <a:avLst/>
+          </a:prstGeom>
+          <a:noFill/>
+          <a:ln>
+            <a:noFill/>
+          </a:ln>
+        </p:spPr>
+        <p:txBody>
+          <a:bodyPr spcFirstLastPara="1" wrap="square" lIns="0" tIns="91425" rIns="0" bIns="91425" anchor="ctr" anchorCtr="0">
+            <a:noAutofit/>
+          </a:bodyPr>
+          <a:lstStyle/>
+          <a:p>
+            <a:pPr algn="ctr" defTabSz="914378">
+              <a:buClr>
+                <a:srgbClr val="000000"/>
+              </a:buClr>
+            </a:pPr>
+            <a:r>
+              <a:rPr lang="en-US" sz="2400" kern="0" dirty="0">
+                <a:latin typeface="Open Sans"/>
+                <a:ea typeface="Open Sans"/>
+                <a:cs typeface="Open Sans"/>
+                <a:sym typeface="Open Sans"/>
+              </a:rPr>
+              <a:t>Chorus</a:t>
+            </a:r>
+            <a:r>
+              <a:rPr lang="en-US" sz="3200" kern="0" dirty="0">
+                <a:latin typeface="Open Sans"/>
+                <a:ea typeface="Open Sans"/>
+                <a:cs typeface="Open Sans"/>
+                <a:sym typeface="Open Sans"/>
+              </a:rPr>
+              <a:t> </a:t>
+            </a:r>
+          </a:p>
+          <a:p>
+            <a:pPr algn="ctr" defTabSz="914378">
+              <a:buClr>
+                <a:srgbClr val="000000"/>
+              </a:buClr>
+            </a:pPr>
+            <a:r>
+              <a:rPr lang="en-US" sz="3200" kern="0" dirty="0">
+                <a:latin typeface="Open Sans"/>
+                <a:ea typeface="Open Sans"/>
+                <a:cs typeface="Open Sans"/>
+                <a:sym typeface="Open Sans"/>
+              </a:rPr>
+              <a:t>I will cling to Christ my hope</a:t>
+            </a:r>
+          </a:p>
+          <a:p>
+            <a:pPr algn="ctr" defTabSz="914378">
+              <a:buClr>
+                <a:srgbClr val="000000"/>
+              </a:buClr>
+            </a:pPr>
+            <a:r>
+              <a:rPr lang="en-US" sz="3200" kern="0" dirty="0">
+                <a:latin typeface="Open Sans"/>
+                <a:ea typeface="Open Sans"/>
+                <a:cs typeface="Open Sans"/>
+                <a:sym typeface="Open Sans"/>
+              </a:rPr>
+              <a:t>His mercy reigns</a:t>
+            </a:r>
+          </a:p>
+          <a:p>
+            <a:pPr algn="ctr" defTabSz="914378">
+              <a:buClr>
+                <a:srgbClr val="000000"/>
+              </a:buClr>
+            </a:pPr>
+            <a:r>
+              <a:rPr lang="en-US" sz="3200" kern="0" dirty="0">
+                <a:latin typeface="Open Sans"/>
+                <a:ea typeface="Open Sans"/>
+                <a:cs typeface="Open Sans"/>
+                <a:sym typeface="Open Sans"/>
+              </a:rPr>
+              <a:t>Now and forever</a:t>
+            </a:r>
+          </a:p>
+        </p:txBody>
+      </p:sp>
+    </p:spTree>
+    <p:extLst>
+      <p:ext uri="{BB962C8B-B14F-4D97-AF65-F5344CB8AC3E}">
+        <p14:creationId xmlns:p14="http://schemas.microsoft.com/office/powerpoint/2010/main" val="917429806"/>
+      </p:ext>
+    </p:extLst>
+  </p:cSld>
+  <p:clrMapOvr>
+    <a:masterClrMapping/>
+  </p:clrMapOvr>
+</p:sld>
+</file>
+
+<file path=ppt/slides/slide53.xml><?xml version="1.0" encoding="utf-8"?>
+<p:sld xmlns:a="http://schemas.openxmlformats.org/drawingml/2006/main" xmlns:r="http://schemas.openxmlformats.org/officeDocument/2006/relationships" xmlns:p="http://schemas.openxmlformats.org/presentationml/2006/main">
+  <p:cSld>
+    <p:spTree>
+      <p:nvGrpSpPr>
+        <p:cNvPr id="1" name="Shape 1238"/>
+        <p:cNvGrpSpPr/>
+        <p:nvPr/>
+      </p:nvGrpSpPr>
+      <p:grpSpPr>
+        <a:xfrm>
+          <a:off x="0" y="0"/>
+          <a:ext cx="0" cy="0"/>
+          <a:chOff x="0" y="0"/>
+          <a:chExt cx="0" cy="0"/>
+        </a:xfrm>
+      </p:grpSpPr>
+      <p:sp>
+        <p:nvSpPr>
+          <p:cNvPr id="1250" name="Google Shape;1250;p91"/>
+          <p:cNvSpPr txBox="1"/>
+          <p:nvPr/>
+        </p:nvSpPr>
+        <p:spPr>
+          <a:xfrm>
+            <a:off x="455895" y="649569"/>
+            <a:ext cx="8232211" cy="2974312"/>
+          </a:xfrm>
+          <a:prstGeom prst="rect">
+            <a:avLst/>
+          </a:prstGeom>
+          <a:noFill/>
+          <a:ln>
+            <a:noFill/>
+          </a:ln>
+        </p:spPr>
+        <p:txBody>
+          <a:bodyPr spcFirstLastPara="1" wrap="square" lIns="0" tIns="91425" rIns="0" bIns="91425" anchor="ctr" anchorCtr="0">
+            <a:noAutofit/>
+          </a:bodyPr>
+          <a:lstStyle/>
+          <a:p>
+            <a:pPr algn="ctr" defTabSz="914378">
+              <a:buClr>
+                <a:srgbClr val="000000"/>
+              </a:buClr>
+            </a:pPr>
+            <a:r>
+              <a:rPr lang="en-US" sz="2400" kern="0" dirty="0">
+                <a:latin typeface="Open Sans"/>
+                <a:ea typeface="Open Sans"/>
+                <a:cs typeface="Open Sans"/>
+                <a:sym typeface="Open Sans"/>
+              </a:rPr>
+              <a:t>Bridge</a:t>
+            </a:r>
+            <a:r>
+              <a:rPr lang="en-US" sz="3200" kern="0" dirty="0">
+                <a:latin typeface="Open Sans"/>
+                <a:ea typeface="Open Sans"/>
+                <a:cs typeface="Open Sans"/>
+                <a:sym typeface="Open Sans"/>
+              </a:rPr>
+              <a:t> </a:t>
+            </a:r>
+          </a:p>
+          <a:p>
+            <a:pPr algn="ctr" defTabSz="914378">
+              <a:buClr>
+                <a:srgbClr val="000000"/>
+              </a:buClr>
+            </a:pPr>
+            <a:r>
+              <a:rPr lang="en-US" sz="3200" kern="0" dirty="0">
+                <a:latin typeface="Open Sans"/>
+                <a:ea typeface="Open Sans"/>
+                <a:cs typeface="Open Sans"/>
+                <a:sym typeface="Open Sans"/>
+              </a:rPr>
+              <a:t>What can wash away my sin</a:t>
+            </a:r>
+          </a:p>
+          <a:p>
+            <a:pPr algn="ctr" defTabSz="914378">
+              <a:buClr>
+                <a:srgbClr val="000000"/>
+              </a:buClr>
+            </a:pPr>
+            <a:r>
+              <a:rPr lang="en-US" sz="3200" kern="0" dirty="0">
+                <a:latin typeface="Open Sans"/>
+                <a:ea typeface="Open Sans"/>
+                <a:cs typeface="Open Sans"/>
+                <a:sym typeface="Open Sans"/>
+              </a:rPr>
+              <a:t>Nothing but the blood of Jesus</a:t>
+            </a:r>
+          </a:p>
+          <a:p>
+            <a:pPr algn="ctr" defTabSz="914378">
+              <a:buClr>
+                <a:srgbClr val="000000"/>
+              </a:buClr>
+            </a:pPr>
+            <a:r>
+              <a:rPr lang="en-US" sz="3200" kern="0" dirty="0">
+                <a:latin typeface="Open Sans"/>
+                <a:ea typeface="Open Sans"/>
+                <a:cs typeface="Open Sans"/>
+                <a:sym typeface="Open Sans"/>
+              </a:rPr>
+              <a:t>What can make me whole again</a:t>
+            </a:r>
+          </a:p>
+          <a:p>
+            <a:pPr algn="ctr" defTabSz="914378">
+              <a:buClr>
+                <a:srgbClr val="000000"/>
+              </a:buClr>
+            </a:pPr>
+            <a:r>
+              <a:rPr lang="en-US" sz="3200" kern="0" dirty="0">
+                <a:latin typeface="Open Sans"/>
+                <a:ea typeface="Open Sans"/>
+                <a:cs typeface="Open Sans"/>
+                <a:sym typeface="Open Sans"/>
+              </a:rPr>
+              <a:t>Nothing but the blood of Jesus </a:t>
+            </a:r>
+          </a:p>
+          <a:p>
+            <a:pPr algn="ctr" defTabSz="914378">
+              <a:buClr>
+                <a:srgbClr val="000000"/>
+              </a:buClr>
+            </a:pPr>
+            <a:r>
+              <a:rPr lang="en-US" sz="3200" kern="0" dirty="0">
+                <a:latin typeface="Open Sans"/>
+                <a:ea typeface="Open Sans"/>
+                <a:cs typeface="Open Sans"/>
+                <a:sym typeface="Open Sans"/>
+              </a:rPr>
+              <a:t>(x2)</a:t>
+            </a:r>
+          </a:p>
+          <a:p>
+            <a:pPr algn="ctr" defTabSz="914378">
+              <a:buClr>
+                <a:srgbClr val="000000"/>
+              </a:buClr>
+            </a:pPr>
+            <a:endParaRPr lang="en-US" sz="3200" kern="0" dirty="0">
+              <a:latin typeface="Open Sans"/>
+              <a:ea typeface="Open Sans"/>
+              <a:cs typeface="Open Sans"/>
+              <a:sym typeface="Open Sans"/>
+            </a:endParaRPr>
+          </a:p>
+          <a:p>
+            <a:pPr algn="ctr" defTabSz="914378">
+              <a:buClr>
+                <a:srgbClr val="000000"/>
+              </a:buClr>
+            </a:pPr>
+            <a:r>
+              <a:rPr lang="en-US" sz="3200" kern="0" dirty="0">
+                <a:latin typeface="Open Sans"/>
+                <a:ea typeface="Open Sans"/>
+                <a:cs typeface="Open Sans"/>
+                <a:sym typeface="Open Sans"/>
+              </a:rPr>
+              <a:t>Nothing but the blood of Jesus</a:t>
+            </a:r>
+          </a:p>
+        </p:txBody>
+      </p:sp>
+    </p:spTree>
+    <p:extLst>
+      <p:ext uri="{BB962C8B-B14F-4D97-AF65-F5344CB8AC3E}">
+        <p14:creationId xmlns:p14="http://schemas.microsoft.com/office/powerpoint/2010/main" val="2480319798"/>
+      </p:ext>
+    </p:extLst>
+  </p:cSld>
+  <p:clrMapOvr>
+    <a:masterClrMapping/>
+  </p:clrMapOvr>
+</p:sld>
+</file>
+
+<file path=ppt/slides/slide54.xml><?xml version="1.0" encoding="utf-8"?>
+<p:sld xmlns:a="http://schemas.openxmlformats.org/drawingml/2006/main" xmlns:r="http://schemas.openxmlformats.org/officeDocument/2006/relationships" xmlns:p="http://schemas.openxmlformats.org/presentationml/2006/main">
+  <p:cSld>
+    <p:spTree>
+      <p:nvGrpSpPr>
+        <p:cNvPr id="1" name="Shape 1238"/>
+        <p:cNvGrpSpPr/>
+        <p:nvPr/>
+      </p:nvGrpSpPr>
+      <p:grpSpPr>
+        <a:xfrm>
+          <a:off x="0" y="0"/>
+          <a:ext cx="0" cy="0"/>
+          <a:chOff x="0" y="0"/>
+          <a:chExt cx="0" cy="0"/>
+        </a:xfrm>
+      </p:grpSpPr>
+      <p:sp>
+        <p:nvSpPr>
+          <p:cNvPr id="1250" name="Google Shape;1250;p91"/>
+          <p:cNvSpPr txBox="1"/>
+          <p:nvPr/>
+        </p:nvSpPr>
+        <p:spPr>
+          <a:xfrm>
+            <a:off x="455895" y="398109"/>
+            <a:ext cx="8232211" cy="2974312"/>
+          </a:xfrm>
+          <a:prstGeom prst="rect">
+            <a:avLst/>
+          </a:prstGeom>
+          <a:noFill/>
+          <a:ln>
+            <a:noFill/>
+          </a:ln>
+        </p:spPr>
+        <p:txBody>
+          <a:bodyPr spcFirstLastPara="1" wrap="square" lIns="0" tIns="91425" rIns="0" bIns="91425" anchor="ctr" anchorCtr="0">
+            <a:noAutofit/>
+          </a:bodyPr>
+          <a:lstStyle/>
+          <a:p>
+            <a:pPr algn="ctr" defTabSz="914378">
+              <a:buClr>
+                <a:srgbClr val="000000"/>
+              </a:buClr>
+            </a:pPr>
+            <a:r>
+              <a:rPr lang="en-US" sz="2400" kern="0" dirty="0">
+                <a:latin typeface="Open Sans"/>
+                <a:ea typeface="Open Sans"/>
+                <a:cs typeface="Open Sans"/>
+                <a:sym typeface="Open Sans"/>
+              </a:rPr>
+              <a:t>Chorus</a:t>
+            </a:r>
+            <a:r>
+              <a:rPr lang="en-US" sz="3200" kern="0" dirty="0">
+                <a:latin typeface="Open Sans"/>
+                <a:ea typeface="Open Sans"/>
+                <a:cs typeface="Open Sans"/>
+                <a:sym typeface="Open Sans"/>
+              </a:rPr>
+              <a:t> </a:t>
+            </a:r>
+          </a:p>
+          <a:p>
+            <a:pPr algn="ctr" defTabSz="914378">
+              <a:buClr>
+                <a:srgbClr val="000000"/>
+              </a:buClr>
+            </a:pPr>
+            <a:r>
+              <a:rPr lang="en-US" sz="3200" kern="0" dirty="0">
+                <a:latin typeface="Open Sans"/>
+                <a:ea typeface="Open Sans"/>
+                <a:cs typeface="Open Sans"/>
+                <a:sym typeface="Open Sans"/>
+              </a:rPr>
+              <a:t>I will boast in Christ alone</a:t>
+            </a:r>
+          </a:p>
+          <a:p>
+            <a:pPr algn="ctr" defTabSz="914378">
+              <a:buClr>
+                <a:srgbClr val="000000"/>
+              </a:buClr>
+            </a:pPr>
+            <a:r>
+              <a:rPr lang="en-US" sz="3200" kern="0" dirty="0">
+                <a:latin typeface="Open Sans"/>
+                <a:ea typeface="Open Sans"/>
+                <a:cs typeface="Open Sans"/>
+                <a:sym typeface="Open Sans"/>
+              </a:rPr>
+              <a:t>His righteousness</a:t>
+            </a:r>
+          </a:p>
+          <a:p>
+            <a:pPr algn="ctr" defTabSz="914378">
+              <a:buClr>
+                <a:srgbClr val="000000"/>
+              </a:buClr>
+            </a:pPr>
+            <a:r>
+              <a:rPr lang="en-US" sz="3200" kern="0" dirty="0">
+                <a:latin typeface="Open Sans"/>
+                <a:ea typeface="Open Sans"/>
+                <a:cs typeface="Open Sans"/>
+                <a:sym typeface="Open Sans"/>
+              </a:rPr>
+              <a:t>and not my own</a:t>
+            </a:r>
+          </a:p>
+        </p:txBody>
+      </p:sp>
+    </p:spTree>
+    <p:extLst>
+      <p:ext uri="{BB962C8B-B14F-4D97-AF65-F5344CB8AC3E}">
+        <p14:creationId xmlns:p14="http://schemas.microsoft.com/office/powerpoint/2010/main" val="629478902"/>
+      </p:ext>
+    </p:extLst>
+  </p:cSld>
+  <p:clrMapOvr>
+    <a:masterClrMapping/>
+  </p:clrMapOvr>
+</p:sld>
+</file>
+
+<file path=ppt/slides/slide55.xml><?xml version="1.0" encoding="utf-8"?>
+<p:sld xmlns:a="http://schemas.openxmlformats.org/drawingml/2006/main" xmlns:r="http://schemas.openxmlformats.org/officeDocument/2006/relationships" xmlns:p="http://schemas.openxmlformats.org/presentationml/2006/main">
+  <p:cSld>
+    <p:spTree>
+      <p:nvGrpSpPr>
+        <p:cNvPr id="1" name="Shape 1238"/>
+        <p:cNvGrpSpPr/>
+        <p:nvPr/>
+      </p:nvGrpSpPr>
+      <p:grpSpPr>
+        <a:xfrm>
+          <a:off x="0" y="0"/>
+          <a:ext cx="0" cy="0"/>
+          <a:chOff x="0" y="0"/>
+          <a:chExt cx="0" cy="0"/>
+        </a:xfrm>
+      </p:grpSpPr>
+      <p:sp>
+        <p:nvSpPr>
+          <p:cNvPr id="1250" name="Google Shape;1250;p91"/>
+          <p:cNvSpPr txBox="1"/>
+          <p:nvPr/>
+        </p:nvSpPr>
+        <p:spPr>
+          <a:xfrm>
+            <a:off x="455895" y="476040"/>
+            <a:ext cx="8232211" cy="2974312"/>
+          </a:xfrm>
+          <a:prstGeom prst="rect">
+            <a:avLst/>
+          </a:prstGeom>
+          <a:noFill/>
+          <a:ln>
+            <a:noFill/>
+          </a:ln>
+        </p:spPr>
+        <p:txBody>
+          <a:bodyPr spcFirstLastPara="1" wrap="square" lIns="0" tIns="91425" rIns="0" bIns="91425" anchor="ctr" anchorCtr="0">
+            <a:noAutofit/>
+          </a:bodyPr>
+          <a:lstStyle/>
+          <a:p>
+            <a:pPr algn="ctr" defTabSz="914378">
+              <a:buClr>
+                <a:srgbClr val="000000"/>
+              </a:buClr>
+            </a:pPr>
+            <a:r>
+              <a:rPr lang="en-US" sz="2400" kern="0" dirty="0">
+                <a:latin typeface="Open Sans"/>
+                <a:ea typeface="Open Sans"/>
+                <a:cs typeface="Open Sans"/>
+                <a:sym typeface="Open Sans"/>
+              </a:rPr>
+              <a:t>Chorus</a:t>
+            </a:r>
+            <a:r>
+              <a:rPr lang="en-US" sz="3200" kern="0" dirty="0">
+                <a:latin typeface="Open Sans"/>
+                <a:ea typeface="Open Sans"/>
+                <a:cs typeface="Open Sans"/>
+                <a:sym typeface="Open Sans"/>
+              </a:rPr>
+              <a:t> </a:t>
+            </a:r>
+          </a:p>
+          <a:p>
+            <a:pPr algn="ctr" defTabSz="914378">
+              <a:buClr>
+                <a:srgbClr val="000000"/>
+              </a:buClr>
+            </a:pPr>
+            <a:r>
+              <a:rPr lang="en-US" sz="3200" kern="0" dirty="0">
+                <a:latin typeface="Open Sans"/>
+                <a:ea typeface="Open Sans"/>
+                <a:cs typeface="Open Sans"/>
+                <a:sym typeface="Open Sans"/>
+              </a:rPr>
+              <a:t>I will cling to Christ my hope</a:t>
+            </a:r>
+          </a:p>
+          <a:p>
+            <a:pPr algn="ctr" defTabSz="914378">
+              <a:buClr>
+                <a:srgbClr val="000000"/>
+              </a:buClr>
+            </a:pPr>
+            <a:r>
+              <a:rPr lang="en-US" sz="3200" kern="0" dirty="0">
+                <a:latin typeface="Open Sans"/>
+                <a:ea typeface="Open Sans"/>
+                <a:cs typeface="Open Sans"/>
+                <a:sym typeface="Open Sans"/>
+              </a:rPr>
+              <a:t>His mercy reigns</a:t>
+            </a:r>
+          </a:p>
+          <a:p>
+            <a:pPr algn="ctr" defTabSz="914378">
+              <a:buClr>
+                <a:srgbClr val="000000"/>
+              </a:buClr>
+            </a:pPr>
+            <a:r>
+              <a:rPr lang="en-US" sz="3200" kern="0" dirty="0">
+                <a:latin typeface="Open Sans"/>
+                <a:ea typeface="Open Sans"/>
+                <a:cs typeface="Open Sans"/>
+                <a:sym typeface="Open Sans"/>
+              </a:rPr>
+              <a:t>now and forever</a:t>
+            </a:r>
+          </a:p>
+        </p:txBody>
+      </p:sp>
+    </p:spTree>
+    <p:extLst>
+      <p:ext uri="{BB962C8B-B14F-4D97-AF65-F5344CB8AC3E}">
+        <p14:creationId xmlns:p14="http://schemas.microsoft.com/office/powerpoint/2010/main" val="672637587"/>
+      </p:ext>
+    </p:extLst>
+  </p:cSld>
+  <p:clrMapOvr>
+    <a:masterClrMapping/>
+  </p:clrMapOvr>
+</p:sld>
+</file>
+
+<file path=ppt/slides/slide56.xml><?xml version="1.0" encoding="utf-8"?>
+<p:sld xmlns:a="http://schemas.openxmlformats.org/drawingml/2006/main" xmlns:r="http://schemas.openxmlformats.org/officeDocument/2006/relationships" xmlns:p="http://schemas.openxmlformats.org/presentationml/2006/main">
+  <p:cSld>
+    <p:spTree>
+      <p:nvGrpSpPr>
+        <p:cNvPr id="1" name="Shape 1238"/>
+        <p:cNvGrpSpPr/>
+        <p:nvPr/>
+      </p:nvGrpSpPr>
+      <p:grpSpPr>
+        <a:xfrm>
+          <a:off x="0" y="0"/>
+          <a:ext cx="0" cy="0"/>
+          <a:chOff x="0" y="0"/>
+          <a:chExt cx="0" cy="0"/>
+        </a:xfrm>
+      </p:grpSpPr>
+      <p:sp>
+        <p:nvSpPr>
+          <p:cNvPr id="1250" name="Google Shape;1250;p91"/>
+          <p:cNvSpPr txBox="1"/>
+          <p:nvPr/>
+        </p:nvSpPr>
+        <p:spPr>
+          <a:xfrm>
+            <a:off x="455895" y="649569"/>
+            <a:ext cx="8232211" cy="2974312"/>
+          </a:xfrm>
+          <a:prstGeom prst="rect">
+            <a:avLst/>
+          </a:prstGeom>
+          <a:noFill/>
+          <a:ln>
+            <a:noFill/>
+          </a:ln>
+        </p:spPr>
+        <p:txBody>
+          <a:bodyPr spcFirstLastPara="1" wrap="square" lIns="0" tIns="91425" rIns="0" bIns="91425" anchor="ctr" anchorCtr="0">
+            <a:noAutofit/>
+          </a:bodyPr>
+          <a:lstStyle/>
+          <a:p>
+            <a:pPr algn="ctr" defTabSz="914378">
+              <a:buClr>
+                <a:srgbClr val="000000"/>
+              </a:buClr>
+            </a:pPr>
+            <a:r>
+              <a:rPr lang="en-US" sz="2400" kern="0" dirty="0">
+                <a:latin typeface="Open Sans"/>
+                <a:ea typeface="Open Sans"/>
+                <a:cs typeface="Open Sans"/>
+                <a:sym typeface="Open Sans"/>
+              </a:rPr>
+              <a:t>Bridge</a:t>
+            </a:r>
+            <a:r>
+              <a:rPr lang="en-US" sz="3200" kern="0" dirty="0">
+                <a:latin typeface="Open Sans"/>
+                <a:ea typeface="Open Sans"/>
+                <a:cs typeface="Open Sans"/>
+                <a:sym typeface="Open Sans"/>
+              </a:rPr>
+              <a:t> </a:t>
+            </a:r>
+          </a:p>
+          <a:p>
+            <a:pPr algn="ctr" defTabSz="914378">
+              <a:buClr>
+                <a:srgbClr val="000000"/>
+              </a:buClr>
+            </a:pPr>
+            <a:r>
+              <a:rPr lang="en-US" sz="3200" kern="0" dirty="0">
+                <a:latin typeface="Open Sans"/>
+                <a:ea typeface="Open Sans"/>
+                <a:cs typeface="Open Sans"/>
+                <a:sym typeface="Open Sans"/>
+              </a:rPr>
+              <a:t>What can wash away my sin</a:t>
+            </a:r>
+          </a:p>
+          <a:p>
+            <a:pPr algn="ctr" defTabSz="914378">
+              <a:buClr>
+                <a:srgbClr val="000000"/>
+              </a:buClr>
+            </a:pPr>
+            <a:r>
+              <a:rPr lang="en-US" sz="3200" kern="0" dirty="0">
+                <a:latin typeface="Open Sans"/>
+                <a:ea typeface="Open Sans"/>
+                <a:cs typeface="Open Sans"/>
+                <a:sym typeface="Open Sans"/>
+              </a:rPr>
+              <a:t>Nothing but the blood of Jesus</a:t>
+            </a:r>
+          </a:p>
+          <a:p>
+            <a:pPr algn="ctr" defTabSz="914378">
+              <a:buClr>
+                <a:srgbClr val="000000"/>
+              </a:buClr>
+            </a:pPr>
+            <a:r>
+              <a:rPr lang="en-US" sz="3200" kern="0" dirty="0">
+                <a:latin typeface="Open Sans"/>
+                <a:ea typeface="Open Sans"/>
+                <a:cs typeface="Open Sans"/>
+                <a:sym typeface="Open Sans"/>
+              </a:rPr>
+              <a:t>What can make me whole again</a:t>
+            </a:r>
+          </a:p>
+          <a:p>
+            <a:pPr algn="ctr" defTabSz="914378">
+              <a:buClr>
+                <a:srgbClr val="000000"/>
+              </a:buClr>
+            </a:pPr>
+            <a:r>
+              <a:rPr lang="en-US" sz="3200" kern="0" dirty="0">
+                <a:latin typeface="Open Sans"/>
+                <a:ea typeface="Open Sans"/>
+                <a:cs typeface="Open Sans"/>
+                <a:sym typeface="Open Sans"/>
+              </a:rPr>
+              <a:t>Nothing but the blood of Jesus </a:t>
+            </a:r>
+          </a:p>
+        </p:txBody>
+      </p:sp>
+    </p:spTree>
+    <p:extLst>
+      <p:ext uri="{BB962C8B-B14F-4D97-AF65-F5344CB8AC3E}">
+        <p14:creationId xmlns:p14="http://schemas.microsoft.com/office/powerpoint/2010/main" val="3746059651"/>
+      </p:ext>
+    </p:extLst>
+  </p:cSld>
+  <p:clrMapOvr>
+    <a:masterClrMapping/>
+  </p:clrMapOvr>
+</p:sld>
+</file>
+
+<file path=ppt/slides/slide57.xml><?xml version="1.0" encoding="utf-8"?>
+<p:sld xmlns:a="http://schemas.openxmlformats.org/drawingml/2006/main" xmlns:r="http://schemas.openxmlformats.org/officeDocument/2006/relationships" xmlns:p="http://schemas.openxmlformats.org/presentationml/2006/main">
+  <p:cSld>
+    <p:spTree>
+      <p:nvGrpSpPr>
+        <p:cNvPr id="1" name="Shape 1238"/>
+        <p:cNvGrpSpPr/>
+        <p:nvPr/>
+      </p:nvGrpSpPr>
+      <p:grpSpPr>
+        <a:xfrm>
+          <a:off x="0" y="0"/>
+          <a:ext cx="0" cy="0"/>
+          <a:chOff x="0" y="0"/>
+          <a:chExt cx="0" cy="0"/>
+        </a:xfrm>
+      </p:grpSpPr>
+      <p:sp>
+        <p:nvSpPr>
+          <p:cNvPr id="1250" name="Google Shape;1250;p91"/>
+          <p:cNvSpPr txBox="1"/>
+          <p:nvPr/>
+        </p:nvSpPr>
+        <p:spPr>
+          <a:xfrm>
+            <a:off x="455895" y="649569"/>
+            <a:ext cx="8232211" cy="2974312"/>
+          </a:xfrm>
+          <a:prstGeom prst="rect">
+            <a:avLst/>
+          </a:prstGeom>
+          <a:noFill/>
+          <a:ln>
+            <a:noFill/>
+          </a:ln>
+        </p:spPr>
+        <p:txBody>
+          <a:bodyPr spcFirstLastPara="1" wrap="square" lIns="0" tIns="91425" rIns="0" bIns="91425" anchor="ctr" anchorCtr="0">
+            <a:noAutofit/>
+          </a:bodyPr>
+          <a:lstStyle/>
+          <a:p>
+            <a:pPr algn="ctr" defTabSz="914378">
+              <a:buClr>
+                <a:srgbClr val="000000"/>
+              </a:buClr>
+            </a:pPr>
+            <a:r>
+              <a:rPr lang="en-US" sz="2400" kern="0" dirty="0">
+                <a:latin typeface="Open Sans"/>
+                <a:ea typeface="Open Sans"/>
+                <a:cs typeface="Open Sans"/>
+                <a:sym typeface="Open Sans"/>
+              </a:rPr>
+              <a:t>Bridge</a:t>
+            </a:r>
+            <a:r>
+              <a:rPr lang="en-US" sz="3200" kern="0" dirty="0">
+                <a:latin typeface="Open Sans"/>
+                <a:ea typeface="Open Sans"/>
+                <a:cs typeface="Open Sans"/>
+                <a:sym typeface="Open Sans"/>
+              </a:rPr>
+              <a:t> </a:t>
+            </a:r>
+          </a:p>
+          <a:p>
+            <a:pPr algn="ctr" defTabSz="914378">
+              <a:buClr>
+                <a:srgbClr val="000000"/>
+              </a:buClr>
+            </a:pPr>
+            <a:r>
+              <a:rPr lang="en-US" sz="3200" kern="0" dirty="0">
+                <a:latin typeface="Open Sans"/>
+                <a:ea typeface="Open Sans"/>
+                <a:cs typeface="Open Sans"/>
+                <a:sym typeface="Open Sans"/>
+              </a:rPr>
+              <a:t>O precious is the flow</a:t>
+            </a:r>
+          </a:p>
+          <a:p>
+            <a:pPr algn="ctr" defTabSz="914378">
+              <a:buClr>
+                <a:srgbClr val="000000"/>
+              </a:buClr>
+            </a:pPr>
+            <a:r>
+              <a:rPr lang="en-US" sz="3200" kern="0" dirty="0">
+                <a:latin typeface="Open Sans"/>
+                <a:ea typeface="Open Sans"/>
+                <a:cs typeface="Open Sans"/>
+                <a:sym typeface="Open Sans"/>
+              </a:rPr>
+              <a:t>That makes me white as snow</a:t>
+            </a:r>
+          </a:p>
+          <a:p>
+            <a:pPr algn="ctr" defTabSz="914378">
+              <a:buClr>
+                <a:srgbClr val="000000"/>
+              </a:buClr>
+            </a:pPr>
+            <a:r>
+              <a:rPr lang="en-US" sz="3200" kern="0" dirty="0">
+                <a:latin typeface="Open Sans"/>
+                <a:ea typeface="Open Sans"/>
+                <a:cs typeface="Open Sans"/>
+                <a:sym typeface="Open Sans"/>
+              </a:rPr>
+              <a:t>No other fount I know</a:t>
+            </a:r>
+          </a:p>
+          <a:p>
+            <a:pPr algn="ctr" defTabSz="914378">
+              <a:buClr>
+                <a:srgbClr val="000000"/>
+              </a:buClr>
+            </a:pPr>
+            <a:r>
+              <a:rPr lang="en-US" sz="3200" kern="0" dirty="0">
+                <a:latin typeface="Open Sans"/>
+                <a:ea typeface="Open Sans"/>
+                <a:cs typeface="Open Sans"/>
+                <a:sym typeface="Open Sans"/>
+              </a:rPr>
+              <a:t>Nothing but the blood of Jesus</a:t>
+            </a:r>
+          </a:p>
+          <a:p>
+            <a:pPr algn="ctr" defTabSz="914378">
+              <a:buClr>
+                <a:srgbClr val="000000"/>
+              </a:buClr>
+            </a:pPr>
+            <a:r>
+              <a:rPr lang="en-US" sz="3200" kern="0" dirty="0">
+                <a:latin typeface="Open Sans"/>
+                <a:ea typeface="Open Sans"/>
+                <a:cs typeface="Open Sans"/>
+                <a:sym typeface="Open Sans"/>
+              </a:rPr>
+              <a:t>Nothing but the blood of Jesus</a:t>
+            </a:r>
+          </a:p>
+        </p:txBody>
+      </p:sp>
+    </p:spTree>
+    <p:extLst>
+      <p:ext uri="{BB962C8B-B14F-4D97-AF65-F5344CB8AC3E}">
+        <p14:creationId xmlns:p14="http://schemas.microsoft.com/office/powerpoint/2010/main" val="3015881691"/>
+      </p:ext>
+    </p:extLst>
+  </p:cSld>
+  <p:clrMapOvr>
+    <a:masterClrMapping/>
+  </p:clrMapOvr>
+</p:sld>
+</file>
+
+<file path=ppt/slides/slide58.xml><?xml version="1.0" encoding="utf-8"?>
 <p:sld xmlns:a="http://schemas.openxmlformats.org/drawingml/2006/main" xmlns:r="http://schemas.openxmlformats.org/officeDocument/2006/relationships" xmlns:p="http://schemas.openxmlformats.org/presentationml/2006/main">
   <p:cSld>
     <p:bg>
@@ -30616,7 +33453,7 @@
 </p:sld>
 </file>
 
-<file path=ppt/slides/slide46.xml><?xml version="1.0" encoding="utf-8"?>
+<file path=ppt/slides/slide59.xml><?xml version="1.0" encoding="utf-8"?>
 <p:sld xmlns:a="http://schemas.openxmlformats.org/drawingml/2006/main" xmlns:r="http://schemas.openxmlformats.org/officeDocument/2006/relationships" xmlns:p="http://schemas.openxmlformats.org/presentationml/2006/main">
   <p:cSld>
     <p:bg>
@@ -30855,7 +33692,85 @@
 </p:sld>
 </file>
 
-<file path=ppt/slides/slide47.xml><?xml version="1.0" encoding="utf-8"?>
+<file path=ppt/slides/slide6.xml><?xml version="1.0" encoding="utf-8"?>
+<p:sld xmlns:a="http://schemas.openxmlformats.org/drawingml/2006/main" xmlns:r="http://schemas.openxmlformats.org/officeDocument/2006/relationships" xmlns:p="http://schemas.openxmlformats.org/presentationml/2006/main">
+  <p:cSld>
+    <p:spTree>
+      <p:nvGrpSpPr>
+        <p:cNvPr id="1" name="Shape 1062"/>
+        <p:cNvGrpSpPr/>
+        <p:nvPr/>
+      </p:nvGrpSpPr>
+      <p:grpSpPr>
+        <a:xfrm>
+          <a:off x="0" y="0"/>
+          <a:ext cx="0" cy="0"/>
+          <a:chOff x="0" y="0"/>
+          <a:chExt cx="0" cy="0"/>
+        </a:xfrm>
+      </p:grpSpPr>
+      <p:sp>
+        <p:nvSpPr>
+          <p:cNvPr id="1072" name="Google Shape;1072;p77"/>
+          <p:cNvSpPr txBox="1">
+            <a:spLocks noGrp="1"/>
+          </p:cNvSpPr>
+          <p:nvPr>
+            <p:ph type="subTitle" idx="1"/>
+          </p:nvPr>
+        </p:nvSpPr>
+        <p:spPr>
+          <a:xfrm>
+            <a:off x="228601" y="277239"/>
+            <a:ext cx="8701391" cy="4649822"/>
+          </a:xfrm>
+          <a:prstGeom prst="rect">
+            <a:avLst/>
+          </a:prstGeom>
+        </p:spPr>
+        <p:txBody>
+          <a:bodyPr spcFirstLastPara="1" vert="horz" wrap="square" lIns="91425" tIns="91425" rIns="91425" bIns="91425" rtlCol="0" anchor="t" anchorCtr="0">
+            <a:noAutofit/>
+          </a:bodyPr>
+          <a:lstStyle/>
+          <a:p>
+            <a:pPr marL="0" indent="0"/>
+            <a:r>
+              <a:rPr lang="en-US" sz="3200" dirty="0"/>
+              <a:t>Pre-chorus</a:t>
+            </a:r>
+          </a:p>
+          <a:p>
+            <a:pPr marL="0" indent="0"/>
+            <a:r>
+              <a:rPr lang="en-US" sz="3200" dirty="0"/>
+              <a:t>Everything I once held dear</a:t>
+            </a:r>
+          </a:p>
+          <a:p>
+            <a:pPr marL="0" indent="0"/>
+            <a:r>
+              <a:rPr lang="en-US" sz="3200" dirty="0"/>
+              <a:t>I count it all as lost</a:t>
+            </a:r>
+            <a:endParaRPr dirty="0"/>
+          </a:p>
+        </p:txBody>
+      </p:sp>
+    </p:spTree>
+    <p:extLst>
+      <p:ext uri="{BB962C8B-B14F-4D97-AF65-F5344CB8AC3E}">
+        <p14:creationId xmlns:p14="http://schemas.microsoft.com/office/powerpoint/2010/main" val="648886970"/>
+      </p:ext>
+    </p:extLst>
+  </p:cSld>
+  <p:clrMapOvr>
+    <a:masterClrMapping/>
+  </p:clrMapOvr>
+</p:sld>
+</file>
+
+<file path=ppt/slides/slide60.xml><?xml version="1.0" encoding="utf-8"?>
 <p:sld xmlns:a="http://schemas.openxmlformats.org/drawingml/2006/main" xmlns:r="http://schemas.openxmlformats.org/officeDocument/2006/relationships" xmlns:p="http://schemas.openxmlformats.org/presentationml/2006/main">
   <p:cSld>
     <p:spTree>
@@ -30952,7 +33867,7 @@
 </p:sld>
 </file>
 
-<file path=ppt/slides/slide48.xml><?xml version="1.0" encoding="utf-8"?>
+<file path=ppt/slides/slide61.xml><?xml version="1.0" encoding="utf-8"?>
 <p:sld xmlns:a="http://schemas.openxmlformats.org/drawingml/2006/main" xmlns:r="http://schemas.openxmlformats.org/officeDocument/2006/relationships" xmlns:p="http://schemas.openxmlformats.org/presentationml/2006/main">
   <p:cSld>
     <p:bg>
@@ -31127,7 +34042,7 @@
 </p:sld>
 </file>
 
-<file path=ppt/slides/slide49.xml><?xml version="1.0" encoding="utf-8"?>
+<file path=ppt/slides/slide62.xml><?xml version="1.0" encoding="utf-8"?>
 <p:sld xmlns:a="http://schemas.openxmlformats.org/drawingml/2006/main" xmlns:r="http://schemas.openxmlformats.org/officeDocument/2006/relationships" xmlns:p="http://schemas.openxmlformats.org/presentationml/2006/main">
   <p:cSld>
     <p:bg>
@@ -31327,178 +34242,6 @@
       </p:par>
     </p:tnLst>
   </p:timing>
-</p:sld>
-</file>
-
-<file path=ppt/slides/slide5.xml><?xml version="1.0" encoding="utf-8"?>
-<p:sld xmlns:a="http://schemas.openxmlformats.org/drawingml/2006/main" xmlns:r="http://schemas.openxmlformats.org/officeDocument/2006/relationships" xmlns:p="http://schemas.openxmlformats.org/presentationml/2006/main">
-  <p:cSld>
-    <p:spTree>
-      <p:nvGrpSpPr>
-        <p:cNvPr id="1" name="Shape 1062"/>
-        <p:cNvGrpSpPr/>
-        <p:nvPr/>
-      </p:nvGrpSpPr>
-      <p:grpSpPr>
-        <a:xfrm>
-          <a:off x="0" y="0"/>
-          <a:ext cx="0" cy="0"/>
-          <a:chOff x="0" y="0"/>
-          <a:chExt cx="0" cy="0"/>
-        </a:xfrm>
-      </p:grpSpPr>
-      <p:sp>
-        <p:nvSpPr>
-          <p:cNvPr id="1072" name="Google Shape;1072;p77"/>
-          <p:cNvSpPr txBox="1">
-            <a:spLocks noGrp="1"/>
-          </p:cNvSpPr>
-          <p:nvPr>
-            <p:ph type="subTitle" idx="1"/>
-          </p:nvPr>
-        </p:nvSpPr>
-        <p:spPr>
-          <a:xfrm>
-            <a:off x="228601" y="277239"/>
-            <a:ext cx="8701391" cy="4649822"/>
-          </a:xfrm>
-          <a:prstGeom prst="rect">
-            <a:avLst/>
-          </a:prstGeom>
-        </p:spPr>
-        <p:txBody>
-          <a:bodyPr spcFirstLastPara="1" vert="horz" wrap="square" lIns="91425" tIns="91425" rIns="91425" bIns="91425" rtlCol="0" anchor="t" anchorCtr="0">
-            <a:noAutofit/>
-          </a:bodyPr>
-          <a:lstStyle/>
-          <a:p>
-            <a:pPr marL="0" indent="0"/>
-            <a:r>
-              <a:rPr lang="en-US" sz="3200" dirty="0"/>
-              <a:t>Verse 1 </a:t>
-            </a:r>
-          </a:p>
-          <a:p>
-            <a:pPr marL="0" indent="0"/>
-            <a:r>
-              <a:rPr lang="en-US" sz="3200" dirty="0"/>
-              <a:t>Savior I come</a:t>
-            </a:r>
-          </a:p>
-          <a:p>
-            <a:pPr marL="0" indent="0"/>
-            <a:r>
-              <a:rPr lang="en-US" sz="3200" dirty="0"/>
-              <a:t>Quiet my soul, remember</a:t>
-            </a:r>
-          </a:p>
-          <a:p>
-            <a:pPr marL="0" indent="0"/>
-            <a:r>
-              <a:rPr lang="en-US" sz="3200" dirty="0"/>
-              <a:t>Redemption's hill</a:t>
-            </a:r>
-          </a:p>
-          <a:p>
-            <a:pPr marL="0" indent="0"/>
-            <a:r>
-              <a:rPr lang="en-US" sz="3200" dirty="0"/>
-              <a:t>Where Your blood was spilled</a:t>
-            </a:r>
-          </a:p>
-          <a:p>
-            <a:pPr marL="0" indent="0"/>
-            <a:r>
-              <a:rPr lang="en-US" sz="3200" dirty="0"/>
-              <a:t>For my ransom</a:t>
-            </a:r>
-            <a:endParaRPr dirty="0"/>
-          </a:p>
-        </p:txBody>
-      </p:sp>
-    </p:spTree>
-  </p:cSld>
-  <p:clrMapOvr>
-    <a:masterClrMapping/>
-  </p:clrMapOvr>
-</p:sld>
-</file>
-
-<file path=ppt/slides/slide6.xml><?xml version="1.0" encoding="utf-8"?>
-<p:sld xmlns:a="http://schemas.openxmlformats.org/drawingml/2006/main" xmlns:r="http://schemas.openxmlformats.org/officeDocument/2006/relationships" xmlns:p="http://schemas.openxmlformats.org/presentationml/2006/main">
-  <p:cSld>
-    <p:spTree>
-      <p:nvGrpSpPr>
-        <p:cNvPr id="1" name="Shape 1062"/>
-        <p:cNvGrpSpPr/>
-        <p:nvPr/>
-      </p:nvGrpSpPr>
-      <p:grpSpPr>
-        <a:xfrm>
-          <a:off x="0" y="0"/>
-          <a:ext cx="0" cy="0"/>
-          <a:chOff x="0" y="0"/>
-          <a:chExt cx="0" cy="0"/>
-        </a:xfrm>
-      </p:grpSpPr>
-      <p:sp>
-        <p:nvSpPr>
-          <p:cNvPr id="1072" name="Google Shape;1072;p77"/>
-          <p:cNvSpPr txBox="1">
-            <a:spLocks noGrp="1"/>
-          </p:cNvSpPr>
-          <p:nvPr>
-            <p:ph type="subTitle" idx="1"/>
-          </p:nvPr>
-        </p:nvSpPr>
-        <p:spPr>
-          <a:xfrm>
-            <a:off x="228601" y="277239"/>
-            <a:ext cx="8701391" cy="4649822"/>
-          </a:xfrm>
-          <a:prstGeom prst="rect">
-            <a:avLst/>
-          </a:prstGeom>
-        </p:spPr>
-        <p:txBody>
-          <a:bodyPr spcFirstLastPara="1" vert="horz" wrap="square" lIns="91425" tIns="91425" rIns="91425" bIns="91425" rtlCol="0" anchor="t" anchorCtr="0">
-            <a:noAutofit/>
-          </a:bodyPr>
-          <a:lstStyle/>
-          <a:p>
-            <a:pPr marL="0" indent="0"/>
-            <a:r>
-              <a:rPr lang="en-US" sz="3200" dirty="0"/>
-              <a:t>Pre-chorus</a:t>
-            </a:r>
-          </a:p>
-          <a:p>
-            <a:pPr marL="0" indent="0"/>
-            <a:r>
-              <a:rPr lang="en-US" sz="3200" dirty="0"/>
-              <a:t>Everything I once held dear</a:t>
-            </a:r>
-          </a:p>
-          <a:p>
-            <a:pPr marL="0" indent="0"/>
-            <a:r>
-              <a:rPr lang="en-US" sz="3200" dirty="0"/>
-              <a:t>I count it all as lost</a:t>
-            </a:r>
-            <a:endParaRPr dirty="0"/>
-          </a:p>
-        </p:txBody>
-      </p:sp>
-    </p:spTree>
-    <p:extLst>
-      <p:ext uri="{BB962C8B-B14F-4D97-AF65-F5344CB8AC3E}">
-        <p14:creationId xmlns:p14="http://schemas.microsoft.com/office/powerpoint/2010/main" val="648886970"/>
-      </p:ext>
-    </p:extLst>
-  </p:cSld>
-  <p:clrMapOvr>
-    <a:masterClrMapping/>
-  </p:clrMapOvr>
 </p:sld>
 </file>
 
